--- a/스프링의 구조.pptx
+++ b/스프링의 구조.pptx
@@ -5,7 +5,7 @@
     <p:sldMasterId id="2147483660" r:id="rId1"/>
   </p:sldMasterIdLst>
   <p:notesMasterIdLst>
-    <p:notesMasterId r:id="rId22"/>
+    <p:notesMasterId r:id="rId23"/>
   </p:notesMasterIdLst>
   <p:sldIdLst>
     <p:sldId id="256" r:id="rId2"/>
@@ -20,14 +20,15 @@
     <p:sldId id="313" r:id="rId11"/>
     <p:sldId id="314" r:id="rId12"/>
     <p:sldId id="322" r:id="rId13"/>
-    <p:sldId id="326" r:id="rId14"/>
-    <p:sldId id="318" r:id="rId15"/>
-    <p:sldId id="324" r:id="rId16"/>
-    <p:sldId id="319" r:id="rId17"/>
-    <p:sldId id="321" r:id="rId18"/>
-    <p:sldId id="325" r:id="rId19"/>
-    <p:sldId id="327" r:id="rId20"/>
-    <p:sldId id="328" r:id="rId21"/>
+    <p:sldId id="329" r:id="rId14"/>
+    <p:sldId id="326" r:id="rId15"/>
+    <p:sldId id="318" r:id="rId16"/>
+    <p:sldId id="324" r:id="rId17"/>
+    <p:sldId id="319" r:id="rId18"/>
+    <p:sldId id="321" r:id="rId19"/>
+    <p:sldId id="325" r:id="rId20"/>
+    <p:sldId id="327" r:id="rId21"/>
+    <p:sldId id="328" r:id="rId22"/>
   </p:sldIdLst>
   <p:sldSz cx="10691813" cy="7559675"/>
   <p:notesSz cx="6858000" cy="9144000"/>
@@ -243,7 +244,7 @@
             <a:fld id="{1DF3F4A2-0E57-4C17-80C9-0DADF022DFF7}" type="datetimeFigureOut">
               <a:rPr lang="ko-KR" altLang="en-US" smtClean="0"/>
               <a:pPr/>
-              <a:t>2022-04-07</a:t>
+              <a:t>2022-04-10</a:t>
             </a:fld>
             <a:endParaRPr lang="ko-KR" altLang="en-US"/>
           </a:p>
@@ -642,7 +643,7 @@
           <a:p>
             <a:fld id="{67524C88-55D3-4BDF-8EA6-671B88E3458B}" type="datetime1">
               <a:rPr lang="ko-KR" altLang="en-US" smtClean="0"/>
-              <a:t>2022-04-07</a:t>
+              <a:t>2022-04-10</a:t>
             </a:fld>
             <a:endParaRPr lang="ko-KR" altLang="en-US"/>
           </a:p>
@@ -738,7 +739,7 @@
           <a:p>
             <a:fld id="{07EEF2E2-9D0A-4494-BB0D-603E77C79F91}" type="datetime1">
               <a:rPr lang="ko-KR" altLang="en-US" smtClean="0"/>
-              <a:t>2022-04-07</a:t>
+              <a:t>2022-04-10</a:t>
             </a:fld>
             <a:endParaRPr lang="ko-KR" altLang="en-US"/>
           </a:p>
@@ -882,7 +883,7 @@
           <a:p>
             <a:fld id="{A4F3F21B-DFA0-4D48-BE1A-ADBF6BAE97F9}" type="datetime1">
               <a:rPr lang="ko-KR" altLang="en-US" smtClean="0"/>
-              <a:t>2022-04-07</a:t>
+              <a:t>2022-04-10</a:t>
             </a:fld>
             <a:endParaRPr lang="ko-KR" altLang="en-US"/>
           </a:p>
@@ -1242,7 +1243,7 @@
           <a:p>
             <a:fld id="{36AFC085-6523-4F50-ADD6-C952023DDF3A}" type="datetime1">
               <a:rPr lang="ko-KR" altLang="en-US" smtClean="0"/>
-              <a:t>2022-04-07</a:t>
+              <a:t>2022-04-10</a:t>
             </a:fld>
             <a:endParaRPr lang="ko-KR" altLang="en-US"/>
           </a:p>
@@ -1450,7 +1451,7 @@
           <a:p>
             <a:fld id="{30DF7938-C556-41E7-B76E-783E7A0ECE4C}" type="datetime1">
               <a:rPr lang="ko-KR" altLang="en-US" smtClean="0"/>
-              <a:t>2022-04-07</a:t>
+              <a:t>2022-04-10</a:t>
             </a:fld>
             <a:endParaRPr lang="ko-KR" altLang="en-US"/>
           </a:p>
@@ -1624,7 +1625,7 @@
           <a:p>
             <a:fld id="{1AD701CD-40E2-4753-8BCF-5831B17AADF1}" type="datetime1">
               <a:rPr lang="ko-KR" altLang="en-US" smtClean="0"/>
-              <a:t>2022-04-07</a:t>
+              <a:t>2022-04-10</a:t>
             </a:fld>
             <a:endParaRPr lang="ko-KR" altLang="en-US"/>
           </a:p>
@@ -1838,7 +1839,7 @@
           <a:p>
             <a:fld id="{359E1633-C8A7-401F-9431-5FF96D45B55E}" type="datetime1">
               <a:rPr lang="ko-KR" altLang="en-US" smtClean="0"/>
-              <a:t>2022-04-07</a:t>
+              <a:t>2022-04-10</a:t>
             </a:fld>
             <a:endParaRPr lang="ko-KR" altLang="en-US"/>
           </a:p>
@@ -4092,6 +4093,196 @@
       </p:sp>
       <p:sp>
         <p:nvSpPr>
+          <p:cNvPr id="4" name="TextBox 3">
+            <a:extLst>
+              <a:ext uri="{FF2B5EF4-FFF2-40B4-BE49-F238E27FC236}">
+                <a16:creationId xmlns:a16="http://schemas.microsoft.com/office/drawing/2014/main" id="{BAE8417D-CCAA-45F0-A4B2-849F67918E17}"/>
+              </a:ext>
+            </a:extLst>
+          </p:cNvPr>
+          <p:cNvSpPr txBox="1"/>
+          <p:nvPr/>
+        </p:nvSpPr>
+        <p:spPr>
+          <a:xfrm>
+            <a:off x="254248" y="918860"/>
+            <a:ext cx="10192214" cy="662361"/>
+          </a:xfrm>
+          <a:prstGeom prst="rect">
+            <a:avLst/>
+          </a:prstGeom>
+          <a:noFill/>
+        </p:spPr>
+        <p:txBody>
+          <a:bodyPr wrap="square" rtlCol="0">
+            <a:spAutoFit/>
+          </a:bodyPr>
+          <a:lstStyle/>
+          <a:p>
+            <a:pPr>
+              <a:lnSpc>
+                <a:spcPct val="150000"/>
+              </a:lnSpc>
+            </a:pPr>
+            <a:r>
+              <a:rPr lang="en-US" altLang="ko-KR" sz="1400" dirty="0">
+                <a:latin typeface="+mn-ea"/>
+              </a:rPr>
+              <a:t>2. </a:t>
+            </a:r>
+            <a:r>
+              <a:rPr lang="ko-KR" altLang="en-US" sz="1400" dirty="0">
+                <a:latin typeface="+mn-ea"/>
+              </a:rPr>
+              <a:t>스프링 컨테이너와 </a:t>
+            </a:r>
+            <a:r>
+              <a:rPr lang="en-US" altLang="ko-KR" sz="1400" dirty="0">
+                <a:latin typeface="+mn-ea"/>
+              </a:rPr>
+              <a:t>DI</a:t>
+            </a:r>
+          </a:p>
+          <a:p>
+            <a:pPr>
+              <a:lnSpc>
+                <a:spcPct val="150000"/>
+              </a:lnSpc>
+            </a:pPr>
+            <a:r>
+              <a:rPr lang="en-US" altLang="ko-KR" sz="1200" dirty="0">
+                <a:latin typeface="+mn-ea"/>
+              </a:rPr>
+              <a:t>  - </a:t>
+            </a:r>
+            <a:r>
+              <a:rPr lang="ko-KR" altLang="en-US" sz="1200" dirty="0">
+                <a:latin typeface="+mn-ea"/>
+              </a:rPr>
+              <a:t>인터페이스</a:t>
+            </a:r>
+            <a:r>
+              <a:rPr lang="en-US" altLang="ko-KR" sz="1200" dirty="0">
+                <a:latin typeface="+mn-ea"/>
+              </a:rPr>
+              <a:t>: </a:t>
+            </a:r>
+            <a:r>
+              <a:rPr lang="ko-KR" altLang="en-US" sz="1200" dirty="0">
+                <a:latin typeface="+mn-ea"/>
+              </a:rPr>
+              <a:t>객체 사이들 에서 중간 매개 역할을 담당</a:t>
+            </a:r>
+          </a:p>
+        </p:txBody>
+      </p:sp>
+      <p:pic>
+        <p:nvPicPr>
+          <p:cNvPr id="7" name="그림 6">
+            <a:extLst>
+              <a:ext uri="{FF2B5EF4-FFF2-40B4-BE49-F238E27FC236}">
+                <a16:creationId xmlns:a16="http://schemas.microsoft.com/office/drawing/2014/main" id="{BCCD5EDF-C000-4570-A5F7-E0F8A8BBF701}"/>
+              </a:ext>
+            </a:extLst>
+          </p:cNvPr>
+          <p:cNvPicPr>
+            <a:picLocks noChangeAspect="1"/>
+          </p:cNvPicPr>
+          <p:nvPr/>
+        </p:nvPicPr>
+        <p:blipFill>
+          <a:blip r:embed="rId2">
+            <a:extLst>
+              <a:ext uri="{28A0092B-C50C-407E-A947-70E740481C1C}">
+                <a14:useLocalDpi xmlns:a14="http://schemas.microsoft.com/office/drawing/2010/main" val="0"/>
+              </a:ext>
+            </a:extLst>
+          </a:blip>
+          <a:stretch>
+            <a:fillRect/>
+          </a:stretch>
+        </p:blipFill>
+        <p:spPr>
+          <a:xfrm>
+            <a:off x="2375929" y="2116547"/>
+            <a:ext cx="4823770" cy="3613171"/>
+          </a:xfrm>
+          <a:prstGeom prst="rect">
+            <a:avLst/>
+          </a:prstGeom>
+        </p:spPr>
+      </p:pic>
+    </p:spTree>
+    <p:extLst>
+      <p:ext uri="{BB962C8B-B14F-4D97-AF65-F5344CB8AC3E}">
+        <p14:creationId xmlns:p14="http://schemas.microsoft.com/office/powerpoint/2010/main" val="3214746903"/>
+      </p:ext>
+    </p:extLst>
+  </p:cSld>
+  <p:clrMapOvr>
+    <a:masterClrMapping/>
+  </p:clrMapOvr>
+</p:sld>
+</file>
+
+<file path=ppt/slides/slide13.xml><?xml version="1.0" encoding="utf-8"?>
+<p:sld xmlns:a="http://schemas.openxmlformats.org/drawingml/2006/main" xmlns:r="http://schemas.openxmlformats.org/officeDocument/2006/relationships" xmlns:p="http://schemas.openxmlformats.org/presentationml/2006/main">
+  <p:cSld>
+    <p:spTree>
+      <p:nvGrpSpPr>
+        <p:cNvPr id="1" name=""/>
+        <p:cNvGrpSpPr/>
+        <p:nvPr/>
+      </p:nvGrpSpPr>
+      <p:grpSpPr>
+        <a:xfrm>
+          <a:off x="0" y="0"/>
+          <a:ext cx="0" cy="0"/>
+          <a:chOff x="0" y="0"/>
+          <a:chExt cx="0" cy="0"/>
+        </a:xfrm>
+      </p:grpSpPr>
+      <p:sp>
+        <p:nvSpPr>
+          <p:cNvPr id="2" name="TextBox 1">
+            <a:extLst>
+              <a:ext uri="{FF2B5EF4-FFF2-40B4-BE49-F238E27FC236}">
+                <a16:creationId xmlns:a16="http://schemas.microsoft.com/office/drawing/2014/main" id="{A40733A5-52A9-4AEB-B832-87F6CDF92934}"/>
+              </a:ext>
+            </a:extLst>
+          </p:cNvPr>
+          <p:cNvSpPr txBox="1"/>
+          <p:nvPr/>
+        </p:nvSpPr>
+        <p:spPr>
+          <a:xfrm>
+            <a:off x="682456" y="89206"/>
+            <a:ext cx="10009358" cy="461665"/>
+          </a:xfrm>
+          <a:prstGeom prst="rect">
+            <a:avLst/>
+          </a:prstGeom>
+          <a:noFill/>
+        </p:spPr>
+        <p:txBody>
+          <a:bodyPr wrap="square" rtlCol="0">
+            <a:spAutoFit/>
+          </a:bodyPr>
+          <a:lstStyle/>
+          <a:p>
+            <a:r>
+              <a:rPr lang="en-US" altLang="ko-KR" sz="2400" dirty="0"/>
+              <a:t>3. </a:t>
+            </a:r>
+            <a:r>
+              <a:rPr lang="ko-KR" altLang="en-US" sz="2400" dirty="0"/>
+              <a:t>스프링 작동 원리</a:t>
+            </a:r>
+          </a:p>
+        </p:txBody>
+      </p:sp>
+      <p:sp>
+        <p:nvSpPr>
           <p:cNvPr id="3" name="슬라이드 번호 개체 틀 2">
             <a:extLst>
               <a:ext uri="{FF2B5EF4-FFF2-40B4-BE49-F238E27FC236}">
@@ -4114,7 +4305,7 @@
             <a:fld id="{CDC676C3-E9FC-452C-A32C-9FDBC70E7618}" type="slidenum">
               <a:rPr lang="ko-KR" altLang="en-US" smtClean="0"/>
               <a:pPr/>
-              <a:t>12</a:t>
+              <a:t>13</a:t>
             </a:fld>
             <a:endParaRPr lang="ko-KR" altLang="en-US" dirty="0"/>
           </a:p>
@@ -4527,7 +4718,7 @@
     </p:spTree>
     <p:extLst>
       <p:ext uri="{BB962C8B-B14F-4D97-AF65-F5344CB8AC3E}">
-        <p14:creationId xmlns:p14="http://schemas.microsoft.com/office/powerpoint/2010/main" val="3214746903"/>
+        <p14:creationId xmlns:p14="http://schemas.microsoft.com/office/powerpoint/2010/main" val="141773970"/>
       </p:ext>
     </p:extLst>
   </p:cSld>
@@ -4537,7 +4728,7 @@
 </p:sld>
 </file>
 
-<file path=ppt/slides/slide13.xml><?xml version="1.0" encoding="utf-8"?>
+<file path=ppt/slides/slide14.xml><?xml version="1.0" encoding="utf-8"?>
 <p:sld xmlns:a="http://schemas.openxmlformats.org/drawingml/2006/main" xmlns:r="http://schemas.openxmlformats.org/officeDocument/2006/relationships" xmlns:p="http://schemas.openxmlformats.org/presentationml/2006/main">
   <p:cSld>
     <p:spTree>
@@ -4617,7 +4808,7 @@
             <a:fld id="{CDC676C3-E9FC-452C-A32C-9FDBC70E7618}" type="slidenum">
               <a:rPr lang="ko-KR" altLang="en-US" smtClean="0"/>
               <a:pPr/>
-              <a:t>13</a:t>
+              <a:t>14</a:t>
             </a:fld>
             <a:endParaRPr lang="ko-KR" altLang="en-US" dirty="0"/>
           </a:p>
@@ -5414,7 +5605,7 @@
 </p:sld>
 </file>
 
-<file path=ppt/slides/slide14.xml><?xml version="1.0" encoding="utf-8"?>
+<file path=ppt/slides/slide15.xml><?xml version="1.0" encoding="utf-8"?>
 <p:sld xmlns:a="http://schemas.openxmlformats.org/drawingml/2006/main" xmlns:r="http://schemas.openxmlformats.org/officeDocument/2006/relationships" xmlns:p="http://schemas.openxmlformats.org/presentationml/2006/main">
   <p:cSld>
     <p:spTree>
@@ -5494,7 +5685,7 @@
             <a:fld id="{CDC676C3-E9FC-452C-A32C-9FDBC70E7618}" type="slidenum">
               <a:rPr lang="ko-KR" altLang="en-US" smtClean="0"/>
               <a:pPr/>
-              <a:t>14</a:t>
+              <a:t>15</a:t>
             </a:fld>
             <a:endParaRPr lang="ko-KR" altLang="en-US" dirty="0"/>
           </a:p>
@@ -5771,7 +5962,7 @@
 </p:sld>
 </file>
 
-<file path=ppt/slides/slide15.xml><?xml version="1.0" encoding="utf-8"?>
+<file path=ppt/slides/slide16.xml><?xml version="1.0" encoding="utf-8"?>
 <p:sld xmlns:a="http://schemas.openxmlformats.org/drawingml/2006/main" xmlns:r="http://schemas.openxmlformats.org/officeDocument/2006/relationships" xmlns:p="http://schemas.openxmlformats.org/presentationml/2006/main">
   <p:cSld>
     <p:spTree>
@@ -5851,7 +6042,7 @@
             <a:fld id="{CDC676C3-E9FC-452C-A32C-9FDBC70E7618}" type="slidenum">
               <a:rPr lang="ko-KR" altLang="en-US" smtClean="0"/>
               <a:pPr/>
-              <a:t>15</a:t>
+              <a:t>16</a:t>
             </a:fld>
             <a:endParaRPr lang="ko-KR" altLang="en-US" dirty="0"/>
           </a:p>
@@ -6187,7 +6378,7 @@
 </p:sld>
 </file>
 
-<file path=ppt/slides/slide16.xml><?xml version="1.0" encoding="utf-8"?>
+<file path=ppt/slides/slide17.xml><?xml version="1.0" encoding="utf-8"?>
 <p:sld xmlns:a="http://schemas.openxmlformats.org/drawingml/2006/main" xmlns:r="http://schemas.openxmlformats.org/officeDocument/2006/relationships" xmlns:p="http://schemas.openxmlformats.org/presentationml/2006/main">
   <p:cSld>
     <p:spTree>
@@ -6267,7 +6458,7 @@
             <a:fld id="{CDC676C3-E9FC-452C-A32C-9FDBC70E7618}" type="slidenum">
               <a:rPr lang="ko-KR" altLang="en-US" smtClean="0"/>
               <a:pPr/>
-              <a:t>16</a:t>
+              <a:t>17</a:t>
             </a:fld>
             <a:endParaRPr lang="ko-KR" altLang="en-US" dirty="0"/>
           </a:p>
@@ -6947,7 +7138,7 @@
 </p:sld>
 </file>
 
-<file path=ppt/slides/slide17.xml><?xml version="1.0" encoding="utf-8"?>
+<file path=ppt/slides/slide18.xml><?xml version="1.0" encoding="utf-8"?>
 <p:sld xmlns:a="http://schemas.openxmlformats.org/drawingml/2006/main" xmlns:r="http://schemas.openxmlformats.org/officeDocument/2006/relationships" xmlns:p="http://schemas.openxmlformats.org/presentationml/2006/main">
   <p:cSld>
     <p:spTree>
@@ -7027,7 +7218,7 @@
             <a:fld id="{CDC676C3-E9FC-452C-A32C-9FDBC70E7618}" type="slidenum">
               <a:rPr lang="ko-KR" altLang="en-US" smtClean="0"/>
               <a:pPr/>
-              <a:t>17</a:t>
+              <a:t>18</a:t>
             </a:fld>
             <a:endParaRPr lang="ko-KR" altLang="en-US" dirty="0"/>
           </a:p>
@@ -7384,7 +7575,7 @@
 </p:sld>
 </file>
 
-<file path=ppt/slides/slide18.xml><?xml version="1.0" encoding="utf-8"?>
+<file path=ppt/slides/slide19.xml><?xml version="1.0" encoding="utf-8"?>
 <p:sld xmlns:a="http://schemas.openxmlformats.org/drawingml/2006/main" xmlns:r="http://schemas.openxmlformats.org/officeDocument/2006/relationships" xmlns:p="http://schemas.openxmlformats.org/presentationml/2006/main">
   <p:cSld>
     <p:spTree>
@@ -7464,7 +7655,7 @@
             <a:fld id="{CDC676C3-E9FC-452C-A32C-9FDBC70E7618}" type="slidenum">
               <a:rPr lang="ko-KR" altLang="en-US" smtClean="0"/>
               <a:pPr/>
-              <a:t>18</a:t>
+              <a:t>19</a:t>
             </a:fld>
             <a:endParaRPr lang="ko-KR" altLang="en-US" dirty="0"/>
           </a:p>
@@ -7876,896 +8067,6 @@
 </p:sld>
 </file>
 
-<file path=ppt/slides/slide19.xml><?xml version="1.0" encoding="utf-8"?>
-<p:sld xmlns:a="http://schemas.openxmlformats.org/drawingml/2006/main" xmlns:r="http://schemas.openxmlformats.org/officeDocument/2006/relationships" xmlns:p="http://schemas.openxmlformats.org/presentationml/2006/main">
-  <p:cSld>
-    <p:spTree>
-      <p:nvGrpSpPr>
-        <p:cNvPr id="1" name=""/>
-        <p:cNvGrpSpPr/>
-        <p:nvPr/>
-      </p:nvGrpSpPr>
-      <p:grpSpPr>
-        <a:xfrm>
-          <a:off x="0" y="0"/>
-          <a:ext cx="0" cy="0"/>
-          <a:chOff x="0" y="0"/>
-          <a:chExt cx="0" cy="0"/>
-        </a:xfrm>
-      </p:grpSpPr>
-      <p:sp>
-        <p:nvSpPr>
-          <p:cNvPr id="2" name="TextBox 1">
-            <a:extLst>
-              <a:ext uri="{FF2B5EF4-FFF2-40B4-BE49-F238E27FC236}">
-                <a16:creationId xmlns:a16="http://schemas.microsoft.com/office/drawing/2014/main" id="{A40733A5-52A9-4AEB-B832-87F6CDF92934}"/>
-              </a:ext>
-            </a:extLst>
-          </p:cNvPr>
-          <p:cNvSpPr txBox="1"/>
-          <p:nvPr/>
-        </p:nvSpPr>
-        <p:spPr>
-          <a:xfrm>
-            <a:off x="682456" y="89206"/>
-            <a:ext cx="10009358" cy="461665"/>
-          </a:xfrm>
-          <a:prstGeom prst="rect">
-            <a:avLst/>
-          </a:prstGeom>
-          <a:noFill/>
-        </p:spPr>
-        <p:txBody>
-          <a:bodyPr wrap="square" rtlCol="0">
-            <a:spAutoFit/>
-          </a:bodyPr>
-          <a:lstStyle/>
-          <a:p>
-            <a:r>
-              <a:rPr lang="en-US" altLang="ko-KR" sz="2400" dirty="0"/>
-              <a:t>4.</a:t>
-            </a:r>
-            <a:endParaRPr lang="ko-KR" altLang="en-US" sz="2400" dirty="0"/>
-          </a:p>
-        </p:txBody>
-      </p:sp>
-      <p:sp>
-        <p:nvSpPr>
-          <p:cNvPr id="3" name="슬라이드 번호 개체 틀 2">
-            <a:extLst>
-              <a:ext uri="{FF2B5EF4-FFF2-40B4-BE49-F238E27FC236}">
-                <a16:creationId xmlns:a16="http://schemas.microsoft.com/office/drawing/2014/main" id="{337B3EA5-FB71-4F98-9194-9ED93C0B34AF}"/>
-              </a:ext>
-            </a:extLst>
-          </p:cNvPr>
-          <p:cNvSpPr>
-            <a:spLocks noGrp="1"/>
-          </p:cNvSpPr>
-          <p:nvPr>
-            <p:ph type="sldNum" sz="quarter" idx="12"/>
-          </p:nvPr>
-        </p:nvSpPr>
-        <p:spPr/>
-        <p:txBody>
-          <a:bodyPr/>
-          <a:lstStyle/>
-          <a:p>
-            <a:fld id="{CDC676C3-E9FC-452C-A32C-9FDBC70E7618}" type="slidenum">
-              <a:rPr lang="ko-KR" altLang="en-US" smtClean="0"/>
-              <a:pPr/>
-              <a:t>19</a:t>
-            </a:fld>
-            <a:endParaRPr lang="ko-KR" altLang="en-US" dirty="0"/>
-          </a:p>
-        </p:txBody>
-      </p:sp>
-      <p:sp>
-        <p:nvSpPr>
-          <p:cNvPr id="4" name="TextBox 3">
-            <a:extLst>
-              <a:ext uri="{FF2B5EF4-FFF2-40B4-BE49-F238E27FC236}">
-                <a16:creationId xmlns:a16="http://schemas.microsoft.com/office/drawing/2014/main" id="{BAE8417D-CCAA-45F0-A4B2-849F67918E17}"/>
-              </a:ext>
-            </a:extLst>
-          </p:cNvPr>
-          <p:cNvSpPr txBox="1"/>
-          <p:nvPr/>
-        </p:nvSpPr>
-        <p:spPr>
-          <a:xfrm>
-            <a:off x="254248" y="918860"/>
-            <a:ext cx="10192214" cy="373885"/>
-          </a:xfrm>
-          <a:prstGeom prst="rect">
-            <a:avLst/>
-          </a:prstGeom>
-          <a:noFill/>
-        </p:spPr>
-        <p:txBody>
-          <a:bodyPr wrap="square" rtlCol="0">
-            <a:spAutoFit/>
-          </a:bodyPr>
-          <a:lstStyle/>
-          <a:p>
-            <a:pPr>
-              <a:lnSpc>
-                <a:spcPct val="150000"/>
-              </a:lnSpc>
-            </a:pPr>
-            <a:r>
-              <a:rPr lang="ko-KR" altLang="en-US" sz="1400" dirty="0">
-                <a:latin typeface="+mn-ea"/>
-              </a:rPr>
-              <a:t>모델 뷰 컨트롤러</a:t>
-            </a:r>
-            <a:endParaRPr lang="ko-KR" altLang="en-US" sz="1200" dirty="0">
-              <a:latin typeface="+mn-ea"/>
-            </a:endParaRPr>
-          </a:p>
-        </p:txBody>
-      </p:sp>
-      <p:sp>
-        <p:nvSpPr>
-          <p:cNvPr id="15" name="TextBox 14">
-            <a:extLst>
-              <a:ext uri="{FF2B5EF4-FFF2-40B4-BE49-F238E27FC236}">
-                <a16:creationId xmlns:a16="http://schemas.microsoft.com/office/drawing/2014/main" id="{6055F552-B694-41E8-8D64-28D09C467ADF}"/>
-              </a:ext>
-            </a:extLst>
-          </p:cNvPr>
-          <p:cNvSpPr txBox="1"/>
-          <p:nvPr/>
-        </p:nvSpPr>
-        <p:spPr>
-          <a:xfrm>
-            <a:off x="254248" y="1949210"/>
-            <a:ext cx="10192214" cy="3217291"/>
-          </a:xfrm>
-          <a:prstGeom prst="rect">
-            <a:avLst/>
-          </a:prstGeom>
-          <a:noFill/>
-        </p:spPr>
-        <p:txBody>
-          <a:bodyPr wrap="square" rtlCol="0">
-            <a:spAutoFit/>
-          </a:bodyPr>
-          <a:lstStyle/>
-          <a:p>
-            <a:pPr>
-              <a:lnSpc>
-                <a:spcPct val="150000"/>
-              </a:lnSpc>
-            </a:pPr>
-            <a:r>
-              <a:rPr lang="ko-KR" altLang="en-US" sz="1000" b="1" i="0" dirty="0">
-                <a:solidFill>
-                  <a:srgbClr val="333333"/>
-                </a:solidFill>
-                <a:effectLst/>
-                <a:latin typeface="Helvetica Neue"/>
-              </a:rPr>
-              <a:t>모델</a:t>
-            </a:r>
-            <a:r>
-              <a:rPr lang="en-US" altLang="ko-KR" sz="1000" b="1" i="0" dirty="0">
-                <a:solidFill>
-                  <a:srgbClr val="333333"/>
-                </a:solidFill>
-                <a:effectLst/>
-                <a:latin typeface="Helvetica Neue"/>
-              </a:rPr>
-              <a:t>-</a:t>
-            </a:r>
-            <a:r>
-              <a:rPr lang="ko-KR" altLang="en-US" sz="1000" b="1" i="0" dirty="0">
-                <a:solidFill>
-                  <a:srgbClr val="333333"/>
-                </a:solidFill>
-                <a:effectLst/>
-                <a:latin typeface="Helvetica Neue"/>
-              </a:rPr>
-              <a:t>뷰</a:t>
-            </a:r>
-            <a:r>
-              <a:rPr lang="en-US" altLang="ko-KR" sz="1000" b="1" i="0" dirty="0">
-                <a:solidFill>
-                  <a:srgbClr val="333333"/>
-                </a:solidFill>
-                <a:effectLst/>
-                <a:latin typeface="Helvetica Neue"/>
-              </a:rPr>
-              <a:t>-</a:t>
-            </a:r>
-            <a:r>
-              <a:rPr lang="ko-KR" altLang="en-US" sz="1000" b="1" i="0" dirty="0">
-                <a:solidFill>
-                  <a:srgbClr val="333333"/>
-                </a:solidFill>
-                <a:effectLst/>
-                <a:latin typeface="Helvetica Neue"/>
-              </a:rPr>
-              <a:t>컨트롤러</a:t>
-            </a:r>
-            <a:r>
-              <a:rPr lang="en-US" altLang="ko-KR" sz="1000" b="0" i="0" dirty="0">
-                <a:solidFill>
-                  <a:srgbClr val="333333"/>
-                </a:solidFill>
-                <a:effectLst/>
-                <a:latin typeface="Helvetica Neue"/>
-              </a:rPr>
-              <a:t>(Model–View–Controller, MVC)</a:t>
-            </a:r>
-            <a:r>
-              <a:rPr lang="ko-KR" altLang="en-US" sz="1000" b="0" i="0" dirty="0">
-                <a:solidFill>
-                  <a:srgbClr val="333333"/>
-                </a:solidFill>
-                <a:effectLst/>
-                <a:latin typeface="Helvetica Neue"/>
-              </a:rPr>
-              <a:t>는 </a:t>
-            </a:r>
-            <a:r>
-              <a:rPr lang="ko-KR" altLang="en-US" sz="1000" b="0" i="0" u="sng" strike="noStrike" dirty="0">
-                <a:solidFill>
-                  <a:srgbClr val="2A6496"/>
-                </a:solidFill>
-                <a:effectLst/>
-                <a:latin typeface="Helvetica Neue"/>
-                <a:hlinkClick r:id="rId2"/>
-              </a:rPr>
-              <a:t>소프트웨어 공학</a:t>
-            </a:r>
-            <a:r>
-              <a:rPr lang="ko-KR" altLang="en-US" sz="1000" b="0" i="0" dirty="0">
-                <a:solidFill>
-                  <a:srgbClr val="333333"/>
-                </a:solidFill>
-                <a:effectLst/>
-                <a:latin typeface="Helvetica Neue"/>
-              </a:rPr>
-              <a:t>에서 사용되는 </a:t>
-            </a:r>
-            <a:r>
-              <a:rPr lang="ko-KR" altLang="en-US" sz="1000" b="0" i="0" u="sng" strike="noStrike" dirty="0">
-                <a:solidFill>
-                  <a:srgbClr val="2A6496"/>
-                </a:solidFill>
-                <a:effectLst/>
-                <a:latin typeface="Helvetica Neue"/>
-                <a:hlinkClick r:id="rId3"/>
-              </a:rPr>
-              <a:t>소프트웨어 디자인 패턴</a:t>
-            </a:r>
-            <a:r>
-              <a:rPr lang="ko-KR" altLang="en-US" sz="1000" b="0" i="0" dirty="0">
-                <a:solidFill>
-                  <a:srgbClr val="333333"/>
-                </a:solidFill>
-                <a:effectLst/>
-                <a:latin typeface="Helvetica Neue"/>
-              </a:rPr>
-              <a:t>이다</a:t>
-            </a:r>
-            <a:r>
-              <a:rPr lang="en-US" altLang="ko-KR" sz="1000" b="0" i="0" dirty="0">
-                <a:solidFill>
-                  <a:srgbClr val="333333"/>
-                </a:solidFill>
-                <a:effectLst/>
-                <a:latin typeface="Helvetica Neue"/>
-              </a:rPr>
-              <a:t>. </a:t>
-            </a:r>
-            <a:r>
-              <a:rPr lang="ko-KR" altLang="en-US" sz="1000" b="0" i="0" dirty="0">
-                <a:solidFill>
-                  <a:srgbClr val="333333"/>
-                </a:solidFill>
-                <a:effectLst/>
-                <a:latin typeface="Helvetica Neue"/>
-              </a:rPr>
-              <a:t>이 패턴을 성공적으로 사용하면</a:t>
-            </a:r>
-            <a:r>
-              <a:rPr lang="en-US" altLang="ko-KR" sz="1000" b="0" i="0" dirty="0">
-                <a:solidFill>
-                  <a:srgbClr val="333333"/>
-                </a:solidFill>
-                <a:effectLst/>
-                <a:latin typeface="Helvetica Neue"/>
-              </a:rPr>
-              <a:t>, </a:t>
-            </a:r>
-            <a:r>
-              <a:rPr lang="ko-KR" altLang="en-US" sz="1000" b="0" i="0" u="sng" strike="noStrike" dirty="0">
-                <a:solidFill>
-                  <a:srgbClr val="2A6496"/>
-                </a:solidFill>
-                <a:effectLst/>
-                <a:latin typeface="Helvetica Neue"/>
-                <a:hlinkClick r:id="rId4"/>
-              </a:rPr>
-              <a:t>사용자 인터페이스</a:t>
-            </a:r>
-            <a:r>
-              <a:rPr lang="ko-KR" altLang="en-US" sz="1000" b="0" i="0" dirty="0">
-                <a:solidFill>
-                  <a:srgbClr val="333333"/>
-                </a:solidFill>
-                <a:effectLst/>
-                <a:latin typeface="Helvetica Neue"/>
-              </a:rPr>
-              <a:t>로부터 </a:t>
-            </a:r>
-            <a:r>
-              <a:rPr lang="ko-KR" altLang="en-US" sz="1000" b="0" i="0" u="sng" strike="noStrike" dirty="0">
-                <a:solidFill>
-                  <a:srgbClr val="2A6496"/>
-                </a:solidFill>
-                <a:effectLst/>
-                <a:latin typeface="Helvetica Neue"/>
-                <a:hlinkClick r:id="rId5"/>
-              </a:rPr>
-              <a:t>비즈니스 로직</a:t>
-            </a:r>
-            <a:r>
-              <a:rPr lang="ko-KR" altLang="en-US" sz="1000" b="0" i="0" dirty="0">
-                <a:solidFill>
-                  <a:srgbClr val="333333"/>
-                </a:solidFill>
-                <a:effectLst/>
-                <a:latin typeface="Helvetica Neue"/>
-              </a:rPr>
-              <a:t>을 분리하여 </a:t>
-            </a:r>
-            <a:r>
-              <a:rPr lang="ko-KR" altLang="en-US" sz="1000" b="0" i="0" u="sng" strike="noStrike" dirty="0">
-                <a:solidFill>
-                  <a:srgbClr val="2A6496"/>
-                </a:solidFill>
-                <a:effectLst/>
-                <a:latin typeface="Helvetica Neue"/>
-                <a:hlinkClick r:id="rId6"/>
-              </a:rPr>
-              <a:t>애플리케이션</a:t>
-            </a:r>
-            <a:r>
-              <a:rPr lang="ko-KR" altLang="en-US" sz="1000" b="0" i="0" dirty="0">
-                <a:solidFill>
-                  <a:srgbClr val="333333"/>
-                </a:solidFill>
-                <a:effectLst/>
-                <a:latin typeface="Helvetica Neue"/>
-              </a:rPr>
-              <a:t>의 시각적 요소나 그 이면에서 실행되는 비즈니스 로직을 서로 영향 없이 쉽게 고칠 수 있는 애플리케이션을 만들 수 있다</a:t>
-            </a:r>
-            <a:r>
-              <a:rPr lang="en-US" altLang="ko-KR" sz="1000" b="0" i="0" dirty="0">
-                <a:solidFill>
-                  <a:srgbClr val="333333"/>
-                </a:solidFill>
-                <a:effectLst/>
-                <a:latin typeface="Helvetica Neue"/>
-              </a:rPr>
-              <a:t>. MVC</a:t>
-            </a:r>
-            <a:r>
-              <a:rPr lang="ko-KR" altLang="en-US" sz="1000" b="0" i="0" dirty="0">
-                <a:solidFill>
-                  <a:srgbClr val="333333"/>
-                </a:solidFill>
-                <a:effectLst/>
-                <a:latin typeface="Helvetica Neue"/>
-              </a:rPr>
-              <a:t>에서 모델은 애플리케이션의 정보</a:t>
-            </a:r>
-            <a:r>
-              <a:rPr lang="en-US" altLang="ko-KR" sz="1000" b="0" i="0" dirty="0">
-                <a:solidFill>
-                  <a:srgbClr val="333333"/>
-                </a:solidFill>
-                <a:effectLst/>
-                <a:latin typeface="Helvetica Neue"/>
-              </a:rPr>
-              <a:t>(</a:t>
-            </a:r>
-            <a:r>
-              <a:rPr lang="ko-KR" altLang="en-US" sz="1000" b="0" i="0" dirty="0">
-                <a:solidFill>
-                  <a:srgbClr val="333333"/>
-                </a:solidFill>
-                <a:effectLst/>
-                <a:latin typeface="Helvetica Neue"/>
-              </a:rPr>
-              <a:t>데이터</a:t>
-            </a:r>
-            <a:r>
-              <a:rPr lang="en-US" altLang="ko-KR" sz="1000" b="0" i="0" dirty="0">
-                <a:solidFill>
-                  <a:srgbClr val="333333"/>
-                </a:solidFill>
-                <a:effectLst/>
-                <a:latin typeface="Helvetica Neue"/>
-              </a:rPr>
-              <a:t>)</a:t>
-            </a:r>
-            <a:r>
-              <a:rPr lang="ko-KR" altLang="en-US" sz="1000" b="0" i="0" dirty="0">
-                <a:solidFill>
-                  <a:srgbClr val="333333"/>
-                </a:solidFill>
-                <a:effectLst/>
-                <a:latin typeface="Helvetica Neue"/>
-              </a:rPr>
-              <a:t>를 나타내며</a:t>
-            </a:r>
-            <a:r>
-              <a:rPr lang="en-US" altLang="ko-KR" sz="1000" b="0" i="0" dirty="0">
-                <a:solidFill>
-                  <a:srgbClr val="333333"/>
-                </a:solidFill>
-                <a:effectLst/>
-                <a:latin typeface="Helvetica Neue"/>
-              </a:rPr>
-              <a:t>, </a:t>
-            </a:r>
-            <a:r>
-              <a:rPr lang="ko-KR" altLang="en-US" sz="1000" b="0" i="0" dirty="0">
-                <a:solidFill>
-                  <a:srgbClr val="333333"/>
-                </a:solidFill>
-                <a:effectLst/>
-                <a:latin typeface="Helvetica Neue"/>
-              </a:rPr>
-              <a:t>뷰는 텍스트</a:t>
-            </a:r>
-            <a:r>
-              <a:rPr lang="en-US" altLang="ko-KR" sz="1000" b="0" i="0" dirty="0">
-                <a:solidFill>
-                  <a:srgbClr val="333333"/>
-                </a:solidFill>
-                <a:effectLst/>
-                <a:latin typeface="Helvetica Neue"/>
-              </a:rPr>
-              <a:t>, </a:t>
-            </a:r>
-            <a:r>
-              <a:rPr lang="ko-KR" altLang="en-US" sz="1000" b="0" i="0" dirty="0">
-                <a:solidFill>
-                  <a:srgbClr val="333333"/>
-                </a:solidFill>
-                <a:effectLst/>
-                <a:latin typeface="Helvetica Neue"/>
-              </a:rPr>
-              <a:t>체크박스 항목 등과 같은 사용자 인터페이스 요소를 나타내고</a:t>
-            </a:r>
-            <a:r>
-              <a:rPr lang="en-US" altLang="ko-KR" sz="1000" b="0" i="0" dirty="0">
-                <a:solidFill>
-                  <a:srgbClr val="333333"/>
-                </a:solidFill>
-                <a:effectLst/>
-                <a:latin typeface="Helvetica Neue"/>
-              </a:rPr>
-              <a:t>, </a:t>
-            </a:r>
-            <a:r>
-              <a:rPr lang="ko-KR" altLang="en-US" sz="1000" b="0" i="0" dirty="0">
-                <a:solidFill>
-                  <a:srgbClr val="333333"/>
-                </a:solidFill>
-                <a:effectLst/>
-                <a:latin typeface="Helvetica Neue"/>
-              </a:rPr>
-              <a:t>컨트롤러는 데이터와 비즈니스 로직 사이의 상호동작을 관리한다</a:t>
-            </a:r>
-            <a:r>
-              <a:rPr lang="en-US" altLang="ko-KR" sz="1000" b="0" i="0" dirty="0">
-                <a:solidFill>
-                  <a:srgbClr val="333333"/>
-                </a:solidFill>
-                <a:effectLst/>
-                <a:latin typeface="Helvetica Neue"/>
-              </a:rPr>
-              <a:t>.</a:t>
-            </a:r>
-          </a:p>
-          <a:p>
-            <a:pPr>
-              <a:lnSpc>
-                <a:spcPct val="150000"/>
-              </a:lnSpc>
-            </a:pPr>
-            <a:endParaRPr lang="en-US" altLang="ko-KR" sz="1000" dirty="0">
-              <a:solidFill>
-                <a:srgbClr val="333333"/>
-              </a:solidFill>
-              <a:latin typeface="Helvetica Neue"/>
-            </a:endParaRPr>
-          </a:p>
-          <a:p>
-            <a:pPr algn="l"/>
-            <a:r>
-              <a:rPr lang="ko-KR" altLang="en-US" sz="1000" b="0" i="0" dirty="0">
-                <a:solidFill>
-                  <a:srgbClr val="333333"/>
-                </a:solidFill>
-                <a:effectLst/>
-                <a:latin typeface="Helvetica Neue"/>
-              </a:rPr>
-              <a:t> 순수 </a:t>
-            </a:r>
-            <a:r>
-              <a:rPr lang="en-US" altLang="ko-KR" sz="1000" b="0" i="0" dirty="0" err="1">
-                <a:solidFill>
-                  <a:srgbClr val="333333"/>
-                </a:solidFill>
-                <a:effectLst/>
-                <a:latin typeface="Helvetica Neue"/>
-              </a:rPr>
-              <a:t>jsp</a:t>
-            </a:r>
-            <a:r>
-              <a:rPr lang="en-US" altLang="ko-KR" sz="1000" b="0" i="0" dirty="0">
-                <a:solidFill>
-                  <a:srgbClr val="333333"/>
-                </a:solidFill>
-                <a:effectLst/>
-                <a:latin typeface="Helvetica Neue"/>
-              </a:rPr>
-              <a:t> </a:t>
-            </a:r>
-            <a:r>
-              <a:rPr lang="ko-KR" altLang="en-US" sz="1000" b="0" i="0" dirty="0">
-                <a:solidFill>
-                  <a:srgbClr val="333333"/>
-                </a:solidFill>
-                <a:effectLst/>
-                <a:latin typeface="Helvetica Neue"/>
-              </a:rPr>
-              <a:t>로 게시판 목록을 보여주는 페이지를 만들어 보세요</a:t>
-            </a:r>
-            <a:r>
-              <a:rPr lang="en-US" altLang="ko-KR" sz="1000" b="0" i="0" dirty="0">
-                <a:solidFill>
-                  <a:srgbClr val="333333"/>
-                </a:solidFill>
-                <a:effectLst/>
-                <a:latin typeface="Helvetica Neue"/>
-              </a:rPr>
-              <a:t>.</a:t>
-            </a:r>
-          </a:p>
-          <a:p>
-            <a:pPr algn="l"/>
-            <a:r>
-              <a:rPr lang="ko-KR" altLang="en-US" sz="1000" b="0" i="0" dirty="0">
-                <a:solidFill>
-                  <a:srgbClr val="333333"/>
-                </a:solidFill>
-                <a:effectLst/>
-                <a:latin typeface="Helvetica Neue"/>
-              </a:rPr>
-              <a:t>그리고 디자인을 수정해 보세요</a:t>
-            </a:r>
-            <a:r>
-              <a:rPr lang="en-US" altLang="ko-KR" sz="1000" b="0" i="0" dirty="0">
-                <a:solidFill>
-                  <a:srgbClr val="333333"/>
-                </a:solidFill>
-                <a:effectLst/>
-                <a:latin typeface="Helvetica Neue"/>
-              </a:rPr>
-              <a:t>.</a:t>
-            </a:r>
-          </a:p>
-          <a:p>
-            <a:pPr algn="l"/>
-            <a:r>
-              <a:rPr lang="ko-KR" altLang="en-US" sz="1000" b="0" i="0" dirty="0">
-                <a:solidFill>
-                  <a:srgbClr val="333333"/>
-                </a:solidFill>
-                <a:effectLst/>
-                <a:latin typeface="Helvetica Neue"/>
-              </a:rPr>
-              <a:t>스프링에서 마찬가지로 게시판 목록 페이지를 만들어 </a:t>
-            </a:r>
-            <a:r>
-              <a:rPr lang="ko-KR" altLang="en-US" sz="1000" b="0" i="0" dirty="0" err="1">
-                <a:solidFill>
-                  <a:srgbClr val="333333"/>
-                </a:solidFill>
-                <a:effectLst/>
-                <a:latin typeface="Helvetica Neue"/>
-              </a:rPr>
-              <a:t>본후</a:t>
-            </a:r>
-            <a:r>
-              <a:rPr lang="ko-KR" altLang="en-US" sz="1000" b="0" i="0" dirty="0">
-                <a:solidFill>
-                  <a:srgbClr val="333333"/>
-                </a:solidFill>
-                <a:effectLst/>
-                <a:latin typeface="Helvetica Neue"/>
-              </a:rPr>
-              <a:t> 디자인을 수정해 보세요</a:t>
-            </a:r>
-            <a:r>
-              <a:rPr lang="en-US" altLang="ko-KR" sz="1000" b="0" i="0" dirty="0">
-                <a:solidFill>
-                  <a:srgbClr val="333333"/>
-                </a:solidFill>
-                <a:effectLst/>
-                <a:latin typeface="Helvetica Neue"/>
-              </a:rPr>
-              <a:t>.</a:t>
-            </a:r>
-          </a:p>
-          <a:p>
-            <a:pPr algn="l"/>
-            <a:br>
-              <a:rPr lang="en-US" altLang="ko-KR" sz="1000" b="0" i="0" dirty="0">
-                <a:solidFill>
-                  <a:srgbClr val="333333"/>
-                </a:solidFill>
-                <a:effectLst/>
-                <a:latin typeface="Helvetica Neue"/>
-              </a:rPr>
-            </a:br>
-            <a:endParaRPr lang="en-US" altLang="ko-KR" sz="1000" b="0" i="0" dirty="0">
-              <a:solidFill>
-                <a:srgbClr val="333333"/>
-              </a:solidFill>
-              <a:effectLst/>
-              <a:latin typeface="Helvetica Neue"/>
-            </a:endParaRPr>
-          </a:p>
-          <a:p>
-            <a:pPr algn="l"/>
-            <a:r>
-              <a:rPr lang="ko-KR" altLang="en-US" sz="1000" b="0" i="0" dirty="0">
-                <a:solidFill>
-                  <a:srgbClr val="333333"/>
-                </a:solidFill>
-                <a:effectLst/>
-                <a:latin typeface="Helvetica Neue"/>
-              </a:rPr>
-              <a:t>웹 디자인은 패션과 비슷해서 같은 옷만 입는 사람을 촌스럽게 생각하는 경향이 아주 높습니다</a:t>
-            </a:r>
-            <a:r>
-              <a:rPr lang="en-US" altLang="ko-KR" sz="1000" b="0" i="0" dirty="0">
-                <a:solidFill>
-                  <a:srgbClr val="333333"/>
-                </a:solidFill>
-                <a:effectLst/>
-                <a:latin typeface="Helvetica Neue"/>
-              </a:rPr>
-              <a:t>.</a:t>
-            </a:r>
-          </a:p>
-          <a:p>
-            <a:pPr algn="l"/>
-            <a:r>
-              <a:rPr lang="ko-KR" altLang="en-US" sz="1000" b="0" i="0" dirty="0">
-                <a:solidFill>
-                  <a:srgbClr val="333333"/>
-                </a:solidFill>
-                <a:effectLst/>
-                <a:latin typeface="Helvetica Neue"/>
-              </a:rPr>
-              <a:t>그래서 자주 바꾸어 주어야 합니다</a:t>
-            </a:r>
-            <a:r>
-              <a:rPr lang="en-US" altLang="ko-KR" sz="1000" b="0" i="0" dirty="0">
-                <a:solidFill>
-                  <a:srgbClr val="333333"/>
-                </a:solidFill>
-                <a:effectLst/>
-                <a:latin typeface="Helvetica Neue"/>
-              </a:rPr>
-              <a:t>.</a:t>
-            </a:r>
-          </a:p>
-          <a:p>
-            <a:pPr algn="l"/>
-            <a:br>
-              <a:rPr lang="en-US" altLang="ko-KR" sz="1000" b="0" i="0" dirty="0">
-                <a:solidFill>
-                  <a:srgbClr val="333333"/>
-                </a:solidFill>
-                <a:effectLst/>
-                <a:latin typeface="Helvetica Neue"/>
-              </a:rPr>
-            </a:br>
-            <a:endParaRPr lang="en-US" altLang="ko-KR" sz="1000" b="0" i="0" dirty="0">
-              <a:solidFill>
-                <a:srgbClr val="333333"/>
-              </a:solidFill>
-              <a:effectLst/>
-              <a:latin typeface="Helvetica Neue"/>
-            </a:endParaRPr>
-          </a:p>
-          <a:p>
-            <a:pPr algn="l"/>
-            <a:r>
-              <a:rPr lang="ko-KR" altLang="en-US" sz="1000" b="0" i="0" dirty="0">
-                <a:solidFill>
-                  <a:srgbClr val="333333"/>
-                </a:solidFill>
-                <a:effectLst/>
-                <a:latin typeface="Helvetica Neue"/>
-              </a:rPr>
-              <a:t>디자인이 수시로 바꾸는 </a:t>
-            </a:r>
-            <a:r>
-              <a:rPr lang="ko-KR" altLang="en-US" sz="1000" b="0" i="0" dirty="0" err="1">
-                <a:solidFill>
-                  <a:srgbClr val="333333"/>
-                </a:solidFill>
-                <a:effectLst/>
-                <a:latin typeface="Helvetica Neue"/>
-              </a:rPr>
-              <a:t>경우그것에</a:t>
-            </a:r>
-            <a:r>
-              <a:rPr lang="ko-KR" altLang="en-US" sz="1000" b="0" i="0" dirty="0">
-                <a:solidFill>
-                  <a:srgbClr val="333333"/>
-                </a:solidFill>
-                <a:effectLst/>
-                <a:latin typeface="Helvetica Neue"/>
-              </a:rPr>
-              <a:t> 영향을 받지 </a:t>
-            </a:r>
-            <a:r>
-              <a:rPr lang="ko-KR" altLang="en-US" sz="1000" b="0" i="0" dirty="0" err="1">
-                <a:solidFill>
-                  <a:srgbClr val="333333"/>
-                </a:solidFill>
-                <a:effectLst/>
-                <a:latin typeface="Helvetica Neue"/>
-              </a:rPr>
-              <a:t>않는것들을</a:t>
-            </a:r>
-            <a:r>
-              <a:rPr lang="ko-KR" altLang="en-US" sz="1000" b="0" i="0" dirty="0">
-                <a:solidFill>
-                  <a:srgbClr val="333333"/>
-                </a:solidFill>
-                <a:effectLst/>
-                <a:latin typeface="Helvetica Neue"/>
-              </a:rPr>
-              <a:t> 분리하여 수정을 </a:t>
-            </a:r>
-            <a:r>
-              <a:rPr lang="ko-KR" altLang="en-US" sz="1000" b="0" i="0" dirty="0" err="1">
-                <a:solidFill>
-                  <a:srgbClr val="333333"/>
-                </a:solidFill>
-                <a:effectLst/>
-                <a:latin typeface="Helvetica Neue"/>
-              </a:rPr>
-              <a:t>안하는</a:t>
-            </a:r>
-            <a:r>
-              <a:rPr lang="ko-KR" altLang="en-US" sz="1000" b="0" i="0" dirty="0">
-                <a:solidFill>
-                  <a:srgbClr val="333333"/>
-                </a:solidFill>
-                <a:effectLst/>
-                <a:latin typeface="Helvetica Neue"/>
-              </a:rPr>
-              <a:t> 방법이 무엇일까</a:t>
-            </a:r>
-            <a:r>
-              <a:rPr lang="en-US" altLang="ko-KR" sz="1000" b="0" i="0" dirty="0">
-                <a:solidFill>
-                  <a:srgbClr val="333333"/>
-                </a:solidFill>
-                <a:effectLst/>
-                <a:latin typeface="Helvetica Neue"/>
-              </a:rPr>
-              <a:t>?</a:t>
-            </a:r>
-          </a:p>
-          <a:p>
-            <a:pPr algn="l"/>
-            <a:r>
-              <a:rPr lang="ko-KR" altLang="en-US" sz="1000" b="0" i="0" dirty="0">
-                <a:solidFill>
-                  <a:srgbClr val="333333"/>
-                </a:solidFill>
-                <a:effectLst/>
-                <a:latin typeface="Helvetica Neue"/>
-              </a:rPr>
-              <a:t>순수 </a:t>
-            </a:r>
-            <a:r>
-              <a:rPr lang="en-US" altLang="ko-KR" sz="1000" b="0" i="0" dirty="0" err="1">
-                <a:solidFill>
-                  <a:srgbClr val="333333"/>
-                </a:solidFill>
-                <a:effectLst/>
-                <a:latin typeface="Helvetica Neue"/>
-              </a:rPr>
-              <a:t>jsp</a:t>
-            </a:r>
-            <a:r>
-              <a:rPr lang="en-US" altLang="ko-KR" sz="1000" b="0" i="0" dirty="0">
-                <a:solidFill>
-                  <a:srgbClr val="333333"/>
-                </a:solidFill>
-                <a:effectLst/>
-                <a:latin typeface="Helvetica Neue"/>
-              </a:rPr>
-              <a:t> </a:t>
-            </a:r>
-            <a:r>
-              <a:rPr lang="ko-KR" altLang="en-US" sz="1000" b="0" i="0" dirty="0">
-                <a:solidFill>
-                  <a:srgbClr val="333333"/>
-                </a:solidFill>
-                <a:effectLst/>
-                <a:latin typeface="Helvetica Neue"/>
-              </a:rPr>
-              <a:t>에서 고민해 보시고 그 길을 찾아보세요</a:t>
-            </a:r>
-            <a:endParaRPr lang="en-US" altLang="ko-KR" sz="1000" b="0" i="0" dirty="0">
-              <a:solidFill>
-                <a:srgbClr val="333333"/>
-              </a:solidFill>
-              <a:effectLst/>
-              <a:latin typeface="Helvetica Neue"/>
-            </a:endParaRPr>
-          </a:p>
-          <a:p>
-            <a:pPr algn="l"/>
-            <a:endParaRPr lang="en-US" altLang="ko-KR" sz="1000" dirty="0">
-              <a:solidFill>
-                <a:srgbClr val="333333"/>
-              </a:solidFill>
-              <a:latin typeface="Helvetica Neue"/>
-            </a:endParaRPr>
-          </a:p>
-          <a:p>
-            <a:pPr algn="l"/>
-            <a:endParaRPr lang="ko-KR" altLang="en-US" sz="1000" b="0" i="0" dirty="0">
-              <a:solidFill>
-                <a:srgbClr val="333333"/>
-              </a:solidFill>
-              <a:effectLst/>
-              <a:latin typeface="Helvetica Neue"/>
-            </a:endParaRPr>
-          </a:p>
-          <a:p>
-            <a:pPr>
-              <a:lnSpc>
-                <a:spcPct val="150000"/>
-              </a:lnSpc>
-            </a:pPr>
-            <a:endParaRPr lang="ko-KR" altLang="en-US" sz="1000" dirty="0">
-              <a:latin typeface="+mn-ea"/>
-            </a:endParaRPr>
-          </a:p>
-        </p:txBody>
-      </p:sp>
-    </p:spTree>
-    <p:extLst>
-      <p:ext uri="{BB962C8B-B14F-4D97-AF65-F5344CB8AC3E}">
-        <p14:creationId xmlns:p14="http://schemas.microsoft.com/office/powerpoint/2010/main" val="90205356"/>
-      </p:ext>
-    </p:extLst>
-  </p:cSld>
-  <p:clrMapOvr>
-    <a:masterClrMapping/>
-  </p:clrMapOvr>
-</p:sld>
-</file>
-
 <file path=ppt/slides/slide2.xml><?xml version="1.0" encoding="utf-8"?>
 <p:sld xmlns:a="http://schemas.openxmlformats.org/drawingml/2006/main" xmlns:r="http://schemas.openxmlformats.org/officeDocument/2006/relationships" xmlns:p="http://schemas.openxmlformats.org/presentationml/2006/main">
   <p:cSld>
@@ -12932,6 +12233,896 @@
         <p:spPr>
           <a:xfrm>
             <a:off x="254248" y="1949210"/>
+            <a:ext cx="10192214" cy="3217291"/>
+          </a:xfrm>
+          <a:prstGeom prst="rect">
+            <a:avLst/>
+          </a:prstGeom>
+          <a:noFill/>
+        </p:spPr>
+        <p:txBody>
+          <a:bodyPr wrap="square" rtlCol="0">
+            <a:spAutoFit/>
+          </a:bodyPr>
+          <a:lstStyle/>
+          <a:p>
+            <a:pPr>
+              <a:lnSpc>
+                <a:spcPct val="150000"/>
+              </a:lnSpc>
+            </a:pPr>
+            <a:r>
+              <a:rPr lang="ko-KR" altLang="en-US" sz="1000" b="1" i="0" dirty="0">
+                <a:solidFill>
+                  <a:srgbClr val="333333"/>
+                </a:solidFill>
+                <a:effectLst/>
+                <a:latin typeface="Helvetica Neue"/>
+              </a:rPr>
+              <a:t>모델</a:t>
+            </a:r>
+            <a:r>
+              <a:rPr lang="en-US" altLang="ko-KR" sz="1000" b="1" i="0" dirty="0">
+                <a:solidFill>
+                  <a:srgbClr val="333333"/>
+                </a:solidFill>
+                <a:effectLst/>
+                <a:latin typeface="Helvetica Neue"/>
+              </a:rPr>
+              <a:t>-</a:t>
+            </a:r>
+            <a:r>
+              <a:rPr lang="ko-KR" altLang="en-US" sz="1000" b="1" i="0" dirty="0">
+                <a:solidFill>
+                  <a:srgbClr val="333333"/>
+                </a:solidFill>
+                <a:effectLst/>
+                <a:latin typeface="Helvetica Neue"/>
+              </a:rPr>
+              <a:t>뷰</a:t>
+            </a:r>
+            <a:r>
+              <a:rPr lang="en-US" altLang="ko-KR" sz="1000" b="1" i="0" dirty="0">
+                <a:solidFill>
+                  <a:srgbClr val="333333"/>
+                </a:solidFill>
+                <a:effectLst/>
+                <a:latin typeface="Helvetica Neue"/>
+              </a:rPr>
+              <a:t>-</a:t>
+            </a:r>
+            <a:r>
+              <a:rPr lang="ko-KR" altLang="en-US" sz="1000" b="1" i="0" dirty="0">
+                <a:solidFill>
+                  <a:srgbClr val="333333"/>
+                </a:solidFill>
+                <a:effectLst/>
+                <a:latin typeface="Helvetica Neue"/>
+              </a:rPr>
+              <a:t>컨트롤러</a:t>
+            </a:r>
+            <a:r>
+              <a:rPr lang="en-US" altLang="ko-KR" sz="1000" b="0" i="0" dirty="0">
+                <a:solidFill>
+                  <a:srgbClr val="333333"/>
+                </a:solidFill>
+                <a:effectLst/>
+                <a:latin typeface="Helvetica Neue"/>
+              </a:rPr>
+              <a:t>(Model–View–Controller, MVC)</a:t>
+            </a:r>
+            <a:r>
+              <a:rPr lang="ko-KR" altLang="en-US" sz="1000" b="0" i="0" dirty="0">
+                <a:solidFill>
+                  <a:srgbClr val="333333"/>
+                </a:solidFill>
+                <a:effectLst/>
+                <a:latin typeface="Helvetica Neue"/>
+              </a:rPr>
+              <a:t>는 </a:t>
+            </a:r>
+            <a:r>
+              <a:rPr lang="ko-KR" altLang="en-US" sz="1000" b="0" i="0" u="sng" strike="noStrike" dirty="0">
+                <a:solidFill>
+                  <a:srgbClr val="2A6496"/>
+                </a:solidFill>
+                <a:effectLst/>
+                <a:latin typeface="Helvetica Neue"/>
+                <a:hlinkClick r:id="rId2"/>
+              </a:rPr>
+              <a:t>소프트웨어 공학</a:t>
+            </a:r>
+            <a:r>
+              <a:rPr lang="ko-KR" altLang="en-US" sz="1000" b="0" i="0" dirty="0">
+                <a:solidFill>
+                  <a:srgbClr val="333333"/>
+                </a:solidFill>
+                <a:effectLst/>
+                <a:latin typeface="Helvetica Neue"/>
+              </a:rPr>
+              <a:t>에서 사용되는 </a:t>
+            </a:r>
+            <a:r>
+              <a:rPr lang="ko-KR" altLang="en-US" sz="1000" b="0" i="0" u="sng" strike="noStrike" dirty="0">
+                <a:solidFill>
+                  <a:srgbClr val="2A6496"/>
+                </a:solidFill>
+                <a:effectLst/>
+                <a:latin typeface="Helvetica Neue"/>
+                <a:hlinkClick r:id="rId3"/>
+              </a:rPr>
+              <a:t>소프트웨어 디자인 패턴</a:t>
+            </a:r>
+            <a:r>
+              <a:rPr lang="ko-KR" altLang="en-US" sz="1000" b="0" i="0" dirty="0">
+                <a:solidFill>
+                  <a:srgbClr val="333333"/>
+                </a:solidFill>
+                <a:effectLst/>
+                <a:latin typeface="Helvetica Neue"/>
+              </a:rPr>
+              <a:t>이다</a:t>
+            </a:r>
+            <a:r>
+              <a:rPr lang="en-US" altLang="ko-KR" sz="1000" b="0" i="0" dirty="0">
+                <a:solidFill>
+                  <a:srgbClr val="333333"/>
+                </a:solidFill>
+                <a:effectLst/>
+                <a:latin typeface="Helvetica Neue"/>
+              </a:rPr>
+              <a:t>. </a:t>
+            </a:r>
+            <a:r>
+              <a:rPr lang="ko-KR" altLang="en-US" sz="1000" b="0" i="0" dirty="0">
+                <a:solidFill>
+                  <a:srgbClr val="333333"/>
+                </a:solidFill>
+                <a:effectLst/>
+                <a:latin typeface="Helvetica Neue"/>
+              </a:rPr>
+              <a:t>이 패턴을 성공적으로 사용하면</a:t>
+            </a:r>
+            <a:r>
+              <a:rPr lang="en-US" altLang="ko-KR" sz="1000" b="0" i="0" dirty="0">
+                <a:solidFill>
+                  <a:srgbClr val="333333"/>
+                </a:solidFill>
+                <a:effectLst/>
+                <a:latin typeface="Helvetica Neue"/>
+              </a:rPr>
+              <a:t>, </a:t>
+            </a:r>
+            <a:r>
+              <a:rPr lang="ko-KR" altLang="en-US" sz="1000" b="0" i="0" u="sng" strike="noStrike" dirty="0">
+                <a:solidFill>
+                  <a:srgbClr val="2A6496"/>
+                </a:solidFill>
+                <a:effectLst/>
+                <a:latin typeface="Helvetica Neue"/>
+                <a:hlinkClick r:id="rId4"/>
+              </a:rPr>
+              <a:t>사용자 인터페이스</a:t>
+            </a:r>
+            <a:r>
+              <a:rPr lang="ko-KR" altLang="en-US" sz="1000" b="0" i="0" dirty="0">
+                <a:solidFill>
+                  <a:srgbClr val="333333"/>
+                </a:solidFill>
+                <a:effectLst/>
+                <a:latin typeface="Helvetica Neue"/>
+              </a:rPr>
+              <a:t>로부터 </a:t>
+            </a:r>
+            <a:r>
+              <a:rPr lang="ko-KR" altLang="en-US" sz="1000" b="0" i="0" u="sng" strike="noStrike" dirty="0">
+                <a:solidFill>
+                  <a:srgbClr val="2A6496"/>
+                </a:solidFill>
+                <a:effectLst/>
+                <a:latin typeface="Helvetica Neue"/>
+                <a:hlinkClick r:id="rId5"/>
+              </a:rPr>
+              <a:t>비즈니스 로직</a:t>
+            </a:r>
+            <a:r>
+              <a:rPr lang="ko-KR" altLang="en-US" sz="1000" b="0" i="0" dirty="0">
+                <a:solidFill>
+                  <a:srgbClr val="333333"/>
+                </a:solidFill>
+                <a:effectLst/>
+                <a:latin typeface="Helvetica Neue"/>
+              </a:rPr>
+              <a:t>을 분리하여 </a:t>
+            </a:r>
+            <a:r>
+              <a:rPr lang="ko-KR" altLang="en-US" sz="1000" b="0" i="0" u="sng" strike="noStrike" dirty="0">
+                <a:solidFill>
+                  <a:srgbClr val="2A6496"/>
+                </a:solidFill>
+                <a:effectLst/>
+                <a:latin typeface="Helvetica Neue"/>
+                <a:hlinkClick r:id="rId6"/>
+              </a:rPr>
+              <a:t>애플리케이션</a:t>
+            </a:r>
+            <a:r>
+              <a:rPr lang="ko-KR" altLang="en-US" sz="1000" b="0" i="0" dirty="0">
+                <a:solidFill>
+                  <a:srgbClr val="333333"/>
+                </a:solidFill>
+                <a:effectLst/>
+                <a:latin typeface="Helvetica Neue"/>
+              </a:rPr>
+              <a:t>의 시각적 요소나 그 이면에서 실행되는 비즈니스 로직을 서로 영향 없이 쉽게 고칠 수 있는 애플리케이션을 만들 수 있다</a:t>
+            </a:r>
+            <a:r>
+              <a:rPr lang="en-US" altLang="ko-KR" sz="1000" b="0" i="0" dirty="0">
+                <a:solidFill>
+                  <a:srgbClr val="333333"/>
+                </a:solidFill>
+                <a:effectLst/>
+                <a:latin typeface="Helvetica Neue"/>
+              </a:rPr>
+              <a:t>. MVC</a:t>
+            </a:r>
+            <a:r>
+              <a:rPr lang="ko-KR" altLang="en-US" sz="1000" b="0" i="0" dirty="0">
+                <a:solidFill>
+                  <a:srgbClr val="333333"/>
+                </a:solidFill>
+                <a:effectLst/>
+                <a:latin typeface="Helvetica Neue"/>
+              </a:rPr>
+              <a:t>에서 모델은 애플리케이션의 정보</a:t>
+            </a:r>
+            <a:r>
+              <a:rPr lang="en-US" altLang="ko-KR" sz="1000" b="0" i="0" dirty="0">
+                <a:solidFill>
+                  <a:srgbClr val="333333"/>
+                </a:solidFill>
+                <a:effectLst/>
+                <a:latin typeface="Helvetica Neue"/>
+              </a:rPr>
+              <a:t>(</a:t>
+            </a:r>
+            <a:r>
+              <a:rPr lang="ko-KR" altLang="en-US" sz="1000" b="0" i="0" dirty="0">
+                <a:solidFill>
+                  <a:srgbClr val="333333"/>
+                </a:solidFill>
+                <a:effectLst/>
+                <a:latin typeface="Helvetica Neue"/>
+              </a:rPr>
+              <a:t>데이터</a:t>
+            </a:r>
+            <a:r>
+              <a:rPr lang="en-US" altLang="ko-KR" sz="1000" b="0" i="0" dirty="0">
+                <a:solidFill>
+                  <a:srgbClr val="333333"/>
+                </a:solidFill>
+                <a:effectLst/>
+                <a:latin typeface="Helvetica Neue"/>
+              </a:rPr>
+              <a:t>)</a:t>
+            </a:r>
+            <a:r>
+              <a:rPr lang="ko-KR" altLang="en-US" sz="1000" b="0" i="0" dirty="0">
+                <a:solidFill>
+                  <a:srgbClr val="333333"/>
+                </a:solidFill>
+                <a:effectLst/>
+                <a:latin typeface="Helvetica Neue"/>
+              </a:rPr>
+              <a:t>를 나타내며</a:t>
+            </a:r>
+            <a:r>
+              <a:rPr lang="en-US" altLang="ko-KR" sz="1000" b="0" i="0" dirty="0">
+                <a:solidFill>
+                  <a:srgbClr val="333333"/>
+                </a:solidFill>
+                <a:effectLst/>
+                <a:latin typeface="Helvetica Neue"/>
+              </a:rPr>
+              <a:t>, </a:t>
+            </a:r>
+            <a:r>
+              <a:rPr lang="ko-KR" altLang="en-US" sz="1000" b="0" i="0" dirty="0">
+                <a:solidFill>
+                  <a:srgbClr val="333333"/>
+                </a:solidFill>
+                <a:effectLst/>
+                <a:latin typeface="Helvetica Neue"/>
+              </a:rPr>
+              <a:t>뷰는 텍스트</a:t>
+            </a:r>
+            <a:r>
+              <a:rPr lang="en-US" altLang="ko-KR" sz="1000" b="0" i="0" dirty="0">
+                <a:solidFill>
+                  <a:srgbClr val="333333"/>
+                </a:solidFill>
+                <a:effectLst/>
+                <a:latin typeface="Helvetica Neue"/>
+              </a:rPr>
+              <a:t>, </a:t>
+            </a:r>
+            <a:r>
+              <a:rPr lang="ko-KR" altLang="en-US" sz="1000" b="0" i="0" dirty="0">
+                <a:solidFill>
+                  <a:srgbClr val="333333"/>
+                </a:solidFill>
+                <a:effectLst/>
+                <a:latin typeface="Helvetica Neue"/>
+              </a:rPr>
+              <a:t>체크박스 항목 등과 같은 사용자 인터페이스 요소를 나타내고</a:t>
+            </a:r>
+            <a:r>
+              <a:rPr lang="en-US" altLang="ko-KR" sz="1000" b="0" i="0" dirty="0">
+                <a:solidFill>
+                  <a:srgbClr val="333333"/>
+                </a:solidFill>
+                <a:effectLst/>
+                <a:latin typeface="Helvetica Neue"/>
+              </a:rPr>
+              <a:t>, </a:t>
+            </a:r>
+            <a:r>
+              <a:rPr lang="ko-KR" altLang="en-US" sz="1000" b="0" i="0" dirty="0">
+                <a:solidFill>
+                  <a:srgbClr val="333333"/>
+                </a:solidFill>
+                <a:effectLst/>
+                <a:latin typeface="Helvetica Neue"/>
+              </a:rPr>
+              <a:t>컨트롤러는 데이터와 비즈니스 로직 사이의 상호동작을 관리한다</a:t>
+            </a:r>
+            <a:r>
+              <a:rPr lang="en-US" altLang="ko-KR" sz="1000" b="0" i="0" dirty="0">
+                <a:solidFill>
+                  <a:srgbClr val="333333"/>
+                </a:solidFill>
+                <a:effectLst/>
+                <a:latin typeface="Helvetica Neue"/>
+              </a:rPr>
+              <a:t>.</a:t>
+            </a:r>
+          </a:p>
+          <a:p>
+            <a:pPr>
+              <a:lnSpc>
+                <a:spcPct val="150000"/>
+              </a:lnSpc>
+            </a:pPr>
+            <a:endParaRPr lang="en-US" altLang="ko-KR" sz="1000" dirty="0">
+              <a:solidFill>
+                <a:srgbClr val="333333"/>
+              </a:solidFill>
+              <a:latin typeface="Helvetica Neue"/>
+            </a:endParaRPr>
+          </a:p>
+          <a:p>
+            <a:pPr algn="l"/>
+            <a:r>
+              <a:rPr lang="ko-KR" altLang="en-US" sz="1000" b="0" i="0" dirty="0">
+                <a:solidFill>
+                  <a:srgbClr val="333333"/>
+                </a:solidFill>
+                <a:effectLst/>
+                <a:latin typeface="Helvetica Neue"/>
+              </a:rPr>
+              <a:t> 순수 </a:t>
+            </a:r>
+            <a:r>
+              <a:rPr lang="en-US" altLang="ko-KR" sz="1000" b="0" i="0" dirty="0" err="1">
+                <a:solidFill>
+                  <a:srgbClr val="333333"/>
+                </a:solidFill>
+                <a:effectLst/>
+                <a:latin typeface="Helvetica Neue"/>
+              </a:rPr>
+              <a:t>jsp</a:t>
+            </a:r>
+            <a:r>
+              <a:rPr lang="en-US" altLang="ko-KR" sz="1000" b="0" i="0" dirty="0">
+                <a:solidFill>
+                  <a:srgbClr val="333333"/>
+                </a:solidFill>
+                <a:effectLst/>
+                <a:latin typeface="Helvetica Neue"/>
+              </a:rPr>
+              <a:t> </a:t>
+            </a:r>
+            <a:r>
+              <a:rPr lang="ko-KR" altLang="en-US" sz="1000" b="0" i="0" dirty="0">
+                <a:solidFill>
+                  <a:srgbClr val="333333"/>
+                </a:solidFill>
+                <a:effectLst/>
+                <a:latin typeface="Helvetica Neue"/>
+              </a:rPr>
+              <a:t>로 게시판 목록을 보여주는 페이지를 만들어 보세요</a:t>
+            </a:r>
+            <a:r>
+              <a:rPr lang="en-US" altLang="ko-KR" sz="1000" b="0" i="0" dirty="0">
+                <a:solidFill>
+                  <a:srgbClr val="333333"/>
+                </a:solidFill>
+                <a:effectLst/>
+                <a:latin typeface="Helvetica Neue"/>
+              </a:rPr>
+              <a:t>.</a:t>
+            </a:r>
+          </a:p>
+          <a:p>
+            <a:pPr algn="l"/>
+            <a:r>
+              <a:rPr lang="ko-KR" altLang="en-US" sz="1000" b="0" i="0" dirty="0">
+                <a:solidFill>
+                  <a:srgbClr val="333333"/>
+                </a:solidFill>
+                <a:effectLst/>
+                <a:latin typeface="Helvetica Neue"/>
+              </a:rPr>
+              <a:t>그리고 디자인을 수정해 보세요</a:t>
+            </a:r>
+            <a:r>
+              <a:rPr lang="en-US" altLang="ko-KR" sz="1000" b="0" i="0" dirty="0">
+                <a:solidFill>
+                  <a:srgbClr val="333333"/>
+                </a:solidFill>
+                <a:effectLst/>
+                <a:latin typeface="Helvetica Neue"/>
+              </a:rPr>
+              <a:t>.</a:t>
+            </a:r>
+          </a:p>
+          <a:p>
+            <a:pPr algn="l"/>
+            <a:r>
+              <a:rPr lang="ko-KR" altLang="en-US" sz="1000" b="0" i="0" dirty="0">
+                <a:solidFill>
+                  <a:srgbClr val="333333"/>
+                </a:solidFill>
+                <a:effectLst/>
+                <a:latin typeface="Helvetica Neue"/>
+              </a:rPr>
+              <a:t>스프링에서 마찬가지로 게시판 목록 페이지를 만들어 </a:t>
+            </a:r>
+            <a:r>
+              <a:rPr lang="ko-KR" altLang="en-US" sz="1000" b="0" i="0" dirty="0" err="1">
+                <a:solidFill>
+                  <a:srgbClr val="333333"/>
+                </a:solidFill>
+                <a:effectLst/>
+                <a:latin typeface="Helvetica Neue"/>
+              </a:rPr>
+              <a:t>본후</a:t>
+            </a:r>
+            <a:r>
+              <a:rPr lang="ko-KR" altLang="en-US" sz="1000" b="0" i="0" dirty="0">
+                <a:solidFill>
+                  <a:srgbClr val="333333"/>
+                </a:solidFill>
+                <a:effectLst/>
+                <a:latin typeface="Helvetica Neue"/>
+              </a:rPr>
+              <a:t> 디자인을 수정해 보세요</a:t>
+            </a:r>
+            <a:r>
+              <a:rPr lang="en-US" altLang="ko-KR" sz="1000" b="0" i="0" dirty="0">
+                <a:solidFill>
+                  <a:srgbClr val="333333"/>
+                </a:solidFill>
+                <a:effectLst/>
+                <a:latin typeface="Helvetica Neue"/>
+              </a:rPr>
+              <a:t>.</a:t>
+            </a:r>
+          </a:p>
+          <a:p>
+            <a:pPr algn="l"/>
+            <a:br>
+              <a:rPr lang="en-US" altLang="ko-KR" sz="1000" b="0" i="0" dirty="0">
+                <a:solidFill>
+                  <a:srgbClr val="333333"/>
+                </a:solidFill>
+                <a:effectLst/>
+                <a:latin typeface="Helvetica Neue"/>
+              </a:rPr>
+            </a:br>
+            <a:endParaRPr lang="en-US" altLang="ko-KR" sz="1000" b="0" i="0" dirty="0">
+              <a:solidFill>
+                <a:srgbClr val="333333"/>
+              </a:solidFill>
+              <a:effectLst/>
+              <a:latin typeface="Helvetica Neue"/>
+            </a:endParaRPr>
+          </a:p>
+          <a:p>
+            <a:pPr algn="l"/>
+            <a:r>
+              <a:rPr lang="ko-KR" altLang="en-US" sz="1000" b="0" i="0" dirty="0">
+                <a:solidFill>
+                  <a:srgbClr val="333333"/>
+                </a:solidFill>
+                <a:effectLst/>
+                <a:latin typeface="Helvetica Neue"/>
+              </a:rPr>
+              <a:t>웹 디자인은 패션과 비슷해서 같은 옷만 입는 사람을 촌스럽게 생각하는 경향이 아주 높습니다</a:t>
+            </a:r>
+            <a:r>
+              <a:rPr lang="en-US" altLang="ko-KR" sz="1000" b="0" i="0" dirty="0">
+                <a:solidFill>
+                  <a:srgbClr val="333333"/>
+                </a:solidFill>
+                <a:effectLst/>
+                <a:latin typeface="Helvetica Neue"/>
+              </a:rPr>
+              <a:t>.</a:t>
+            </a:r>
+          </a:p>
+          <a:p>
+            <a:pPr algn="l"/>
+            <a:r>
+              <a:rPr lang="ko-KR" altLang="en-US" sz="1000" b="0" i="0" dirty="0">
+                <a:solidFill>
+                  <a:srgbClr val="333333"/>
+                </a:solidFill>
+                <a:effectLst/>
+                <a:latin typeface="Helvetica Neue"/>
+              </a:rPr>
+              <a:t>그래서 자주 바꾸어 주어야 합니다</a:t>
+            </a:r>
+            <a:r>
+              <a:rPr lang="en-US" altLang="ko-KR" sz="1000" b="0" i="0" dirty="0">
+                <a:solidFill>
+                  <a:srgbClr val="333333"/>
+                </a:solidFill>
+                <a:effectLst/>
+                <a:latin typeface="Helvetica Neue"/>
+              </a:rPr>
+              <a:t>.</a:t>
+            </a:r>
+          </a:p>
+          <a:p>
+            <a:pPr algn="l"/>
+            <a:br>
+              <a:rPr lang="en-US" altLang="ko-KR" sz="1000" b="0" i="0" dirty="0">
+                <a:solidFill>
+                  <a:srgbClr val="333333"/>
+                </a:solidFill>
+                <a:effectLst/>
+                <a:latin typeface="Helvetica Neue"/>
+              </a:rPr>
+            </a:br>
+            <a:endParaRPr lang="en-US" altLang="ko-KR" sz="1000" b="0" i="0" dirty="0">
+              <a:solidFill>
+                <a:srgbClr val="333333"/>
+              </a:solidFill>
+              <a:effectLst/>
+              <a:latin typeface="Helvetica Neue"/>
+            </a:endParaRPr>
+          </a:p>
+          <a:p>
+            <a:pPr algn="l"/>
+            <a:r>
+              <a:rPr lang="ko-KR" altLang="en-US" sz="1000" b="0" i="0" dirty="0">
+                <a:solidFill>
+                  <a:srgbClr val="333333"/>
+                </a:solidFill>
+                <a:effectLst/>
+                <a:latin typeface="Helvetica Neue"/>
+              </a:rPr>
+              <a:t>디자인이 수시로 바꾸는 </a:t>
+            </a:r>
+            <a:r>
+              <a:rPr lang="ko-KR" altLang="en-US" sz="1000" b="0" i="0" dirty="0" err="1">
+                <a:solidFill>
+                  <a:srgbClr val="333333"/>
+                </a:solidFill>
+                <a:effectLst/>
+                <a:latin typeface="Helvetica Neue"/>
+              </a:rPr>
+              <a:t>경우그것에</a:t>
+            </a:r>
+            <a:r>
+              <a:rPr lang="ko-KR" altLang="en-US" sz="1000" b="0" i="0" dirty="0">
+                <a:solidFill>
+                  <a:srgbClr val="333333"/>
+                </a:solidFill>
+                <a:effectLst/>
+                <a:latin typeface="Helvetica Neue"/>
+              </a:rPr>
+              <a:t> 영향을 받지 </a:t>
+            </a:r>
+            <a:r>
+              <a:rPr lang="ko-KR" altLang="en-US" sz="1000" b="0" i="0" dirty="0" err="1">
+                <a:solidFill>
+                  <a:srgbClr val="333333"/>
+                </a:solidFill>
+                <a:effectLst/>
+                <a:latin typeface="Helvetica Neue"/>
+              </a:rPr>
+              <a:t>않는것들을</a:t>
+            </a:r>
+            <a:r>
+              <a:rPr lang="ko-KR" altLang="en-US" sz="1000" b="0" i="0" dirty="0">
+                <a:solidFill>
+                  <a:srgbClr val="333333"/>
+                </a:solidFill>
+                <a:effectLst/>
+                <a:latin typeface="Helvetica Neue"/>
+              </a:rPr>
+              <a:t> 분리하여 수정을 </a:t>
+            </a:r>
+            <a:r>
+              <a:rPr lang="ko-KR" altLang="en-US" sz="1000" b="0" i="0" dirty="0" err="1">
+                <a:solidFill>
+                  <a:srgbClr val="333333"/>
+                </a:solidFill>
+                <a:effectLst/>
+                <a:latin typeface="Helvetica Neue"/>
+              </a:rPr>
+              <a:t>안하는</a:t>
+            </a:r>
+            <a:r>
+              <a:rPr lang="ko-KR" altLang="en-US" sz="1000" b="0" i="0" dirty="0">
+                <a:solidFill>
+                  <a:srgbClr val="333333"/>
+                </a:solidFill>
+                <a:effectLst/>
+                <a:latin typeface="Helvetica Neue"/>
+              </a:rPr>
+              <a:t> 방법이 무엇일까</a:t>
+            </a:r>
+            <a:r>
+              <a:rPr lang="en-US" altLang="ko-KR" sz="1000" b="0" i="0" dirty="0">
+                <a:solidFill>
+                  <a:srgbClr val="333333"/>
+                </a:solidFill>
+                <a:effectLst/>
+                <a:latin typeface="Helvetica Neue"/>
+              </a:rPr>
+              <a:t>?</a:t>
+            </a:r>
+          </a:p>
+          <a:p>
+            <a:pPr algn="l"/>
+            <a:r>
+              <a:rPr lang="ko-KR" altLang="en-US" sz="1000" b="0" i="0" dirty="0">
+                <a:solidFill>
+                  <a:srgbClr val="333333"/>
+                </a:solidFill>
+                <a:effectLst/>
+                <a:latin typeface="Helvetica Neue"/>
+              </a:rPr>
+              <a:t>순수 </a:t>
+            </a:r>
+            <a:r>
+              <a:rPr lang="en-US" altLang="ko-KR" sz="1000" b="0" i="0" dirty="0" err="1">
+                <a:solidFill>
+                  <a:srgbClr val="333333"/>
+                </a:solidFill>
+                <a:effectLst/>
+                <a:latin typeface="Helvetica Neue"/>
+              </a:rPr>
+              <a:t>jsp</a:t>
+            </a:r>
+            <a:r>
+              <a:rPr lang="en-US" altLang="ko-KR" sz="1000" b="0" i="0" dirty="0">
+                <a:solidFill>
+                  <a:srgbClr val="333333"/>
+                </a:solidFill>
+                <a:effectLst/>
+                <a:latin typeface="Helvetica Neue"/>
+              </a:rPr>
+              <a:t> </a:t>
+            </a:r>
+            <a:r>
+              <a:rPr lang="ko-KR" altLang="en-US" sz="1000" b="0" i="0" dirty="0">
+                <a:solidFill>
+                  <a:srgbClr val="333333"/>
+                </a:solidFill>
+                <a:effectLst/>
+                <a:latin typeface="Helvetica Neue"/>
+              </a:rPr>
+              <a:t>에서 고민해 보시고 그 길을 찾아보세요</a:t>
+            </a:r>
+            <a:endParaRPr lang="en-US" altLang="ko-KR" sz="1000" b="0" i="0" dirty="0">
+              <a:solidFill>
+                <a:srgbClr val="333333"/>
+              </a:solidFill>
+              <a:effectLst/>
+              <a:latin typeface="Helvetica Neue"/>
+            </a:endParaRPr>
+          </a:p>
+          <a:p>
+            <a:pPr algn="l"/>
+            <a:endParaRPr lang="en-US" altLang="ko-KR" sz="1000" dirty="0">
+              <a:solidFill>
+                <a:srgbClr val="333333"/>
+              </a:solidFill>
+              <a:latin typeface="Helvetica Neue"/>
+            </a:endParaRPr>
+          </a:p>
+          <a:p>
+            <a:pPr algn="l"/>
+            <a:endParaRPr lang="ko-KR" altLang="en-US" sz="1000" b="0" i="0" dirty="0">
+              <a:solidFill>
+                <a:srgbClr val="333333"/>
+              </a:solidFill>
+              <a:effectLst/>
+              <a:latin typeface="Helvetica Neue"/>
+            </a:endParaRPr>
+          </a:p>
+          <a:p>
+            <a:pPr>
+              <a:lnSpc>
+                <a:spcPct val="150000"/>
+              </a:lnSpc>
+            </a:pPr>
+            <a:endParaRPr lang="ko-KR" altLang="en-US" sz="1000" dirty="0">
+              <a:latin typeface="+mn-ea"/>
+            </a:endParaRPr>
+          </a:p>
+        </p:txBody>
+      </p:sp>
+    </p:spTree>
+    <p:extLst>
+      <p:ext uri="{BB962C8B-B14F-4D97-AF65-F5344CB8AC3E}">
+        <p14:creationId xmlns:p14="http://schemas.microsoft.com/office/powerpoint/2010/main" val="90205356"/>
+      </p:ext>
+    </p:extLst>
+  </p:cSld>
+  <p:clrMapOvr>
+    <a:masterClrMapping/>
+  </p:clrMapOvr>
+</p:sld>
+</file>
+
+<file path=ppt/slides/slide21.xml><?xml version="1.0" encoding="utf-8"?>
+<p:sld xmlns:a="http://schemas.openxmlformats.org/drawingml/2006/main" xmlns:r="http://schemas.openxmlformats.org/officeDocument/2006/relationships" xmlns:p="http://schemas.openxmlformats.org/presentationml/2006/main">
+  <p:cSld>
+    <p:spTree>
+      <p:nvGrpSpPr>
+        <p:cNvPr id="1" name=""/>
+        <p:cNvGrpSpPr/>
+        <p:nvPr/>
+      </p:nvGrpSpPr>
+      <p:grpSpPr>
+        <a:xfrm>
+          <a:off x="0" y="0"/>
+          <a:ext cx="0" cy="0"/>
+          <a:chOff x="0" y="0"/>
+          <a:chExt cx="0" cy="0"/>
+        </a:xfrm>
+      </p:grpSpPr>
+      <p:sp>
+        <p:nvSpPr>
+          <p:cNvPr id="2" name="TextBox 1">
+            <a:extLst>
+              <a:ext uri="{FF2B5EF4-FFF2-40B4-BE49-F238E27FC236}">
+                <a16:creationId xmlns:a16="http://schemas.microsoft.com/office/drawing/2014/main" id="{A40733A5-52A9-4AEB-B832-87F6CDF92934}"/>
+              </a:ext>
+            </a:extLst>
+          </p:cNvPr>
+          <p:cNvSpPr txBox="1"/>
+          <p:nvPr/>
+        </p:nvSpPr>
+        <p:spPr>
+          <a:xfrm>
+            <a:off x="682456" y="89206"/>
+            <a:ext cx="10009358" cy="461665"/>
+          </a:xfrm>
+          <a:prstGeom prst="rect">
+            <a:avLst/>
+          </a:prstGeom>
+          <a:noFill/>
+        </p:spPr>
+        <p:txBody>
+          <a:bodyPr wrap="square" rtlCol="0">
+            <a:spAutoFit/>
+          </a:bodyPr>
+          <a:lstStyle/>
+          <a:p>
+            <a:r>
+              <a:rPr lang="en-US" altLang="ko-KR" sz="2400" dirty="0"/>
+              <a:t>4.</a:t>
+            </a:r>
+            <a:endParaRPr lang="ko-KR" altLang="en-US" sz="2400" dirty="0"/>
+          </a:p>
+        </p:txBody>
+      </p:sp>
+      <p:sp>
+        <p:nvSpPr>
+          <p:cNvPr id="3" name="슬라이드 번호 개체 틀 2">
+            <a:extLst>
+              <a:ext uri="{FF2B5EF4-FFF2-40B4-BE49-F238E27FC236}">
+                <a16:creationId xmlns:a16="http://schemas.microsoft.com/office/drawing/2014/main" id="{337B3EA5-FB71-4F98-9194-9ED93C0B34AF}"/>
+              </a:ext>
+            </a:extLst>
+          </p:cNvPr>
+          <p:cNvSpPr>
+            <a:spLocks noGrp="1"/>
+          </p:cNvSpPr>
+          <p:nvPr>
+            <p:ph type="sldNum" sz="quarter" idx="12"/>
+          </p:nvPr>
+        </p:nvSpPr>
+        <p:spPr/>
+        <p:txBody>
+          <a:bodyPr/>
+          <a:lstStyle/>
+          <a:p>
+            <a:fld id="{CDC676C3-E9FC-452C-A32C-9FDBC70E7618}" type="slidenum">
+              <a:rPr lang="ko-KR" altLang="en-US" smtClean="0"/>
+              <a:pPr/>
+              <a:t>21</a:t>
+            </a:fld>
+            <a:endParaRPr lang="ko-KR" altLang="en-US" dirty="0"/>
+          </a:p>
+        </p:txBody>
+      </p:sp>
+      <p:sp>
+        <p:nvSpPr>
+          <p:cNvPr id="4" name="TextBox 3">
+            <a:extLst>
+              <a:ext uri="{FF2B5EF4-FFF2-40B4-BE49-F238E27FC236}">
+                <a16:creationId xmlns:a16="http://schemas.microsoft.com/office/drawing/2014/main" id="{BAE8417D-CCAA-45F0-A4B2-849F67918E17}"/>
+              </a:ext>
+            </a:extLst>
+          </p:cNvPr>
+          <p:cNvSpPr txBox="1"/>
+          <p:nvPr/>
+        </p:nvSpPr>
+        <p:spPr>
+          <a:xfrm>
+            <a:off x="254248" y="918860"/>
+            <a:ext cx="10192214" cy="373885"/>
+          </a:xfrm>
+          <a:prstGeom prst="rect">
+            <a:avLst/>
+          </a:prstGeom>
+          <a:noFill/>
+        </p:spPr>
+        <p:txBody>
+          <a:bodyPr wrap="square" rtlCol="0">
+            <a:spAutoFit/>
+          </a:bodyPr>
+          <a:lstStyle/>
+          <a:p>
+            <a:pPr>
+              <a:lnSpc>
+                <a:spcPct val="150000"/>
+              </a:lnSpc>
+            </a:pPr>
+            <a:r>
+              <a:rPr lang="ko-KR" altLang="en-US" sz="1400" dirty="0">
+                <a:latin typeface="+mn-ea"/>
+              </a:rPr>
+              <a:t>모델 뷰 컨트롤러</a:t>
+            </a:r>
+            <a:endParaRPr lang="ko-KR" altLang="en-US" sz="1200" dirty="0">
+              <a:latin typeface="+mn-ea"/>
+            </a:endParaRPr>
+          </a:p>
+        </p:txBody>
+      </p:sp>
+      <p:sp>
+        <p:nvSpPr>
+          <p:cNvPr id="15" name="TextBox 14">
+            <a:extLst>
+              <a:ext uri="{FF2B5EF4-FFF2-40B4-BE49-F238E27FC236}">
+                <a16:creationId xmlns:a16="http://schemas.microsoft.com/office/drawing/2014/main" id="{6055F552-B694-41E8-8D64-28D09C467ADF}"/>
+              </a:ext>
+            </a:extLst>
+          </p:cNvPr>
+          <p:cNvSpPr txBox="1"/>
+          <p:nvPr/>
+        </p:nvSpPr>
+        <p:spPr>
+          <a:xfrm>
+            <a:off x="254248" y="1949210"/>
             <a:ext cx="10192214" cy="2246769"/>
           </a:xfrm>
           <a:prstGeom prst="rect">
@@ -16187,28 +16378,28 @@
           <p:nvPr>
             <p:extLst>
               <p:ext uri="{D42A27DB-BD31-4B8C-83A1-F6EECF244321}">
-                <p14:modId xmlns:p14="http://schemas.microsoft.com/office/powerpoint/2010/main" val="3220460060"/>
+                <p14:modId xmlns:p14="http://schemas.microsoft.com/office/powerpoint/2010/main" val="3022572058"/>
               </p:ext>
             </p:extLst>
           </p:nvPr>
         </p:nvGraphicFramePr>
         <p:xfrm>
           <a:off x="4416719" y="1968585"/>
-          <a:ext cx="4063496" cy="3576681"/>
+          <a:ext cx="3600981" cy="3576681"/>
         </p:xfrm>
         <a:graphic>
           <a:graphicData uri="http://schemas.openxmlformats.org/drawingml/2006/table">
             <a:tbl>
               <a:tblPr/>
               <a:tblGrid>
-                <a:gridCol w="1110321">
+                <a:gridCol w="1165934">
                   <a:extLst>
                     <a:ext uri="{9D8B030D-6E8A-4147-A177-3AD203B41FA5}">
                       <a16:colId xmlns:a16="http://schemas.microsoft.com/office/drawing/2014/main" val="3540281261"/>
                     </a:ext>
                   </a:extLst>
                 </a:gridCol>
-                <a:gridCol w="2953175">
+                <a:gridCol w="2435047">
                   <a:extLst>
                     <a:ext uri="{9D8B030D-6E8A-4147-A177-3AD203B41FA5}">
                       <a16:colId xmlns:a16="http://schemas.microsoft.com/office/drawing/2014/main" val="124441196"/>
@@ -16343,7 +16534,7 @@
                         <a:rPr lang="en-US" sz="1000" b="1" dirty="0">
                           <a:effectLst/>
                         </a:rPr>
-                        <a:t>controller</a:t>
+                        <a:t>Controller</a:t>
                       </a:r>
                       <a:endParaRPr lang="en-US" sz="1000" dirty="0">
                         <a:effectLst/>
@@ -16454,10 +16645,10 @@
                     <a:lstStyle/>
                     <a:p>
                       <a:r>
-                        <a:rPr lang="en-US" sz="1000" b="1" dirty="0" err="1">
+                        <a:rPr lang="en-US" sz="1000" b="1" dirty="0">
                           <a:effectLst/>
                         </a:rPr>
-                        <a:t>dao</a:t>
+                        <a:t>Dao</a:t>
                       </a:r>
                       <a:endParaRPr lang="en-US" sz="1000" dirty="0">
                         <a:effectLst/>
@@ -16577,7 +16768,7 @@
                         <a:rPr lang="en-US" sz="1000" b="1" dirty="0">
                           <a:effectLst/>
                         </a:rPr>
-                        <a:t>service</a:t>
+                        <a:t>Service</a:t>
                       </a:r>
                       <a:endParaRPr lang="en-US" sz="1000" dirty="0">
                         <a:effectLst/>
@@ -16688,10 +16879,10 @@
                     <a:lstStyle/>
                     <a:p>
                       <a:r>
-                        <a:rPr lang="en-US" sz="1000" b="1" dirty="0" err="1">
+                        <a:rPr lang="en-US" sz="1000" b="1" dirty="0">
                           <a:effectLst/>
                         </a:rPr>
-                        <a:t>vo</a:t>
+                        <a:t>Vo</a:t>
                       </a:r>
                       <a:endParaRPr lang="en-US" sz="1000" dirty="0">
                         <a:effectLst/>
@@ -16817,7 +17008,7 @@
                         <a:rPr lang="en-US" sz="1000" b="1" dirty="0">
                           <a:effectLst/>
                         </a:rPr>
-                        <a:t>config</a:t>
+                        <a:t>Config</a:t>
                       </a:r>
                       <a:endParaRPr lang="en-US" sz="1000" dirty="0">
                         <a:effectLst/>

--- a/스프링의 구조.pptx
+++ b/스프링의 구조.pptx
@@ -5,7 +5,7 @@
     <p:sldMasterId id="2147483660" r:id="rId1"/>
   </p:sldMasterIdLst>
   <p:notesMasterIdLst>
-    <p:notesMasterId r:id="rId23"/>
+    <p:notesMasterId r:id="rId21"/>
   </p:notesMasterIdLst>
   <p:sldIdLst>
     <p:sldId id="256" r:id="rId2"/>
@@ -27,8 +27,6 @@
     <p:sldId id="319" r:id="rId18"/>
     <p:sldId id="321" r:id="rId19"/>
     <p:sldId id="325" r:id="rId20"/>
-    <p:sldId id="327" r:id="rId21"/>
-    <p:sldId id="328" r:id="rId22"/>
   </p:sldIdLst>
   <p:sldSz cx="10691813" cy="7559675"/>
   <p:notesSz cx="6858000" cy="9144000"/>
@@ -244,7 +242,7 @@
             <a:fld id="{1DF3F4A2-0E57-4C17-80C9-0DADF022DFF7}" type="datetimeFigureOut">
               <a:rPr lang="ko-KR" altLang="en-US" smtClean="0"/>
               <a:pPr/>
-              <a:t>2022-04-10</a:t>
+              <a:t>2022-04-11</a:t>
             </a:fld>
             <a:endParaRPr lang="ko-KR" altLang="en-US"/>
           </a:p>
@@ -643,7 +641,7 @@
           <a:p>
             <a:fld id="{67524C88-55D3-4BDF-8EA6-671B88E3458B}" type="datetime1">
               <a:rPr lang="ko-KR" altLang="en-US" smtClean="0"/>
-              <a:t>2022-04-10</a:t>
+              <a:t>2022-04-11</a:t>
             </a:fld>
             <a:endParaRPr lang="ko-KR" altLang="en-US"/>
           </a:p>
@@ -739,7 +737,7 @@
           <a:p>
             <a:fld id="{07EEF2E2-9D0A-4494-BB0D-603E77C79F91}" type="datetime1">
               <a:rPr lang="ko-KR" altLang="en-US" smtClean="0"/>
-              <a:t>2022-04-10</a:t>
+              <a:t>2022-04-11</a:t>
             </a:fld>
             <a:endParaRPr lang="ko-KR" altLang="en-US"/>
           </a:p>
@@ -883,7 +881,7 @@
           <a:p>
             <a:fld id="{A4F3F21B-DFA0-4D48-BE1A-ADBF6BAE97F9}" type="datetime1">
               <a:rPr lang="ko-KR" altLang="en-US" smtClean="0"/>
-              <a:t>2022-04-10</a:t>
+              <a:t>2022-04-11</a:t>
             </a:fld>
             <a:endParaRPr lang="ko-KR" altLang="en-US"/>
           </a:p>
@@ -1243,7 +1241,7 @@
           <a:p>
             <a:fld id="{36AFC085-6523-4F50-ADD6-C952023DDF3A}" type="datetime1">
               <a:rPr lang="ko-KR" altLang="en-US" smtClean="0"/>
-              <a:t>2022-04-10</a:t>
+              <a:t>2022-04-11</a:t>
             </a:fld>
             <a:endParaRPr lang="ko-KR" altLang="en-US"/>
           </a:p>
@@ -1451,7 +1449,7 @@
           <a:p>
             <a:fld id="{30DF7938-C556-41E7-B76E-783E7A0ECE4C}" type="datetime1">
               <a:rPr lang="ko-KR" altLang="en-US" smtClean="0"/>
-              <a:t>2022-04-10</a:t>
+              <a:t>2022-04-11</a:t>
             </a:fld>
             <a:endParaRPr lang="ko-KR" altLang="en-US"/>
           </a:p>
@@ -1625,7 +1623,7 @@
           <a:p>
             <a:fld id="{1AD701CD-40E2-4753-8BCF-5831B17AADF1}" type="datetime1">
               <a:rPr lang="ko-KR" altLang="en-US" smtClean="0"/>
-              <a:t>2022-04-10</a:t>
+              <a:t>2022-04-11</a:t>
             </a:fld>
             <a:endParaRPr lang="ko-KR" altLang="en-US"/>
           </a:p>
@@ -1839,7 +1837,7 @@
           <a:p>
             <a:fld id="{359E1633-C8A7-401F-9431-5FF96D45B55E}" type="datetime1">
               <a:rPr lang="ko-KR" altLang="en-US" smtClean="0"/>
-              <a:t>2022-04-10</a:t>
+              <a:t>2022-04-11</a:t>
             </a:fld>
             <a:endParaRPr lang="ko-KR" altLang="en-US"/>
           </a:p>
@@ -12081,1838 +12079,6 @@
     <p:extLst>
       <p:ext uri="{BB962C8B-B14F-4D97-AF65-F5344CB8AC3E}">
         <p14:creationId xmlns:p14="http://schemas.microsoft.com/office/powerpoint/2010/main" val="166829362"/>
-      </p:ext>
-    </p:extLst>
-  </p:cSld>
-  <p:clrMapOvr>
-    <a:masterClrMapping/>
-  </p:clrMapOvr>
-</p:sld>
-</file>
-
-<file path=ppt/slides/slide20.xml><?xml version="1.0" encoding="utf-8"?>
-<p:sld xmlns:a="http://schemas.openxmlformats.org/drawingml/2006/main" xmlns:r="http://schemas.openxmlformats.org/officeDocument/2006/relationships" xmlns:p="http://schemas.openxmlformats.org/presentationml/2006/main">
-  <p:cSld>
-    <p:spTree>
-      <p:nvGrpSpPr>
-        <p:cNvPr id="1" name=""/>
-        <p:cNvGrpSpPr/>
-        <p:nvPr/>
-      </p:nvGrpSpPr>
-      <p:grpSpPr>
-        <a:xfrm>
-          <a:off x="0" y="0"/>
-          <a:ext cx="0" cy="0"/>
-          <a:chOff x="0" y="0"/>
-          <a:chExt cx="0" cy="0"/>
-        </a:xfrm>
-      </p:grpSpPr>
-      <p:sp>
-        <p:nvSpPr>
-          <p:cNvPr id="2" name="TextBox 1">
-            <a:extLst>
-              <a:ext uri="{FF2B5EF4-FFF2-40B4-BE49-F238E27FC236}">
-                <a16:creationId xmlns:a16="http://schemas.microsoft.com/office/drawing/2014/main" id="{A40733A5-52A9-4AEB-B832-87F6CDF92934}"/>
-              </a:ext>
-            </a:extLst>
-          </p:cNvPr>
-          <p:cNvSpPr txBox="1"/>
-          <p:nvPr/>
-        </p:nvSpPr>
-        <p:spPr>
-          <a:xfrm>
-            <a:off x="682456" y="89206"/>
-            <a:ext cx="10009358" cy="461665"/>
-          </a:xfrm>
-          <a:prstGeom prst="rect">
-            <a:avLst/>
-          </a:prstGeom>
-          <a:noFill/>
-        </p:spPr>
-        <p:txBody>
-          <a:bodyPr wrap="square" rtlCol="0">
-            <a:spAutoFit/>
-          </a:bodyPr>
-          <a:lstStyle/>
-          <a:p>
-            <a:r>
-              <a:rPr lang="en-US" altLang="ko-KR" sz="2400" dirty="0"/>
-              <a:t>4.</a:t>
-            </a:r>
-            <a:endParaRPr lang="ko-KR" altLang="en-US" sz="2400" dirty="0"/>
-          </a:p>
-        </p:txBody>
-      </p:sp>
-      <p:sp>
-        <p:nvSpPr>
-          <p:cNvPr id="3" name="슬라이드 번호 개체 틀 2">
-            <a:extLst>
-              <a:ext uri="{FF2B5EF4-FFF2-40B4-BE49-F238E27FC236}">
-                <a16:creationId xmlns:a16="http://schemas.microsoft.com/office/drawing/2014/main" id="{337B3EA5-FB71-4F98-9194-9ED93C0B34AF}"/>
-              </a:ext>
-            </a:extLst>
-          </p:cNvPr>
-          <p:cNvSpPr>
-            <a:spLocks noGrp="1"/>
-          </p:cNvSpPr>
-          <p:nvPr>
-            <p:ph type="sldNum" sz="quarter" idx="12"/>
-          </p:nvPr>
-        </p:nvSpPr>
-        <p:spPr/>
-        <p:txBody>
-          <a:bodyPr/>
-          <a:lstStyle/>
-          <a:p>
-            <a:fld id="{CDC676C3-E9FC-452C-A32C-9FDBC70E7618}" type="slidenum">
-              <a:rPr lang="ko-KR" altLang="en-US" smtClean="0"/>
-              <a:pPr/>
-              <a:t>20</a:t>
-            </a:fld>
-            <a:endParaRPr lang="ko-KR" altLang="en-US" dirty="0"/>
-          </a:p>
-        </p:txBody>
-      </p:sp>
-      <p:sp>
-        <p:nvSpPr>
-          <p:cNvPr id="4" name="TextBox 3">
-            <a:extLst>
-              <a:ext uri="{FF2B5EF4-FFF2-40B4-BE49-F238E27FC236}">
-                <a16:creationId xmlns:a16="http://schemas.microsoft.com/office/drawing/2014/main" id="{BAE8417D-CCAA-45F0-A4B2-849F67918E17}"/>
-              </a:ext>
-            </a:extLst>
-          </p:cNvPr>
-          <p:cNvSpPr txBox="1"/>
-          <p:nvPr/>
-        </p:nvSpPr>
-        <p:spPr>
-          <a:xfrm>
-            <a:off x="254248" y="918860"/>
-            <a:ext cx="10192214" cy="373885"/>
-          </a:xfrm>
-          <a:prstGeom prst="rect">
-            <a:avLst/>
-          </a:prstGeom>
-          <a:noFill/>
-        </p:spPr>
-        <p:txBody>
-          <a:bodyPr wrap="square" rtlCol="0">
-            <a:spAutoFit/>
-          </a:bodyPr>
-          <a:lstStyle/>
-          <a:p>
-            <a:pPr>
-              <a:lnSpc>
-                <a:spcPct val="150000"/>
-              </a:lnSpc>
-            </a:pPr>
-            <a:r>
-              <a:rPr lang="ko-KR" altLang="en-US" sz="1400" dirty="0">
-                <a:latin typeface="+mn-ea"/>
-              </a:rPr>
-              <a:t>모델 뷰 컨트롤러</a:t>
-            </a:r>
-            <a:endParaRPr lang="ko-KR" altLang="en-US" sz="1200" dirty="0">
-              <a:latin typeface="+mn-ea"/>
-            </a:endParaRPr>
-          </a:p>
-        </p:txBody>
-      </p:sp>
-      <p:sp>
-        <p:nvSpPr>
-          <p:cNvPr id="15" name="TextBox 14">
-            <a:extLst>
-              <a:ext uri="{FF2B5EF4-FFF2-40B4-BE49-F238E27FC236}">
-                <a16:creationId xmlns:a16="http://schemas.microsoft.com/office/drawing/2014/main" id="{6055F552-B694-41E8-8D64-28D09C467ADF}"/>
-              </a:ext>
-            </a:extLst>
-          </p:cNvPr>
-          <p:cNvSpPr txBox="1"/>
-          <p:nvPr/>
-        </p:nvSpPr>
-        <p:spPr>
-          <a:xfrm>
-            <a:off x="254248" y="1949210"/>
-            <a:ext cx="10192214" cy="3217291"/>
-          </a:xfrm>
-          <a:prstGeom prst="rect">
-            <a:avLst/>
-          </a:prstGeom>
-          <a:noFill/>
-        </p:spPr>
-        <p:txBody>
-          <a:bodyPr wrap="square" rtlCol="0">
-            <a:spAutoFit/>
-          </a:bodyPr>
-          <a:lstStyle/>
-          <a:p>
-            <a:pPr>
-              <a:lnSpc>
-                <a:spcPct val="150000"/>
-              </a:lnSpc>
-            </a:pPr>
-            <a:r>
-              <a:rPr lang="ko-KR" altLang="en-US" sz="1000" b="1" i="0" dirty="0">
-                <a:solidFill>
-                  <a:srgbClr val="333333"/>
-                </a:solidFill>
-                <a:effectLst/>
-                <a:latin typeface="Helvetica Neue"/>
-              </a:rPr>
-              <a:t>모델</a:t>
-            </a:r>
-            <a:r>
-              <a:rPr lang="en-US" altLang="ko-KR" sz="1000" b="1" i="0" dirty="0">
-                <a:solidFill>
-                  <a:srgbClr val="333333"/>
-                </a:solidFill>
-                <a:effectLst/>
-                <a:latin typeface="Helvetica Neue"/>
-              </a:rPr>
-              <a:t>-</a:t>
-            </a:r>
-            <a:r>
-              <a:rPr lang="ko-KR" altLang="en-US" sz="1000" b="1" i="0" dirty="0">
-                <a:solidFill>
-                  <a:srgbClr val="333333"/>
-                </a:solidFill>
-                <a:effectLst/>
-                <a:latin typeface="Helvetica Neue"/>
-              </a:rPr>
-              <a:t>뷰</a:t>
-            </a:r>
-            <a:r>
-              <a:rPr lang="en-US" altLang="ko-KR" sz="1000" b="1" i="0" dirty="0">
-                <a:solidFill>
-                  <a:srgbClr val="333333"/>
-                </a:solidFill>
-                <a:effectLst/>
-                <a:latin typeface="Helvetica Neue"/>
-              </a:rPr>
-              <a:t>-</a:t>
-            </a:r>
-            <a:r>
-              <a:rPr lang="ko-KR" altLang="en-US" sz="1000" b="1" i="0" dirty="0">
-                <a:solidFill>
-                  <a:srgbClr val="333333"/>
-                </a:solidFill>
-                <a:effectLst/>
-                <a:latin typeface="Helvetica Neue"/>
-              </a:rPr>
-              <a:t>컨트롤러</a:t>
-            </a:r>
-            <a:r>
-              <a:rPr lang="en-US" altLang="ko-KR" sz="1000" b="0" i="0" dirty="0">
-                <a:solidFill>
-                  <a:srgbClr val="333333"/>
-                </a:solidFill>
-                <a:effectLst/>
-                <a:latin typeface="Helvetica Neue"/>
-              </a:rPr>
-              <a:t>(Model–View–Controller, MVC)</a:t>
-            </a:r>
-            <a:r>
-              <a:rPr lang="ko-KR" altLang="en-US" sz="1000" b="0" i="0" dirty="0">
-                <a:solidFill>
-                  <a:srgbClr val="333333"/>
-                </a:solidFill>
-                <a:effectLst/>
-                <a:latin typeface="Helvetica Neue"/>
-              </a:rPr>
-              <a:t>는 </a:t>
-            </a:r>
-            <a:r>
-              <a:rPr lang="ko-KR" altLang="en-US" sz="1000" b="0" i="0" u="sng" strike="noStrike" dirty="0">
-                <a:solidFill>
-                  <a:srgbClr val="2A6496"/>
-                </a:solidFill>
-                <a:effectLst/>
-                <a:latin typeface="Helvetica Neue"/>
-                <a:hlinkClick r:id="rId2"/>
-              </a:rPr>
-              <a:t>소프트웨어 공학</a:t>
-            </a:r>
-            <a:r>
-              <a:rPr lang="ko-KR" altLang="en-US" sz="1000" b="0" i="0" dirty="0">
-                <a:solidFill>
-                  <a:srgbClr val="333333"/>
-                </a:solidFill>
-                <a:effectLst/>
-                <a:latin typeface="Helvetica Neue"/>
-              </a:rPr>
-              <a:t>에서 사용되는 </a:t>
-            </a:r>
-            <a:r>
-              <a:rPr lang="ko-KR" altLang="en-US" sz="1000" b="0" i="0" u="sng" strike="noStrike" dirty="0">
-                <a:solidFill>
-                  <a:srgbClr val="2A6496"/>
-                </a:solidFill>
-                <a:effectLst/>
-                <a:latin typeface="Helvetica Neue"/>
-                <a:hlinkClick r:id="rId3"/>
-              </a:rPr>
-              <a:t>소프트웨어 디자인 패턴</a:t>
-            </a:r>
-            <a:r>
-              <a:rPr lang="ko-KR" altLang="en-US" sz="1000" b="0" i="0" dirty="0">
-                <a:solidFill>
-                  <a:srgbClr val="333333"/>
-                </a:solidFill>
-                <a:effectLst/>
-                <a:latin typeface="Helvetica Neue"/>
-              </a:rPr>
-              <a:t>이다</a:t>
-            </a:r>
-            <a:r>
-              <a:rPr lang="en-US" altLang="ko-KR" sz="1000" b="0" i="0" dirty="0">
-                <a:solidFill>
-                  <a:srgbClr val="333333"/>
-                </a:solidFill>
-                <a:effectLst/>
-                <a:latin typeface="Helvetica Neue"/>
-              </a:rPr>
-              <a:t>. </a:t>
-            </a:r>
-            <a:r>
-              <a:rPr lang="ko-KR" altLang="en-US" sz="1000" b="0" i="0" dirty="0">
-                <a:solidFill>
-                  <a:srgbClr val="333333"/>
-                </a:solidFill>
-                <a:effectLst/>
-                <a:latin typeface="Helvetica Neue"/>
-              </a:rPr>
-              <a:t>이 패턴을 성공적으로 사용하면</a:t>
-            </a:r>
-            <a:r>
-              <a:rPr lang="en-US" altLang="ko-KR" sz="1000" b="0" i="0" dirty="0">
-                <a:solidFill>
-                  <a:srgbClr val="333333"/>
-                </a:solidFill>
-                <a:effectLst/>
-                <a:latin typeface="Helvetica Neue"/>
-              </a:rPr>
-              <a:t>, </a:t>
-            </a:r>
-            <a:r>
-              <a:rPr lang="ko-KR" altLang="en-US" sz="1000" b="0" i="0" u="sng" strike="noStrike" dirty="0">
-                <a:solidFill>
-                  <a:srgbClr val="2A6496"/>
-                </a:solidFill>
-                <a:effectLst/>
-                <a:latin typeface="Helvetica Neue"/>
-                <a:hlinkClick r:id="rId4"/>
-              </a:rPr>
-              <a:t>사용자 인터페이스</a:t>
-            </a:r>
-            <a:r>
-              <a:rPr lang="ko-KR" altLang="en-US" sz="1000" b="0" i="0" dirty="0">
-                <a:solidFill>
-                  <a:srgbClr val="333333"/>
-                </a:solidFill>
-                <a:effectLst/>
-                <a:latin typeface="Helvetica Neue"/>
-              </a:rPr>
-              <a:t>로부터 </a:t>
-            </a:r>
-            <a:r>
-              <a:rPr lang="ko-KR" altLang="en-US" sz="1000" b="0" i="0" u="sng" strike="noStrike" dirty="0">
-                <a:solidFill>
-                  <a:srgbClr val="2A6496"/>
-                </a:solidFill>
-                <a:effectLst/>
-                <a:latin typeface="Helvetica Neue"/>
-                <a:hlinkClick r:id="rId5"/>
-              </a:rPr>
-              <a:t>비즈니스 로직</a:t>
-            </a:r>
-            <a:r>
-              <a:rPr lang="ko-KR" altLang="en-US" sz="1000" b="0" i="0" dirty="0">
-                <a:solidFill>
-                  <a:srgbClr val="333333"/>
-                </a:solidFill>
-                <a:effectLst/>
-                <a:latin typeface="Helvetica Neue"/>
-              </a:rPr>
-              <a:t>을 분리하여 </a:t>
-            </a:r>
-            <a:r>
-              <a:rPr lang="ko-KR" altLang="en-US" sz="1000" b="0" i="0" u="sng" strike="noStrike" dirty="0">
-                <a:solidFill>
-                  <a:srgbClr val="2A6496"/>
-                </a:solidFill>
-                <a:effectLst/>
-                <a:latin typeface="Helvetica Neue"/>
-                <a:hlinkClick r:id="rId6"/>
-              </a:rPr>
-              <a:t>애플리케이션</a:t>
-            </a:r>
-            <a:r>
-              <a:rPr lang="ko-KR" altLang="en-US" sz="1000" b="0" i="0" dirty="0">
-                <a:solidFill>
-                  <a:srgbClr val="333333"/>
-                </a:solidFill>
-                <a:effectLst/>
-                <a:latin typeface="Helvetica Neue"/>
-              </a:rPr>
-              <a:t>의 시각적 요소나 그 이면에서 실행되는 비즈니스 로직을 서로 영향 없이 쉽게 고칠 수 있는 애플리케이션을 만들 수 있다</a:t>
-            </a:r>
-            <a:r>
-              <a:rPr lang="en-US" altLang="ko-KR" sz="1000" b="0" i="0" dirty="0">
-                <a:solidFill>
-                  <a:srgbClr val="333333"/>
-                </a:solidFill>
-                <a:effectLst/>
-                <a:latin typeface="Helvetica Neue"/>
-              </a:rPr>
-              <a:t>. MVC</a:t>
-            </a:r>
-            <a:r>
-              <a:rPr lang="ko-KR" altLang="en-US" sz="1000" b="0" i="0" dirty="0">
-                <a:solidFill>
-                  <a:srgbClr val="333333"/>
-                </a:solidFill>
-                <a:effectLst/>
-                <a:latin typeface="Helvetica Neue"/>
-              </a:rPr>
-              <a:t>에서 모델은 애플리케이션의 정보</a:t>
-            </a:r>
-            <a:r>
-              <a:rPr lang="en-US" altLang="ko-KR" sz="1000" b="0" i="0" dirty="0">
-                <a:solidFill>
-                  <a:srgbClr val="333333"/>
-                </a:solidFill>
-                <a:effectLst/>
-                <a:latin typeface="Helvetica Neue"/>
-              </a:rPr>
-              <a:t>(</a:t>
-            </a:r>
-            <a:r>
-              <a:rPr lang="ko-KR" altLang="en-US" sz="1000" b="0" i="0" dirty="0">
-                <a:solidFill>
-                  <a:srgbClr val="333333"/>
-                </a:solidFill>
-                <a:effectLst/>
-                <a:latin typeface="Helvetica Neue"/>
-              </a:rPr>
-              <a:t>데이터</a:t>
-            </a:r>
-            <a:r>
-              <a:rPr lang="en-US" altLang="ko-KR" sz="1000" b="0" i="0" dirty="0">
-                <a:solidFill>
-                  <a:srgbClr val="333333"/>
-                </a:solidFill>
-                <a:effectLst/>
-                <a:latin typeface="Helvetica Neue"/>
-              </a:rPr>
-              <a:t>)</a:t>
-            </a:r>
-            <a:r>
-              <a:rPr lang="ko-KR" altLang="en-US" sz="1000" b="0" i="0" dirty="0">
-                <a:solidFill>
-                  <a:srgbClr val="333333"/>
-                </a:solidFill>
-                <a:effectLst/>
-                <a:latin typeface="Helvetica Neue"/>
-              </a:rPr>
-              <a:t>를 나타내며</a:t>
-            </a:r>
-            <a:r>
-              <a:rPr lang="en-US" altLang="ko-KR" sz="1000" b="0" i="0" dirty="0">
-                <a:solidFill>
-                  <a:srgbClr val="333333"/>
-                </a:solidFill>
-                <a:effectLst/>
-                <a:latin typeface="Helvetica Neue"/>
-              </a:rPr>
-              <a:t>, </a:t>
-            </a:r>
-            <a:r>
-              <a:rPr lang="ko-KR" altLang="en-US" sz="1000" b="0" i="0" dirty="0">
-                <a:solidFill>
-                  <a:srgbClr val="333333"/>
-                </a:solidFill>
-                <a:effectLst/>
-                <a:latin typeface="Helvetica Neue"/>
-              </a:rPr>
-              <a:t>뷰는 텍스트</a:t>
-            </a:r>
-            <a:r>
-              <a:rPr lang="en-US" altLang="ko-KR" sz="1000" b="0" i="0" dirty="0">
-                <a:solidFill>
-                  <a:srgbClr val="333333"/>
-                </a:solidFill>
-                <a:effectLst/>
-                <a:latin typeface="Helvetica Neue"/>
-              </a:rPr>
-              <a:t>, </a:t>
-            </a:r>
-            <a:r>
-              <a:rPr lang="ko-KR" altLang="en-US" sz="1000" b="0" i="0" dirty="0">
-                <a:solidFill>
-                  <a:srgbClr val="333333"/>
-                </a:solidFill>
-                <a:effectLst/>
-                <a:latin typeface="Helvetica Neue"/>
-              </a:rPr>
-              <a:t>체크박스 항목 등과 같은 사용자 인터페이스 요소를 나타내고</a:t>
-            </a:r>
-            <a:r>
-              <a:rPr lang="en-US" altLang="ko-KR" sz="1000" b="0" i="0" dirty="0">
-                <a:solidFill>
-                  <a:srgbClr val="333333"/>
-                </a:solidFill>
-                <a:effectLst/>
-                <a:latin typeface="Helvetica Neue"/>
-              </a:rPr>
-              <a:t>, </a:t>
-            </a:r>
-            <a:r>
-              <a:rPr lang="ko-KR" altLang="en-US" sz="1000" b="0" i="0" dirty="0">
-                <a:solidFill>
-                  <a:srgbClr val="333333"/>
-                </a:solidFill>
-                <a:effectLst/>
-                <a:latin typeface="Helvetica Neue"/>
-              </a:rPr>
-              <a:t>컨트롤러는 데이터와 비즈니스 로직 사이의 상호동작을 관리한다</a:t>
-            </a:r>
-            <a:r>
-              <a:rPr lang="en-US" altLang="ko-KR" sz="1000" b="0" i="0" dirty="0">
-                <a:solidFill>
-                  <a:srgbClr val="333333"/>
-                </a:solidFill>
-                <a:effectLst/>
-                <a:latin typeface="Helvetica Neue"/>
-              </a:rPr>
-              <a:t>.</a:t>
-            </a:r>
-          </a:p>
-          <a:p>
-            <a:pPr>
-              <a:lnSpc>
-                <a:spcPct val="150000"/>
-              </a:lnSpc>
-            </a:pPr>
-            <a:endParaRPr lang="en-US" altLang="ko-KR" sz="1000" dirty="0">
-              <a:solidFill>
-                <a:srgbClr val="333333"/>
-              </a:solidFill>
-              <a:latin typeface="Helvetica Neue"/>
-            </a:endParaRPr>
-          </a:p>
-          <a:p>
-            <a:pPr algn="l"/>
-            <a:r>
-              <a:rPr lang="ko-KR" altLang="en-US" sz="1000" b="0" i="0" dirty="0">
-                <a:solidFill>
-                  <a:srgbClr val="333333"/>
-                </a:solidFill>
-                <a:effectLst/>
-                <a:latin typeface="Helvetica Neue"/>
-              </a:rPr>
-              <a:t> 순수 </a:t>
-            </a:r>
-            <a:r>
-              <a:rPr lang="en-US" altLang="ko-KR" sz="1000" b="0" i="0" dirty="0" err="1">
-                <a:solidFill>
-                  <a:srgbClr val="333333"/>
-                </a:solidFill>
-                <a:effectLst/>
-                <a:latin typeface="Helvetica Neue"/>
-              </a:rPr>
-              <a:t>jsp</a:t>
-            </a:r>
-            <a:r>
-              <a:rPr lang="en-US" altLang="ko-KR" sz="1000" b="0" i="0" dirty="0">
-                <a:solidFill>
-                  <a:srgbClr val="333333"/>
-                </a:solidFill>
-                <a:effectLst/>
-                <a:latin typeface="Helvetica Neue"/>
-              </a:rPr>
-              <a:t> </a:t>
-            </a:r>
-            <a:r>
-              <a:rPr lang="ko-KR" altLang="en-US" sz="1000" b="0" i="0" dirty="0">
-                <a:solidFill>
-                  <a:srgbClr val="333333"/>
-                </a:solidFill>
-                <a:effectLst/>
-                <a:latin typeface="Helvetica Neue"/>
-              </a:rPr>
-              <a:t>로 게시판 목록을 보여주는 페이지를 만들어 보세요</a:t>
-            </a:r>
-            <a:r>
-              <a:rPr lang="en-US" altLang="ko-KR" sz="1000" b="0" i="0" dirty="0">
-                <a:solidFill>
-                  <a:srgbClr val="333333"/>
-                </a:solidFill>
-                <a:effectLst/>
-                <a:latin typeface="Helvetica Neue"/>
-              </a:rPr>
-              <a:t>.</a:t>
-            </a:r>
-          </a:p>
-          <a:p>
-            <a:pPr algn="l"/>
-            <a:r>
-              <a:rPr lang="ko-KR" altLang="en-US" sz="1000" b="0" i="0" dirty="0">
-                <a:solidFill>
-                  <a:srgbClr val="333333"/>
-                </a:solidFill>
-                <a:effectLst/>
-                <a:latin typeface="Helvetica Neue"/>
-              </a:rPr>
-              <a:t>그리고 디자인을 수정해 보세요</a:t>
-            </a:r>
-            <a:r>
-              <a:rPr lang="en-US" altLang="ko-KR" sz="1000" b="0" i="0" dirty="0">
-                <a:solidFill>
-                  <a:srgbClr val="333333"/>
-                </a:solidFill>
-                <a:effectLst/>
-                <a:latin typeface="Helvetica Neue"/>
-              </a:rPr>
-              <a:t>.</a:t>
-            </a:r>
-          </a:p>
-          <a:p>
-            <a:pPr algn="l"/>
-            <a:r>
-              <a:rPr lang="ko-KR" altLang="en-US" sz="1000" b="0" i="0" dirty="0">
-                <a:solidFill>
-                  <a:srgbClr val="333333"/>
-                </a:solidFill>
-                <a:effectLst/>
-                <a:latin typeface="Helvetica Neue"/>
-              </a:rPr>
-              <a:t>스프링에서 마찬가지로 게시판 목록 페이지를 만들어 </a:t>
-            </a:r>
-            <a:r>
-              <a:rPr lang="ko-KR" altLang="en-US" sz="1000" b="0" i="0" dirty="0" err="1">
-                <a:solidFill>
-                  <a:srgbClr val="333333"/>
-                </a:solidFill>
-                <a:effectLst/>
-                <a:latin typeface="Helvetica Neue"/>
-              </a:rPr>
-              <a:t>본후</a:t>
-            </a:r>
-            <a:r>
-              <a:rPr lang="ko-KR" altLang="en-US" sz="1000" b="0" i="0" dirty="0">
-                <a:solidFill>
-                  <a:srgbClr val="333333"/>
-                </a:solidFill>
-                <a:effectLst/>
-                <a:latin typeface="Helvetica Neue"/>
-              </a:rPr>
-              <a:t> 디자인을 수정해 보세요</a:t>
-            </a:r>
-            <a:r>
-              <a:rPr lang="en-US" altLang="ko-KR" sz="1000" b="0" i="0" dirty="0">
-                <a:solidFill>
-                  <a:srgbClr val="333333"/>
-                </a:solidFill>
-                <a:effectLst/>
-                <a:latin typeface="Helvetica Neue"/>
-              </a:rPr>
-              <a:t>.</a:t>
-            </a:r>
-          </a:p>
-          <a:p>
-            <a:pPr algn="l"/>
-            <a:br>
-              <a:rPr lang="en-US" altLang="ko-KR" sz="1000" b="0" i="0" dirty="0">
-                <a:solidFill>
-                  <a:srgbClr val="333333"/>
-                </a:solidFill>
-                <a:effectLst/>
-                <a:latin typeface="Helvetica Neue"/>
-              </a:rPr>
-            </a:br>
-            <a:endParaRPr lang="en-US" altLang="ko-KR" sz="1000" b="0" i="0" dirty="0">
-              <a:solidFill>
-                <a:srgbClr val="333333"/>
-              </a:solidFill>
-              <a:effectLst/>
-              <a:latin typeface="Helvetica Neue"/>
-            </a:endParaRPr>
-          </a:p>
-          <a:p>
-            <a:pPr algn="l"/>
-            <a:r>
-              <a:rPr lang="ko-KR" altLang="en-US" sz="1000" b="0" i="0" dirty="0">
-                <a:solidFill>
-                  <a:srgbClr val="333333"/>
-                </a:solidFill>
-                <a:effectLst/>
-                <a:latin typeface="Helvetica Neue"/>
-              </a:rPr>
-              <a:t>웹 디자인은 패션과 비슷해서 같은 옷만 입는 사람을 촌스럽게 생각하는 경향이 아주 높습니다</a:t>
-            </a:r>
-            <a:r>
-              <a:rPr lang="en-US" altLang="ko-KR" sz="1000" b="0" i="0" dirty="0">
-                <a:solidFill>
-                  <a:srgbClr val="333333"/>
-                </a:solidFill>
-                <a:effectLst/>
-                <a:latin typeface="Helvetica Neue"/>
-              </a:rPr>
-              <a:t>.</a:t>
-            </a:r>
-          </a:p>
-          <a:p>
-            <a:pPr algn="l"/>
-            <a:r>
-              <a:rPr lang="ko-KR" altLang="en-US" sz="1000" b="0" i="0" dirty="0">
-                <a:solidFill>
-                  <a:srgbClr val="333333"/>
-                </a:solidFill>
-                <a:effectLst/>
-                <a:latin typeface="Helvetica Neue"/>
-              </a:rPr>
-              <a:t>그래서 자주 바꾸어 주어야 합니다</a:t>
-            </a:r>
-            <a:r>
-              <a:rPr lang="en-US" altLang="ko-KR" sz="1000" b="0" i="0" dirty="0">
-                <a:solidFill>
-                  <a:srgbClr val="333333"/>
-                </a:solidFill>
-                <a:effectLst/>
-                <a:latin typeface="Helvetica Neue"/>
-              </a:rPr>
-              <a:t>.</a:t>
-            </a:r>
-          </a:p>
-          <a:p>
-            <a:pPr algn="l"/>
-            <a:br>
-              <a:rPr lang="en-US" altLang="ko-KR" sz="1000" b="0" i="0" dirty="0">
-                <a:solidFill>
-                  <a:srgbClr val="333333"/>
-                </a:solidFill>
-                <a:effectLst/>
-                <a:latin typeface="Helvetica Neue"/>
-              </a:rPr>
-            </a:br>
-            <a:endParaRPr lang="en-US" altLang="ko-KR" sz="1000" b="0" i="0" dirty="0">
-              <a:solidFill>
-                <a:srgbClr val="333333"/>
-              </a:solidFill>
-              <a:effectLst/>
-              <a:latin typeface="Helvetica Neue"/>
-            </a:endParaRPr>
-          </a:p>
-          <a:p>
-            <a:pPr algn="l"/>
-            <a:r>
-              <a:rPr lang="ko-KR" altLang="en-US" sz="1000" b="0" i="0" dirty="0">
-                <a:solidFill>
-                  <a:srgbClr val="333333"/>
-                </a:solidFill>
-                <a:effectLst/>
-                <a:latin typeface="Helvetica Neue"/>
-              </a:rPr>
-              <a:t>디자인이 수시로 바꾸는 </a:t>
-            </a:r>
-            <a:r>
-              <a:rPr lang="ko-KR" altLang="en-US" sz="1000" b="0" i="0" dirty="0" err="1">
-                <a:solidFill>
-                  <a:srgbClr val="333333"/>
-                </a:solidFill>
-                <a:effectLst/>
-                <a:latin typeface="Helvetica Neue"/>
-              </a:rPr>
-              <a:t>경우그것에</a:t>
-            </a:r>
-            <a:r>
-              <a:rPr lang="ko-KR" altLang="en-US" sz="1000" b="0" i="0" dirty="0">
-                <a:solidFill>
-                  <a:srgbClr val="333333"/>
-                </a:solidFill>
-                <a:effectLst/>
-                <a:latin typeface="Helvetica Neue"/>
-              </a:rPr>
-              <a:t> 영향을 받지 </a:t>
-            </a:r>
-            <a:r>
-              <a:rPr lang="ko-KR" altLang="en-US" sz="1000" b="0" i="0" dirty="0" err="1">
-                <a:solidFill>
-                  <a:srgbClr val="333333"/>
-                </a:solidFill>
-                <a:effectLst/>
-                <a:latin typeface="Helvetica Neue"/>
-              </a:rPr>
-              <a:t>않는것들을</a:t>
-            </a:r>
-            <a:r>
-              <a:rPr lang="ko-KR" altLang="en-US" sz="1000" b="0" i="0" dirty="0">
-                <a:solidFill>
-                  <a:srgbClr val="333333"/>
-                </a:solidFill>
-                <a:effectLst/>
-                <a:latin typeface="Helvetica Neue"/>
-              </a:rPr>
-              <a:t> 분리하여 수정을 </a:t>
-            </a:r>
-            <a:r>
-              <a:rPr lang="ko-KR" altLang="en-US" sz="1000" b="0" i="0" dirty="0" err="1">
-                <a:solidFill>
-                  <a:srgbClr val="333333"/>
-                </a:solidFill>
-                <a:effectLst/>
-                <a:latin typeface="Helvetica Neue"/>
-              </a:rPr>
-              <a:t>안하는</a:t>
-            </a:r>
-            <a:r>
-              <a:rPr lang="ko-KR" altLang="en-US" sz="1000" b="0" i="0" dirty="0">
-                <a:solidFill>
-                  <a:srgbClr val="333333"/>
-                </a:solidFill>
-                <a:effectLst/>
-                <a:latin typeface="Helvetica Neue"/>
-              </a:rPr>
-              <a:t> 방법이 무엇일까</a:t>
-            </a:r>
-            <a:r>
-              <a:rPr lang="en-US" altLang="ko-KR" sz="1000" b="0" i="0" dirty="0">
-                <a:solidFill>
-                  <a:srgbClr val="333333"/>
-                </a:solidFill>
-                <a:effectLst/>
-                <a:latin typeface="Helvetica Neue"/>
-              </a:rPr>
-              <a:t>?</a:t>
-            </a:r>
-          </a:p>
-          <a:p>
-            <a:pPr algn="l"/>
-            <a:r>
-              <a:rPr lang="ko-KR" altLang="en-US" sz="1000" b="0" i="0" dirty="0">
-                <a:solidFill>
-                  <a:srgbClr val="333333"/>
-                </a:solidFill>
-                <a:effectLst/>
-                <a:latin typeface="Helvetica Neue"/>
-              </a:rPr>
-              <a:t>순수 </a:t>
-            </a:r>
-            <a:r>
-              <a:rPr lang="en-US" altLang="ko-KR" sz="1000" b="0" i="0" dirty="0" err="1">
-                <a:solidFill>
-                  <a:srgbClr val="333333"/>
-                </a:solidFill>
-                <a:effectLst/>
-                <a:latin typeface="Helvetica Neue"/>
-              </a:rPr>
-              <a:t>jsp</a:t>
-            </a:r>
-            <a:r>
-              <a:rPr lang="en-US" altLang="ko-KR" sz="1000" b="0" i="0" dirty="0">
-                <a:solidFill>
-                  <a:srgbClr val="333333"/>
-                </a:solidFill>
-                <a:effectLst/>
-                <a:latin typeface="Helvetica Neue"/>
-              </a:rPr>
-              <a:t> </a:t>
-            </a:r>
-            <a:r>
-              <a:rPr lang="ko-KR" altLang="en-US" sz="1000" b="0" i="0" dirty="0">
-                <a:solidFill>
-                  <a:srgbClr val="333333"/>
-                </a:solidFill>
-                <a:effectLst/>
-                <a:latin typeface="Helvetica Neue"/>
-              </a:rPr>
-              <a:t>에서 고민해 보시고 그 길을 찾아보세요</a:t>
-            </a:r>
-            <a:endParaRPr lang="en-US" altLang="ko-KR" sz="1000" b="0" i="0" dirty="0">
-              <a:solidFill>
-                <a:srgbClr val="333333"/>
-              </a:solidFill>
-              <a:effectLst/>
-              <a:latin typeface="Helvetica Neue"/>
-            </a:endParaRPr>
-          </a:p>
-          <a:p>
-            <a:pPr algn="l"/>
-            <a:endParaRPr lang="en-US" altLang="ko-KR" sz="1000" dirty="0">
-              <a:solidFill>
-                <a:srgbClr val="333333"/>
-              </a:solidFill>
-              <a:latin typeface="Helvetica Neue"/>
-            </a:endParaRPr>
-          </a:p>
-          <a:p>
-            <a:pPr algn="l"/>
-            <a:endParaRPr lang="ko-KR" altLang="en-US" sz="1000" b="0" i="0" dirty="0">
-              <a:solidFill>
-                <a:srgbClr val="333333"/>
-              </a:solidFill>
-              <a:effectLst/>
-              <a:latin typeface="Helvetica Neue"/>
-            </a:endParaRPr>
-          </a:p>
-          <a:p>
-            <a:pPr>
-              <a:lnSpc>
-                <a:spcPct val="150000"/>
-              </a:lnSpc>
-            </a:pPr>
-            <a:endParaRPr lang="ko-KR" altLang="en-US" sz="1000" dirty="0">
-              <a:latin typeface="+mn-ea"/>
-            </a:endParaRPr>
-          </a:p>
-        </p:txBody>
-      </p:sp>
-    </p:spTree>
-    <p:extLst>
-      <p:ext uri="{BB962C8B-B14F-4D97-AF65-F5344CB8AC3E}">
-        <p14:creationId xmlns:p14="http://schemas.microsoft.com/office/powerpoint/2010/main" val="90205356"/>
-      </p:ext>
-    </p:extLst>
-  </p:cSld>
-  <p:clrMapOvr>
-    <a:masterClrMapping/>
-  </p:clrMapOvr>
-</p:sld>
-</file>
-
-<file path=ppt/slides/slide21.xml><?xml version="1.0" encoding="utf-8"?>
-<p:sld xmlns:a="http://schemas.openxmlformats.org/drawingml/2006/main" xmlns:r="http://schemas.openxmlformats.org/officeDocument/2006/relationships" xmlns:p="http://schemas.openxmlformats.org/presentationml/2006/main">
-  <p:cSld>
-    <p:spTree>
-      <p:nvGrpSpPr>
-        <p:cNvPr id="1" name=""/>
-        <p:cNvGrpSpPr/>
-        <p:nvPr/>
-      </p:nvGrpSpPr>
-      <p:grpSpPr>
-        <a:xfrm>
-          <a:off x="0" y="0"/>
-          <a:ext cx="0" cy="0"/>
-          <a:chOff x="0" y="0"/>
-          <a:chExt cx="0" cy="0"/>
-        </a:xfrm>
-      </p:grpSpPr>
-      <p:sp>
-        <p:nvSpPr>
-          <p:cNvPr id="2" name="TextBox 1">
-            <a:extLst>
-              <a:ext uri="{FF2B5EF4-FFF2-40B4-BE49-F238E27FC236}">
-                <a16:creationId xmlns:a16="http://schemas.microsoft.com/office/drawing/2014/main" id="{A40733A5-52A9-4AEB-B832-87F6CDF92934}"/>
-              </a:ext>
-            </a:extLst>
-          </p:cNvPr>
-          <p:cNvSpPr txBox="1"/>
-          <p:nvPr/>
-        </p:nvSpPr>
-        <p:spPr>
-          <a:xfrm>
-            <a:off x="682456" y="89206"/>
-            <a:ext cx="10009358" cy="461665"/>
-          </a:xfrm>
-          <a:prstGeom prst="rect">
-            <a:avLst/>
-          </a:prstGeom>
-          <a:noFill/>
-        </p:spPr>
-        <p:txBody>
-          <a:bodyPr wrap="square" rtlCol="0">
-            <a:spAutoFit/>
-          </a:bodyPr>
-          <a:lstStyle/>
-          <a:p>
-            <a:r>
-              <a:rPr lang="en-US" altLang="ko-KR" sz="2400" dirty="0"/>
-              <a:t>4.</a:t>
-            </a:r>
-            <a:endParaRPr lang="ko-KR" altLang="en-US" sz="2400" dirty="0"/>
-          </a:p>
-        </p:txBody>
-      </p:sp>
-      <p:sp>
-        <p:nvSpPr>
-          <p:cNvPr id="3" name="슬라이드 번호 개체 틀 2">
-            <a:extLst>
-              <a:ext uri="{FF2B5EF4-FFF2-40B4-BE49-F238E27FC236}">
-                <a16:creationId xmlns:a16="http://schemas.microsoft.com/office/drawing/2014/main" id="{337B3EA5-FB71-4F98-9194-9ED93C0B34AF}"/>
-              </a:ext>
-            </a:extLst>
-          </p:cNvPr>
-          <p:cNvSpPr>
-            <a:spLocks noGrp="1"/>
-          </p:cNvSpPr>
-          <p:nvPr>
-            <p:ph type="sldNum" sz="quarter" idx="12"/>
-          </p:nvPr>
-        </p:nvSpPr>
-        <p:spPr/>
-        <p:txBody>
-          <a:bodyPr/>
-          <a:lstStyle/>
-          <a:p>
-            <a:fld id="{CDC676C3-E9FC-452C-A32C-9FDBC70E7618}" type="slidenum">
-              <a:rPr lang="ko-KR" altLang="en-US" smtClean="0"/>
-              <a:pPr/>
-              <a:t>21</a:t>
-            </a:fld>
-            <a:endParaRPr lang="ko-KR" altLang="en-US" dirty="0"/>
-          </a:p>
-        </p:txBody>
-      </p:sp>
-      <p:sp>
-        <p:nvSpPr>
-          <p:cNvPr id="4" name="TextBox 3">
-            <a:extLst>
-              <a:ext uri="{FF2B5EF4-FFF2-40B4-BE49-F238E27FC236}">
-                <a16:creationId xmlns:a16="http://schemas.microsoft.com/office/drawing/2014/main" id="{BAE8417D-CCAA-45F0-A4B2-849F67918E17}"/>
-              </a:ext>
-            </a:extLst>
-          </p:cNvPr>
-          <p:cNvSpPr txBox="1"/>
-          <p:nvPr/>
-        </p:nvSpPr>
-        <p:spPr>
-          <a:xfrm>
-            <a:off x="254248" y="918860"/>
-            <a:ext cx="10192214" cy="373885"/>
-          </a:xfrm>
-          <a:prstGeom prst="rect">
-            <a:avLst/>
-          </a:prstGeom>
-          <a:noFill/>
-        </p:spPr>
-        <p:txBody>
-          <a:bodyPr wrap="square" rtlCol="0">
-            <a:spAutoFit/>
-          </a:bodyPr>
-          <a:lstStyle/>
-          <a:p>
-            <a:pPr>
-              <a:lnSpc>
-                <a:spcPct val="150000"/>
-              </a:lnSpc>
-            </a:pPr>
-            <a:r>
-              <a:rPr lang="ko-KR" altLang="en-US" sz="1400" dirty="0">
-                <a:latin typeface="+mn-ea"/>
-              </a:rPr>
-              <a:t>모델 뷰 컨트롤러</a:t>
-            </a:r>
-            <a:endParaRPr lang="ko-KR" altLang="en-US" sz="1200" dirty="0">
-              <a:latin typeface="+mn-ea"/>
-            </a:endParaRPr>
-          </a:p>
-        </p:txBody>
-      </p:sp>
-      <p:sp>
-        <p:nvSpPr>
-          <p:cNvPr id="15" name="TextBox 14">
-            <a:extLst>
-              <a:ext uri="{FF2B5EF4-FFF2-40B4-BE49-F238E27FC236}">
-                <a16:creationId xmlns:a16="http://schemas.microsoft.com/office/drawing/2014/main" id="{6055F552-B694-41E8-8D64-28D09C467ADF}"/>
-              </a:ext>
-            </a:extLst>
-          </p:cNvPr>
-          <p:cNvSpPr txBox="1"/>
-          <p:nvPr/>
-        </p:nvSpPr>
-        <p:spPr>
-          <a:xfrm>
-            <a:off x="254248" y="1949210"/>
-            <a:ext cx="10192214" cy="2246769"/>
-          </a:xfrm>
-          <a:prstGeom prst="rect">
-            <a:avLst/>
-          </a:prstGeom>
-          <a:noFill/>
-        </p:spPr>
-        <p:txBody>
-          <a:bodyPr wrap="square" rtlCol="0">
-            <a:spAutoFit/>
-          </a:bodyPr>
-          <a:lstStyle/>
-          <a:p>
-            <a:pPr algn="l"/>
-            <a:r>
-              <a:rPr lang="ko-KR" altLang="en-US" sz="1000" b="0" i="0" dirty="0">
-                <a:solidFill>
-                  <a:srgbClr val="333333"/>
-                </a:solidFill>
-                <a:effectLst/>
-                <a:latin typeface="Helvetica Neue"/>
-              </a:rPr>
-              <a:t>생겨난 원인에 대해 대략적인 예상을 해보면</a:t>
-            </a:r>
-          </a:p>
-          <a:p>
-            <a:pPr algn="l"/>
-            <a:r>
-              <a:rPr lang="en-US" altLang="ko-KR" sz="1000" b="0" i="0" dirty="0">
-                <a:solidFill>
-                  <a:srgbClr val="333333"/>
-                </a:solidFill>
-                <a:effectLst/>
-                <a:latin typeface="Helvetica Neue"/>
-              </a:rPr>
-              <a:t>1. </a:t>
-            </a:r>
-            <a:r>
-              <a:rPr lang="ko-KR" altLang="en-US" sz="1000" b="0" i="0" dirty="0">
-                <a:solidFill>
-                  <a:srgbClr val="333333"/>
-                </a:solidFill>
-                <a:effectLst/>
-                <a:latin typeface="Helvetica Neue"/>
-              </a:rPr>
-              <a:t>초창기에는 사람들이 </a:t>
-            </a:r>
-            <a:r>
-              <a:rPr lang="en-US" altLang="ko-KR" sz="1000" b="0" i="0" dirty="0">
-                <a:solidFill>
-                  <a:srgbClr val="333333"/>
-                </a:solidFill>
-                <a:effectLst/>
-                <a:latin typeface="Helvetica Neue"/>
-              </a:rPr>
-              <a:t>Model, View, Controller </a:t>
-            </a:r>
-            <a:r>
-              <a:rPr lang="ko-KR" altLang="en-US" sz="1000" b="0" i="0" dirty="0">
-                <a:solidFill>
-                  <a:srgbClr val="333333"/>
-                </a:solidFill>
-                <a:effectLst/>
-                <a:latin typeface="Helvetica Neue"/>
-              </a:rPr>
-              <a:t>구분없이 한 소스 덩어리에</a:t>
-            </a:r>
-            <a:r>
-              <a:rPr lang="en-US" altLang="ko-KR" sz="1000" b="0" i="0" dirty="0">
-                <a:solidFill>
-                  <a:srgbClr val="333333"/>
-                </a:solidFill>
-                <a:effectLst/>
-                <a:latin typeface="Helvetica Neue"/>
-              </a:rPr>
-              <a:t>(ex: </a:t>
-            </a:r>
-            <a:r>
-              <a:rPr lang="ko-KR" altLang="en-US" sz="1000" b="0" i="0" dirty="0">
-                <a:solidFill>
-                  <a:srgbClr val="333333"/>
-                </a:solidFill>
-                <a:effectLst/>
-                <a:latin typeface="Helvetica Neue"/>
-              </a:rPr>
-              <a:t>함수</a:t>
-            </a:r>
-            <a:r>
-              <a:rPr lang="en-US" altLang="ko-KR" sz="1000" b="0" i="0" dirty="0">
-                <a:solidFill>
-                  <a:srgbClr val="333333"/>
-                </a:solidFill>
-                <a:effectLst/>
-                <a:latin typeface="Helvetica Neue"/>
-              </a:rPr>
-              <a:t>) 3</a:t>
-            </a:r>
-            <a:r>
-              <a:rPr lang="ko-KR" altLang="en-US" sz="1000" b="0" i="0" dirty="0">
-                <a:solidFill>
-                  <a:srgbClr val="333333"/>
-                </a:solidFill>
-                <a:effectLst/>
-                <a:latin typeface="Helvetica Neue"/>
-              </a:rPr>
-              <a:t>가지 요소를</a:t>
-            </a:r>
-          </a:p>
-          <a:p>
-            <a:pPr algn="l"/>
-            <a:r>
-              <a:rPr lang="ko-KR" altLang="en-US" sz="1000" b="0" i="0" dirty="0">
-                <a:solidFill>
-                  <a:srgbClr val="333333"/>
-                </a:solidFill>
-                <a:effectLst/>
-                <a:latin typeface="Helvetica Neue"/>
-              </a:rPr>
-              <a:t>    섞어서 구현합니다</a:t>
-            </a:r>
-            <a:r>
-              <a:rPr lang="en-US" altLang="ko-KR" sz="1000" b="0" i="0" dirty="0">
-                <a:solidFill>
-                  <a:srgbClr val="333333"/>
-                </a:solidFill>
-                <a:effectLst/>
-                <a:latin typeface="Helvetica Neue"/>
-              </a:rPr>
-              <a:t>. </a:t>
-            </a:r>
-            <a:r>
-              <a:rPr lang="ko-KR" altLang="en-US" sz="1000" b="0" i="0" dirty="0">
-                <a:solidFill>
-                  <a:srgbClr val="333333"/>
-                </a:solidFill>
-                <a:effectLst/>
-                <a:latin typeface="Helvetica Neue"/>
-              </a:rPr>
-              <a:t>처음에는 편합니다</a:t>
-            </a:r>
-            <a:r>
-              <a:rPr lang="en-US" altLang="ko-KR" sz="1000" b="0" i="0" dirty="0">
-                <a:solidFill>
-                  <a:srgbClr val="333333"/>
-                </a:solidFill>
-                <a:effectLst/>
-                <a:latin typeface="Helvetica Neue"/>
-              </a:rPr>
-              <a:t>. </a:t>
-            </a:r>
-            <a:r>
-              <a:rPr lang="ko-KR" altLang="en-US" sz="1000" b="0" i="0" dirty="0">
-                <a:solidFill>
-                  <a:srgbClr val="333333"/>
-                </a:solidFill>
-                <a:effectLst/>
-                <a:latin typeface="Helvetica Neue"/>
-              </a:rPr>
-              <a:t>그냥 위에서 아래로 쭉 구현하면 </a:t>
-            </a:r>
-            <a:r>
-              <a:rPr lang="ko-KR" altLang="en-US" sz="1000" b="0" i="0" dirty="0" err="1">
-                <a:solidFill>
-                  <a:srgbClr val="333333"/>
-                </a:solidFill>
-                <a:effectLst/>
-                <a:latin typeface="Helvetica Neue"/>
-              </a:rPr>
-              <a:t>되니깐요</a:t>
-            </a:r>
-            <a:r>
-              <a:rPr lang="en-US" altLang="ko-KR" sz="1000" b="0" i="0" dirty="0">
-                <a:solidFill>
-                  <a:srgbClr val="333333"/>
-                </a:solidFill>
-                <a:effectLst/>
-                <a:latin typeface="Helvetica Neue"/>
-              </a:rPr>
-              <a:t>.</a:t>
-            </a:r>
-          </a:p>
-          <a:p>
-            <a:pPr algn="l"/>
-            <a:r>
-              <a:rPr lang="en-US" altLang="ko-KR" sz="1000" b="0" i="0" dirty="0">
-                <a:solidFill>
-                  <a:srgbClr val="333333"/>
-                </a:solidFill>
-                <a:effectLst/>
-                <a:latin typeface="Helvetica Neue"/>
-              </a:rPr>
-              <a:t>2. </a:t>
-            </a:r>
-            <a:r>
-              <a:rPr lang="ko-KR" altLang="en-US" sz="1000" b="0" i="0" dirty="0">
-                <a:solidFill>
-                  <a:srgbClr val="333333"/>
-                </a:solidFill>
-                <a:effectLst/>
-                <a:latin typeface="Helvetica Neue"/>
-              </a:rPr>
-              <a:t>요구사항이 바뀝니다</a:t>
-            </a:r>
-            <a:r>
-              <a:rPr lang="en-US" altLang="ko-KR" sz="1000" b="0" i="0" dirty="0">
-                <a:solidFill>
-                  <a:srgbClr val="333333"/>
-                </a:solidFill>
-                <a:effectLst/>
-                <a:latin typeface="Helvetica Neue"/>
-              </a:rPr>
-              <a:t>. View</a:t>
-            </a:r>
-            <a:r>
-              <a:rPr lang="ko-KR" altLang="en-US" sz="1000" b="0" i="0" dirty="0">
-                <a:solidFill>
-                  <a:srgbClr val="333333"/>
-                </a:solidFill>
-                <a:effectLst/>
-                <a:latin typeface="Helvetica Neue"/>
-              </a:rPr>
-              <a:t>의 수정이 필요한데 비즈니스 로직과 컨트롤 코드가 섞여 있어서 코드를</a:t>
-            </a:r>
-          </a:p>
-          <a:p>
-            <a:pPr algn="l"/>
-            <a:r>
-              <a:rPr lang="ko-KR" altLang="en-US" sz="1000" b="0" i="0" dirty="0">
-                <a:solidFill>
-                  <a:srgbClr val="333333"/>
-                </a:solidFill>
-                <a:effectLst/>
-                <a:latin typeface="Helvetica Neue"/>
-              </a:rPr>
-              <a:t>    읽기도 </a:t>
-            </a:r>
-            <a:r>
-              <a:rPr lang="ko-KR" altLang="en-US" sz="1000" b="0" i="0" dirty="0" err="1">
-                <a:solidFill>
-                  <a:srgbClr val="333333"/>
-                </a:solidFill>
-                <a:effectLst/>
-                <a:latin typeface="Helvetica Neue"/>
-              </a:rPr>
-              <a:t>힘들뿐더러</a:t>
-            </a:r>
-            <a:r>
-              <a:rPr lang="ko-KR" altLang="en-US" sz="1000" b="0" i="0" dirty="0">
-                <a:solidFill>
-                  <a:srgbClr val="333333"/>
-                </a:solidFill>
-                <a:effectLst/>
-                <a:latin typeface="Helvetica Neue"/>
-              </a:rPr>
-              <a:t> </a:t>
-            </a:r>
-            <a:r>
-              <a:rPr lang="en-US" altLang="ko-KR" sz="1000" b="0" i="0" dirty="0">
-                <a:solidFill>
-                  <a:srgbClr val="333333"/>
-                </a:solidFill>
-                <a:effectLst/>
-                <a:latin typeface="Helvetica Neue"/>
-              </a:rPr>
-              <a:t>View </a:t>
-            </a:r>
-            <a:r>
-              <a:rPr lang="ko-KR" altLang="en-US" sz="1000" b="0" i="0" dirty="0">
-                <a:solidFill>
-                  <a:srgbClr val="333333"/>
-                </a:solidFill>
-                <a:effectLst/>
-                <a:latin typeface="Helvetica Neue"/>
-              </a:rPr>
-              <a:t>코드를 수정하다가 비즈니스 로직과 컨트롤 코드에 영향을 끼쳐서 다른</a:t>
-            </a:r>
-          </a:p>
-          <a:p>
-            <a:pPr algn="l"/>
-            <a:r>
-              <a:rPr lang="ko-KR" altLang="en-US" sz="1000" b="0" i="0" dirty="0">
-                <a:solidFill>
-                  <a:srgbClr val="333333"/>
-                </a:solidFill>
-                <a:effectLst/>
-                <a:latin typeface="Helvetica Neue"/>
-              </a:rPr>
-              <a:t>    버그가 생깁니다</a:t>
-            </a:r>
-            <a:r>
-              <a:rPr lang="en-US" altLang="ko-KR" sz="1000" b="0" i="0" dirty="0">
-                <a:solidFill>
-                  <a:srgbClr val="333333"/>
-                </a:solidFill>
-                <a:effectLst/>
-                <a:latin typeface="Helvetica Neue"/>
-              </a:rPr>
-              <a:t>.</a:t>
-            </a:r>
-          </a:p>
-          <a:p>
-            <a:pPr algn="l"/>
-            <a:r>
-              <a:rPr lang="en-US" altLang="ko-KR" sz="1000" b="0" i="0" dirty="0">
-                <a:solidFill>
-                  <a:srgbClr val="333333"/>
-                </a:solidFill>
-                <a:effectLst/>
-                <a:latin typeface="Helvetica Neue"/>
-              </a:rPr>
-              <a:t>3. </a:t>
-            </a:r>
-            <a:r>
-              <a:rPr lang="ko-KR" altLang="en-US" sz="1000" b="0" i="0" dirty="0">
-                <a:solidFill>
-                  <a:srgbClr val="333333"/>
-                </a:solidFill>
-                <a:effectLst/>
-                <a:latin typeface="Helvetica Neue"/>
-              </a:rPr>
-              <a:t>기능이 추가됩니다</a:t>
-            </a:r>
-            <a:r>
-              <a:rPr lang="en-US" altLang="ko-KR" sz="1000" b="0" i="0" dirty="0">
-                <a:solidFill>
-                  <a:srgbClr val="333333"/>
-                </a:solidFill>
-                <a:effectLst/>
-                <a:latin typeface="Helvetica Neue"/>
-              </a:rPr>
-              <a:t>. </a:t>
-            </a:r>
-            <a:r>
-              <a:rPr lang="ko-KR" altLang="en-US" sz="1000" b="0" i="0" dirty="0">
-                <a:solidFill>
-                  <a:srgbClr val="333333"/>
-                </a:solidFill>
-                <a:effectLst/>
-                <a:latin typeface="Helvetica Neue"/>
-              </a:rPr>
-              <a:t>기능이 점점 추가될수록 더욱 거대한 </a:t>
-            </a:r>
-            <a:r>
-              <a:rPr lang="en-US" altLang="ko-KR" sz="1000" b="0" i="0" dirty="0" err="1">
-                <a:solidFill>
-                  <a:srgbClr val="333333"/>
-                </a:solidFill>
-                <a:effectLst/>
-                <a:latin typeface="Helvetica Neue"/>
-              </a:rPr>
-              <a:t>View+Model+Controller</a:t>
-            </a:r>
-            <a:r>
-              <a:rPr lang="en-US" altLang="ko-KR" sz="1000" b="0" i="0" dirty="0">
-                <a:solidFill>
-                  <a:srgbClr val="333333"/>
-                </a:solidFill>
-                <a:effectLst/>
-                <a:latin typeface="Helvetica Neue"/>
-              </a:rPr>
-              <a:t> </a:t>
-            </a:r>
-            <a:r>
-              <a:rPr lang="ko-KR" altLang="en-US" sz="1000" b="0" i="0" dirty="0">
-                <a:solidFill>
-                  <a:srgbClr val="333333"/>
-                </a:solidFill>
-                <a:effectLst/>
-                <a:latin typeface="Helvetica Neue"/>
-              </a:rPr>
-              <a:t>코드 덩어리가</a:t>
-            </a:r>
-          </a:p>
-          <a:p>
-            <a:pPr algn="l"/>
-            <a:r>
-              <a:rPr lang="ko-KR" altLang="en-US" sz="1000" b="0" i="0" dirty="0">
-                <a:solidFill>
-                  <a:srgbClr val="333333"/>
-                </a:solidFill>
-                <a:effectLst/>
-                <a:latin typeface="Helvetica Neue"/>
-              </a:rPr>
-              <a:t>    되어</a:t>
-            </a:r>
-            <a:r>
-              <a:rPr lang="en-US" altLang="ko-KR" sz="1000" b="0" i="0" dirty="0">
-                <a:solidFill>
-                  <a:srgbClr val="333333"/>
-                </a:solidFill>
-                <a:effectLst/>
-                <a:latin typeface="Helvetica Neue"/>
-              </a:rPr>
-              <a:t>, </a:t>
-            </a:r>
-            <a:r>
-              <a:rPr lang="ko-KR" altLang="en-US" sz="1000" b="0" i="0" dirty="0">
-                <a:solidFill>
-                  <a:srgbClr val="333333"/>
-                </a:solidFill>
-                <a:effectLst/>
-                <a:latin typeface="Helvetica Neue"/>
-              </a:rPr>
-              <a:t>코드에서 내가 필요한 부분만 찾아내거나 확장하는 일이 점점 힘들어집니다</a:t>
-            </a:r>
-            <a:r>
-              <a:rPr lang="en-US" altLang="ko-KR" sz="1000" b="0" i="0" dirty="0">
-                <a:solidFill>
-                  <a:srgbClr val="333333"/>
-                </a:solidFill>
-                <a:effectLst/>
-                <a:latin typeface="Helvetica Neue"/>
-              </a:rPr>
-              <a:t>.</a:t>
-            </a:r>
-          </a:p>
-          <a:p>
-            <a:pPr algn="l"/>
-            <a:r>
-              <a:rPr lang="en-US" altLang="ko-KR" sz="1000" b="0" i="0" dirty="0">
-                <a:solidFill>
-                  <a:srgbClr val="333333"/>
-                </a:solidFill>
-                <a:effectLst/>
-                <a:latin typeface="Helvetica Neue"/>
-              </a:rPr>
-              <a:t>4. </a:t>
-            </a:r>
-            <a:r>
-              <a:rPr lang="ko-KR" altLang="en-US" sz="1000" b="0" i="0" dirty="0">
-                <a:solidFill>
-                  <a:srgbClr val="333333"/>
-                </a:solidFill>
-                <a:effectLst/>
-                <a:latin typeface="Helvetica Neue"/>
-              </a:rPr>
-              <a:t>사람들은 고민합니다</a:t>
-            </a:r>
-            <a:r>
-              <a:rPr lang="en-US" altLang="ko-KR" sz="1000" b="0" i="0" dirty="0">
-                <a:solidFill>
-                  <a:srgbClr val="333333"/>
-                </a:solidFill>
-                <a:effectLst/>
-                <a:latin typeface="Helvetica Neue"/>
-              </a:rPr>
-              <a:t>. </a:t>
-            </a:r>
-            <a:r>
-              <a:rPr lang="ko-KR" altLang="en-US" sz="1000" b="0" i="0" dirty="0">
-                <a:solidFill>
-                  <a:srgbClr val="333333"/>
-                </a:solidFill>
-                <a:effectLst/>
-                <a:latin typeface="Helvetica Neue"/>
-              </a:rPr>
-              <a:t>그리고 </a:t>
-            </a:r>
-            <a:r>
-              <a:rPr lang="en-US" altLang="ko-KR" sz="1000" b="0" i="0" dirty="0">
-                <a:solidFill>
-                  <a:srgbClr val="333333"/>
-                </a:solidFill>
-                <a:effectLst/>
-                <a:latin typeface="Helvetica Neue"/>
-              </a:rPr>
-              <a:t>UI </a:t>
-            </a:r>
-            <a:r>
-              <a:rPr lang="ko-KR" altLang="en-US" sz="1000" b="0" i="0" dirty="0">
-                <a:solidFill>
-                  <a:srgbClr val="333333"/>
-                </a:solidFill>
-                <a:effectLst/>
-                <a:latin typeface="Helvetica Neue"/>
-              </a:rPr>
-              <a:t>프로그램에서 가장 핵심적인 덩어리는 </a:t>
-            </a:r>
-            <a:r>
-              <a:rPr lang="en-US" altLang="ko-KR" sz="1000" b="0" i="0" dirty="0">
-                <a:solidFill>
-                  <a:srgbClr val="333333"/>
-                </a:solidFill>
-                <a:effectLst/>
-                <a:latin typeface="Helvetica Neue"/>
-              </a:rPr>
-              <a:t>Model, View, Controller</a:t>
-            </a:r>
-          </a:p>
-          <a:p>
-            <a:pPr algn="l"/>
-            <a:r>
-              <a:rPr lang="en-US" altLang="ko-KR" sz="1000" b="0" i="0" dirty="0">
-                <a:solidFill>
-                  <a:srgbClr val="333333"/>
-                </a:solidFill>
-                <a:effectLst/>
-                <a:latin typeface="Helvetica Neue"/>
-              </a:rPr>
-              <a:t>    </a:t>
-            </a:r>
-            <a:r>
-              <a:rPr lang="ko-KR" altLang="en-US" sz="1000" b="0" i="0" dirty="0">
-                <a:solidFill>
-                  <a:srgbClr val="333333"/>
-                </a:solidFill>
-                <a:effectLst/>
-                <a:latin typeface="Helvetica Neue"/>
-              </a:rPr>
-              <a:t>이며</a:t>
-            </a:r>
-            <a:r>
-              <a:rPr lang="en-US" altLang="ko-KR" sz="1000" b="0" i="0" dirty="0">
-                <a:solidFill>
-                  <a:srgbClr val="333333"/>
-                </a:solidFill>
-                <a:effectLst/>
-                <a:latin typeface="Helvetica Neue"/>
-              </a:rPr>
-              <a:t>, View &lt;-&gt; Controller &lt;-&gt; Model</a:t>
-            </a:r>
-            <a:r>
-              <a:rPr lang="ko-KR" altLang="en-US" sz="1000" b="0" i="0" dirty="0">
-                <a:solidFill>
-                  <a:srgbClr val="333333"/>
-                </a:solidFill>
-                <a:effectLst/>
-                <a:latin typeface="Helvetica Neue"/>
-              </a:rPr>
-              <a:t>과 같은 관계로 연결될 수 있다는 사실을 발견합니다</a:t>
-            </a:r>
-            <a:r>
-              <a:rPr lang="en-US" altLang="ko-KR" sz="1000" b="0" i="0" dirty="0">
-                <a:solidFill>
-                  <a:srgbClr val="333333"/>
-                </a:solidFill>
-                <a:effectLst/>
-                <a:latin typeface="Helvetica Neue"/>
-              </a:rPr>
-              <a:t>.</a:t>
-            </a:r>
-          </a:p>
-          <a:p>
-            <a:pPr algn="l"/>
-            <a:r>
-              <a:rPr lang="en-US" altLang="ko-KR" sz="1000" b="0" i="0" dirty="0">
-                <a:solidFill>
-                  <a:srgbClr val="333333"/>
-                </a:solidFill>
-                <a:effectLst/>
-                <a:latin typeface="Helvetica Neue"/>
-              </a:rPr>
-              <a:t>5. MVC </a:t>
-            </a:r>
-            <a:r>
-              <a:rPr lang="ko-KR" altLang="en-US" sz="1000" b="0" i="0" dirty="0">
-                <a:solidFill>
-                  <a:srgbClr val="333333"/>
-                </a:solidFill>
-                <a:effectLst/>
-                <a:latin typeface="Helvetica Neue"/>
-              </a:rPr>
-              <a:t>구조를 만들어냅니다</a:t>
-            </a:r>
-            <a:r>
-              <a:rPr lang="en-US" altLang="ko-KR" sz="1000" b="0" i="0" dirty="0">
-                <a:solidFill>
-                  <a:srgbClr val="333333"/>
-                </a:solidFill>
-                <a:effectLst/>
-                <a:latin typeface="Helvetica Neue"/>
-              </a:rPr>
-              <a:t>.</a:t>
-            </a:r>
-          </a:p>
-          <a:p>
-            <a:pPr algn="l"/>
-            <a:r>
-              <a:rPr lang="en-US" altLang="ko-KR" sz="1000" b="0" i="0" dirty="0">
-                <a:solidFill>
-                  <a:srgbClr val="333333"/>
-                </a:solidFill>
-                <a:effectLst/>
-                <a:latin typeface="Helvetica Neue"/>
-              </a:rPr>
-              <a:t>    </a:t>
-            </a:r>
-            <a:r>
-              <a:rPr lang="ko-KR" altLang="en-US" sz="1000" b="0" i="0" dirty="0">
-                <a:solidFill>
-                  <a:srgbClr val="333333"/>
-                </a:solidFill>
-                <a:effectLst/>
-                <a:latin typeface="Helvetica Neue"/>
-              </a:rPr>
-              <a:t>각각의 목적에 따라 코드가 분리되어 있어</a:t>
-            </a:r>
-            <a:r>
-              <a:rPr lang="en-US" altLang="ko-KR" sz="1000" b="0" i="0" dirty="0">
-                <a:solidFill>
-                  <a:srgbClr val="333333"/>
-                </a:solidFill>
-                <a:effectLst/>
-                <a:latin typeface="Helvetica Neue"/>
-              </a:rPr>
-              <a:t>, </a:t>
-            </a:r>
-            <a:r>
-              <a:rPr lang="ko-KR" altLang="en-US" sz="1000" b="0" i="0" dirty="0">
-                <a:solidFill>
-                  <a:srgbClr val="333333"/>
-                </a:solidFill>
-                <a:effectLst/>
-                <a:latin typeface="Helvetica Neue"/>
-              </a:rPr>
-              <a:t>유지보수 및 확장성이 뛰어납니다</a:t>
-            </a:r>
-            <a:r>
-              <a:rPr lang="en-US" altLang="ko-KR" sz="1000" b="0" i="0" dirty="0">
-                <a:solidFill>
-                  <a:srgbClr val="333333"/>
-                </a:solidFill>
-                <a:effectLst/>
-                <a:latin typeface="Helvetica Neue"/>
-              </a:rPr>
-              <a:t>.</a:t>
-            </a:r>
-          </a:p>
-          <a:p>
-            <a:pPr algn="l"/>
-            <a:r>
-              <a:rPr lang="en-US" altLang="ko-KR" sz="1000" b="0" i="0" dirty="0">
-                <a:solidFill>
-                  <a:srgbClr val="333333"/>
-                </a:solidFill>
-                <a:effectLst/>
-                <a:latin typeface="Helvetica Neue"/>
-              </a:rPr>
-              <a:t>    View </a:t>
-            </a:r>
-            <a:r>
-              <a:rPr lang="ko-KR" altLang="en-US" sz="1000" b="0" i="0" dirty="0">
-                <a:solidFill>
-                  <a:srgbClr val="333333"/>
-                </a:solidFill>
-                <a:effectLst/>
-                <a:latin typeface="Helvetica Neue"/>
-              </a:rPr>
-              <a:t>코드를 수정하다가 </a:t>
-            </a:r>
-            <a:r>
-              <a:rPr lang="en-US" altLang="ko-KR" sz="1000" b="0" i="0" dirty="0">
-                <a:solidFill>
-                  <a:srgbClr val="333333"/>
-                </a:solidFill>
-                <a:effectLst/>
-                <a:latin typeface="Helvetica Neue"/>
-              </a:rPr>
-              <a:t>Model </a:t>
-            </a:r>
-            <a:r>
-              <a:rPr lang="ko-KR" altLang="en-US" sz="1000" b="0" i="0" dirty="0">
-                <a:solidFill>
-                  <a:srgbClr val="333333"/>
-                </a:solidFill>
-                <a:effectLst/>
-                <a:latin typeface="Helvetica Neue"/>
-              </a:rPr>
-              <a:t>코드를 실수로 수정할 일도 없습니다</a:t>
-            </a:r>
-            <a:r>
-              <a:rPr lang="en-US" altLang="ko-KR" sz="1000" b="0" i="0" dirty="0">
-                <a:solidFill>
-                  <a:srgbClr val="333333"/>
-                </a:solidFill>
-                <a:effectLst/>
-                <a:latin typeface="Helvetica Neue"/>
-              </a:rPr>
-              <a:t>. </a:t>
-            </a:r>
-            <a:r>
-              <a:rPr lang="ko-KR" altLang="en-US" sz="1000" b="0" i="0" dirty="0">
-                <a:solidFill>
-                  <a:srgbClr val="333333"/>
-                </a:solidFill>
-                <a:effectLst/>
-                <a:latin typeface="Helvetica Neue"/>
-              </a:rPr>
-              <a:t>코드도 한층 읽기가 </a:t>
-            </a:r>
-            <a:r>
-              <a:rPr lang="ko-KR" altLang="en-US" sz="1000" b="0" i="0" dirty="0" err="1">
-                <a:solidFill>
-                  <a:srgbClr val="333333"/>
-                </a:solidFill>
-                <a:effectLst/>
-                <a:latin typeface="Helvetica Neue"/>
-              </a:rPr>
-              <a:t>수월해집니다</a:t>
-            </a:r>
-            <a:r>
-              <a:rPr lang="en-US" altLang="ko-KR" sz="1000" b="0" i="0" dirty="0">
-                <a:solidFill>
-                  <a:srgbClr val="333333"/>
-                </a:solidFill>
-                <a:effectLst/>
-                <a:latin typeface="Helvetica Neue"/>
-              </a:rPr>
-              <a:t>.</a:t>
-            </a:r>
-          </a:p>
-          <a:p>
-            <a:pPr algn="l"/>
-            <a:r>
-              <a:rPr lang="en-US" altLang="ko-KR" sz="1000" b="0" i="0" dirty="0">
-                <a:solidFill>
-                  <a:srgbClr val="333333"/>
-                </a:solidFill>
-                <a:effectLst/>
-                <a:latin typeface="Helvetica Neue"/>
-              </a:rPr>
-              <a:t>    </a:t>
-            </a:r>
-            <a:r>
-              <a:rPr lang="ko-KR" altLang="en-US" sz="1000" b="0" i="0" dirty="0">
-                <a:solidFill>
-                  <a:srgbClr val="333333"/>
-                </a:solidFill>
-                <a:effectLst/>
-                <a:latin typeface="Helvetica Neue"/>
-              </a:rPr>
-              <a:t>이제 </a:t>
-            </a:r>
-            <a:r>
-              <a:rPr lang="en-US" altLang="ko-KR" sz="1000" b="0" i="0" dirty="0">
-                <a:solidFill>
-                  <a:srgbClr val="333333"/>
-                </a:solidFill>
-                <a:effectLst/>
-                <a:latin typeface="Helvetica Neue"/>
-              </a:rPr>
-              <a:t>View</a:t>
-            </a:r>
-            <a:r>
-              <a:rPr lang="ko-KR" altLang="en-US" sz="1000" b="0" i="0" dirty="0">
-                <a:solidFill>
-                  <a:srgbClr val="333333"/>
-                </a:solidFill>
-                <a:effectLst/>
-                <a:latin typeface="Helvetica Neue"/>
-              </a:rPr>
-              <a:t>를 수정하려면 </a:t>
-            </a:r>
-            <a:r>
-              <a:rPr lang="en-US" altLang="ko-KR" sz="1000" b="0" i="0" dirty="0">
-                <a:solidFill>
-                  <a:srgbClr val="333333"/>
-                </a:solidFill>
-                <a:effectLst/>
-                <a:latin typeface="Helvetica Neue"/>
-              </a:rPr>
-              <a:t>View </a:t>
-            </a:r>
-            <a:r>
-              <a:rPr lang="ko-KR" altLang="en-US" sz="1000" b="0" i="0" dirty="0">
-                <a:solidFill>
-                  <a:srgbClr val="333333"/>
-                </a:solidFill>
-                <a:effectLst/>
-                <a:latin typeface="Helvetica Neue"/>
-              </a:rPr>
-              <a:t>컴포넌트만 기웃거리면 됩니다</a:t>
-            </a:r>
-            <a:r>
-              <a:rPr lang="en-US" altLang="ko-KR" sz="1000" b="0" i="0" dirty="0">
-                <a:solidFill>
-                  <a:srgbClr val="333333"/>
-                </a:solidFill>
-                <a:effectLst/>
-                <a:latin typeface="Helvetica Neue"/>
-              </a:rPr>
-              <a:t>.</a:t>
-            </a:r>
-          </a:p>
-        </p:txBody>
-      </p:sp>
-    </p:spTree>
-    <p:extLst>
-      <p:ext uri="{BB962C8B-B14F-4D97-AF65-F5344CB8AC3E}">
-        <p14:creationId xmlns:p14="http://schemas.microsoft.com/office/powerpoint/2010/main" val="2361043004"/>
       </p:ext>
     </p:extLst>
   </p:cSld>

--- a/스프링의 구조.pptx
+++ b/스프링의 구조.pptx
@@ -242,7 +242,7 @@
             <a:fld id="{1DF3F4A2-0E57-4C17-80C9-0DADF022DFF7}" type="datetimeFigureOut">
               <a:rPr lang="ko-KR" altLang="en-US" smtClean="0"/>
               <a:pPr/>
-              <a:t>2022-04-11</a:t>
+              <a:t>2022-04-17</a:t>
             </a:fld>
             <a:endParaRPr lang="ko-KR" altLang="en-US"/>
           </a:p>
@@ -641,7 +641,7 @@
           <a:p>
             <a:fld id="{67524C88-55D3-4BDF-8EA6-671B88E3458B}" type="datetime1">
               <a:rPr lang="ko-KR" altLang="en-US" smtClean="0"/>
-              <a:t>2022-04-11</a:t>
+              <a:t>2022-04-17</a:t>
             </a:fld>
             <a:endParaRPr lang="ko-KR" altLang="en-US"/>
           </a:p>
@@ -737,7 +737,7 @@
           <a:p>
             <a:fld id="{07EEF2E2-9D0A-4494-BB0D-603E77C79F91}" type="datetime1">
               <a:rPr lang="ko-KR" altLang="en-US" smtClean="0"/>
-              <a:t>2022-04-11</a:t>
+              <a:t>2022-04-17</a:t>
             </a:fld>
             <a:endParaRPr lang="ko-KR" altLang="en-US"/>
           </a:p>
@@ -881,7 +881,7 @@
           <a:p>
             <a:fld id="{A4F3F21B-DFA0-4D48-BE1A-ADBF6BAE97F9}" type="datetime1">
               <a:rPr lang="ko-KR" altLang="en-US" smtClean="0"/>
-              <a:t>2022-04-11</a:t>
+              <a:t>2022-04-17</a:t>
             </a:fld>
             <a:endParaRPr lang="ko-KR" altLang="en-US"/>
           </a:p>
@@ -1241,7 +1241,7 @@
           <a:p>
             <a:fld id="{36AFC085-6523-4F50-ADD6-C952023DDF3A}" type="datetime1">
               <a:rPr lang="ko-KR" altLang="en-US" smtClean="0"/>
-              <a:t>2022-04-11</a:t>
+              <a:t>2022-04-17</a:t>
             </a:fld>
             <a:endParaRPr lang="ko-KR" altLang="en-US"/>
           </a:p>
@@ -1449,7 +1449,7 @@
           <a:p>
             <a:fld id="{30DF7938-C556-41E7-B76E-783E7A0ECE4C}" type="datetime1">
               <a:rPr lang="ko-KR" altLang="en-US" smtClean="0"/>
-              <a:t>2022-04-11</a:t>
+              <a:t>2022-04-17</a:t>
             </a:fld>
             <a:endParaRPr lang="ko-KR" altLang="en-US"/>
           </a:p>
@@ -1623,7 +1623,7 @@
           <a:p>
             <a:fld id="{1AD701CD-40E2-4753-8BCF-5831B17AADF1}" type="datetime1">
               <a:rPr lang="ko-KR" altLang="en-US" smtClean="0"/>
-              <a:t>2022-04-11</a:t>
+              <a:t>2022-04-17</a:t>
             </a:fld>
             <a:endParaRPr lang="ko-KR" altLang="en-US"/>
           </a:p>
@@ -1837,7 +1837,7 @@
           <a:p>
             <a:fld id="{359E1633-C8A7-401F-9431-5FF96D45B55E}" type="datetime1">
               <a:rPr lang="ko-KR" altLang="en-US" smtClean="0"/>
-              <a:t>2022-04-11</a:t>
+              <a:t>2022-04-17</a:t>
             </a:fld>
             <a:endParaRPr lang="ko-KR" altLang="en-US"/>
           </a:p>
@@ -12189,7 +12189,7 @@
         <p:spPr>
           <a:xfrm>
             <a:off x="254248" y="918860"/>
-            <a:ext cx="10192214" cy="656783"/>
+            <a:ext cx="10192214" cy="373885"/>
           </a:xfrm>
           <a:prstGeom prst="rect">
             <a:avLst/>
@@ -12224,25 +12224,6 @@
                 <a:latin typeface="+mn-ea"/>
               </a:rPr>
               <a:t>?</a:t>
-            </a:r>
-          </a:p>
-          <a:p>
-            <a:pPr marL="268288" indent="-268288">
-              <a:lnSpc>
-                <a:spcPct val="150000"/>
-              </a:lnSpc>
-            </a:pPr>
-            <a:r>
-              <a:rPr lang="en-US" altLang="ko-KR" sz="1200" dirty="0">
-                <a:latin typeface="+mn-ea"/>
-              </a:rPr>
-              <a:t>  -  </a:t>
-            </a:r>
-            <a:r>
-              <a:rPr lang="ko-KR" altLang="en-US" sz="1200" dirty="0">
-                <a:latin typeface="+mn-ea"/>
-              </a:rPr>
-              <a:t>상대방의 업무 파악을 통해 원활한 협업 가능</a:t>
             </a:r>
           </a:p>
         </p:txBody>
@@ -12298,7 +12279,7 @@
         <p:spPr>
           <a:xfrm>
             <a:off x="2255573" y="4619408"/>
-            <a:ext cx="5347546" cy="707886"/>
+            <a:ext cx="5347546" cy="461665"/>
           </a:xfrm>
           <a:prstGeom prst="rect">
             <a:avLst/>
@@ -12312,43 +12293,34 @@
           <a:lstStyle/>
           <a:p>
             <a:r>
-              <a:rPr lang="ko-KR" altLang="en-US" sz="1000" dirty="0"/>
+              <a:rPr lang="ko-KR" altLang="en-US" sz="1200" dirty="0"/>
               <a:t>스프링의 구조를 파악함으로써 </a:t>
             </a:r>
             <a:r>
-              <a:rPr lang="ko-KR" altLang="en-US" sz="1000" dirty="0" err="1"/>
+              <a:rPr lang="ko-KR" altLang="en-US" sz="1200" dirty="0" err="1"/>
               <a:t>프론트엔드</a:t>
             </a:r>
             <a:r>
-              <a:rPr lang="ko-KR" altLang="en-US" sz="1000" dirty="0"/>
+              <a:rPr lang="ko-KR" altLang="en-US" sz="1200" dirty="0"/>
               <a:t> 입장에서 </a:t>
             </a:r>
             <a:r>
-              <a:rPr lang="ko-KR" altLang="en-US" sz="1000" dirty="0" err="1"/>
+              <a:rPr lang="ko-KR" altLang="en-US" sz="1200" dirty="0" err="1"/>
               <a:t>백엔드에서</a:t>
             </a:r>
             <a:r>
-              <a:rPr lang="ko-KR" altLang="en-US" sz="1000" dirty="0"/>
+              <a:rPr lang="ko-KR" altLang="en-US" sz="1200" dirty="0"/>
               <a:t> 데이터를 넘겨 받을 때 </a:t>
             </a:r>
             <a:r>
-              <a:rPr lang="ko-KR" altLang="en-US" sz="1000" dirty="0" err="1"/>
+              <a:rPr lang="ko-KR" altLang="en-US" sz="1200" dirty="0" err="1"/>
               <a:t>어떤식으로</a:t>
             </a:r>
             <a:r>
-              <a:rPr lang="ko-KR" altLang="en-US" sz="1000" dirty="0"/>
+              <a:rPr lang="ko-KR" altLang="en-US" sz="1200" dirty="0"/>
               <a:t> 넘어오는지 알 수가 있음</a:t>
             </a:r>
-            <a:endParaRPr lang="en-US" altLang="ko-KR" sz="1000" dirty="0"/>
-          </a:p>
-          <a:p>
-            <a:endParaRPr lang="ko-KR" altLang="en-US" sz="1000" dirty="0"/>
-          </a:p>
-          <a:p>
-            <a:r>
-              <a:rPr lang="ko-KR" altLang="en-US" sz="1000" dirty="0"/>
-              <a:t>-&gt; 상대방의 역할을 앎으로써 원활한 협업 가능</a:t>
-            </a:r>
+            <a:endParaRPr lang="en-US" altLang="ko-KR" sz="1200" dirty="0"/>
           </a:p>
         </p:txBody>
       </p:sp>
@@ -12395,6 +12367,85 @@
           </a:p>
         </p:txBody>
       </p:sp>
+      <p:sp>
+        <p:nvSpPr>
+          <p:cNvPr id="13" name="TextBox 12">
+            <a:extLst>
+              <a:ext uri="{FF2B5EF4-FFF2-40B4-BE49-F238E27FC236}">
+                <a16:creationId xmlns:a16="http://schemas.microsoft.com/office/drawing/2014/main" id="{B71044BE-0420-4887-8DE0-93B4B50A713A}"/>
+              </a:ext>
+            </a:extLst>
+          </p:cNvPr>
+          <p:cNvSpPr txBox="1"/>
+          <p:nvPr/>
+        </p:nvSpPr>
+        <p:spPr>
+          <a:xfrm>
+            <a:off x="340303" y="1292745"/>
+            <a:ext cx="5346832" cy="276999"/>
+          </a:xfrm>
+          <a:prstGeom prst="rect">
+            <a:avLst/>
+          </a:prstGeom>
+          <a:noFill/>
+        </p:spPr>
+        <p:txBody>
+          <a:bodyPr wrap="square">
+            <a:spAutoFit/>
+          </a:bodyPr>
+          <a:lstStyle/>
+          <a:p>
+            <a:r>
+              <a:rPr lang="en-US" altLang="ko-KR" sz="1200" dirty="0">
+                <a:latin typeface="+mn-ea"/>
+              </a:rPr>
+              <a:t> -  </a:t>
+            </a:r>
+            <a:r>
+              <a:rPr lang="ko-KR" altLang="en-US" sz="1200" dirty="0">
+                <a:latin typeface="+mn-ea"/>
+              </a:rPr>
+              <a:t>상대방의 업무 파악을 통해 원활한 협업 가능</a:t>
+            </a:r>
+            <a:endParaRPr lang="ko-KR" altLang="en-US" sz="1200" dirty="0"/>
+          </a:p>
+        </p:txBody>
+      </p:sp>
+      <p:sp>
+        <p:nvSpPr>
+          <p:cNvPr id="15" name="TextBox 14">
+            <a:extLst>
+              <a:ext uri="{FF2B5EF4-FFF2-40B4-BE49-F238E27FC236}">
+                <a16:creationId xmlns:a16="http://schemas.microsoft.com/office/drawing/2014/main" id="{35E9C38A-E48A-4C2F-AEFE-3AE86488D3A9}"/>
+              </a:ext>
+            </a:extLst>
+          </p:cNvPr>
+          <p:cNvSpPr txBox="1"/>
+          <p:nvPr/>
+        </p:nvSpPr>
+        <p:spPr>
+          <a:xfrm>
+            <a:off x="2257139" y="5260062"/>
+            <a:ext cx="5346832" cy="276999"/>
+          </a:xfrm>
+          <a:prstGeom prst="rect">
+            <a:avLst/>
+          </a:prstGeom>
+          <a:noFill/>
+        </p:spPr>
+        <p:txBody>
+          <a:bodyPr wrap="square">
+            <a:spAutoFit/>
+          </a:bodyPr>
+          <a:lstStyle/>
+          <a:p>
+            <a:r>
+              <a:rPr lang="ko-KR" altLang="en-US" sz="1200" dirty="0"/>
+              <a:t>-&gt; 상대방의 역할을 앎으로써 원활한 협업 가능</a:t>
+            </a:r>
+          </a:p>
+        </p:txBody>
+      </p:sp>
     </p:spTree>
     <p:extLst>
       <p:ext uri="{BB962C8B-B14F-4D97-AF65-F5344CB8AC3E}">
@@ -12405,6 +12456,361 @@
   <p:clrMapOvr>
     <a:masterClrMapping/>
   </p:clrMapOvr>
+  <p:timing>
+    <p:tnLst>
+      <p:par>
+        <p:cTn id="1" dur="indefinite" restart="never" nodeType="tmRoot">
+          <p:childTnLst>
+            <p:seq concurrent="1" nextAc="seek">
+              <p:cTn id="2" dur="indefinite" nodeType="mainSeq">
+                <p:childTnLst>
+                  <p:par>
+                    <p:cTn id="3" fill="hold">
+                      <p:stCondLst>
+                        <p:cond delay="indefinite"/>
+                      </p:stCondLst>
+                      <p:childTnLst>
+                        <p:par>
+                          <p:cTn id="4" fill="hold">
+                            <p:stCondLst>
+                              <p:cond delay="0"/>
+                            </p:stCondLst>
+                            <p:childTnLst>
+                              <p:par>
+                                <p:cTn id="5" presetID="10" presetClass="entr" presetSubtype="0" fill="hold" grpId="0" nodeType="clickEffect">
+                                  <p:stCondLst>
+                                    <p:cond delay="0"/>
+                                  </p:stCondLst>
+                                  <p:childTnLst>
+                                    <p:set>
+                                      <p:cBhvr>
+                                        <p:cTn id="6" dur="1" fill="hold">
+                                          <p:stCondLst>
+                                            <p:cond delay="0"/>
+                                          </p:stCondLst>
+                                        </p:cTn>
+                                        <p:tgtEl>
+                                          <p:spTgt spid="4"/>
+                                        </p:tgtEl>
+                                        <p:attrNameLst>
+                                          <p:attrName>style.visibility</p:attrName>
+                                        </p:attrNameLst>
+                                      </p:cBhvr>
+                                      <p:to>
+                                        <p:strVal val="visible"/>
+                                      </p:to>
+                                    </p:set>
+                                    <p:animEffect transition="in" filter="fade">
+                                      <p:cBhvr>
+                                        <p:cTn id="7" dur="500"/>
+                                        <p:tgtEl>
+                                          <p:spTgt spid="4"/>
+                                        </p:tgtEl>
+                                      </p:cBhvr>
+                                    </p:animEffect>
+                                  </p:childTnLst>
+                                </p:cTn>
+                              </p:par>
+                            </p:childTnLst>
+                          </p:cTn>
+                        </p:par>
+                      </p:childTnLst>
+                    </p:cTn>
+                  </p:par>
+                  <p:par>
+                    <p:cTn id="8" fill="hold">
+                      <p:stCondLst>
+                        <p:cond delay="indefinite"/>
+                      </p:stCondLst>
+                      <p:childTnLst>
+                        <p:par>
+                          <p:cTn id="9" fill="hold">
+                            <p:stCondLst>
+                              <p:cond delay="0"/>
+                            </p:stCondLst>
+                            <p:childTnLst>
+                              <p:par>
+                                <p:cTn id="10" presetID="10" presetClass="entr" presetSubtype="0" fill="hold" grpId="0" nodeType="clickEffect">
+                                  <p:stCondLst>
+                                    <p:cond delay="0"/>
+                                  </p:stCondLst>
+                                  <p:childTnLst>
+                                    <p:set>
+                                      <p:cBhvr>
+                                        <p:cTn id="11" dur="1" fill="hold">
+                                          <p:stCondLst>
+                                            <p:cond delay="0"/>
+                                          </p:stCondLst>
+                                        </p:cTn>
+                                        <p:tgtEl>
+                                          <p:spTgt spid="13"/>
+                                        </p:tgtEl>
+                                        <p:attrNameLst>
+                                          <p:attrName>style.visibility</p:attrName>
+                                        </p:attrNameLst>
+                                      </p:cBhvr>
+                                      <p:to>
+                                        <p:strVal val="visible"/>
+                                      </p:to>
+                                    </p:set>
+                                    <p:animEffect transition="in" filter="fade">
+                                      <p:cBhvr>
+                                        <p:cTn id="12" dur="500"/>
+                                        <p:tgtEl>
+                                          <p:spTgt spid="13"/>
+                                        </p:tgtEl>
+                                      </p:cBhvr>
+                                    </p:animEffect>
+                                  </p:childTnLst>
+                                </p:cTn>
+                              </p:par>
+                            </p:childTnLst>
+                          </p:cTn>
+                        </p:par>
+                      </p:childTnLst>
+                    </p:cTn>
+                  </p:par>
+                  <p:par>
+                    <p:cTn id="13" fill="hold">
+                      <p:stCondLst>
+                        <p:cond delay="indefinite"/>
+                      </p:stCondLst>
+                      <p:childTnLst>
+                        <p:par>
+                          <p:cTn id="14" fill="hold">
+                            <p:stCondLst>
+                              <p:cond delay="0"/>
+                            </p:stCondLst>
+                            <p:childTnLst>
+                              <p:par>
+                                <p:cTn id="15" presetID="10" presetClass="entr" presetSubtype="0" fill="hold" nodeType="clickEffect">
+                                  <p:stCondLst>
+                                    <p:cond delay="0"/>
+                                  </p:stCondLst>
+                                  <p:childTnLst>
+                                    <p:set>
+                                      <p:cBhvr>
+                                        <p:cTn id="16" dur="1" fill="hold">
+                                          <p:stCondLst>
+                                            <p:cond delay="0"/>
+                                          </p:stCondLst>
+                                        </p:cTn>
+                                        <p:tgtEl>
+                                          <p:spTgt spid="6"/>
+                                        </p:tgtEl>
+                                        <p:attrNameLst>
+                                          <p:attrName>style.visibility</p:attrName>
+                                        </p:attrNameLst>
+                                      </p:cBhvr>
+                                      <p:to>
+                                        <p:strVal val="visible"/>
+                                      </p:to>
+                                    </p:set>
+                                    <p:animEffect transition="in" filter="fade">
+                                      <p:cBhvr>
+                                        <p:cTn id="17" dur="500"/>
+                                        <p:tgtEl>
+                                          <p:spTgt spid="6"/>
+                                        </p:tgtEl>
+                                      </p:cBhvr>
+                                    </p:animEffect>
+                                  </p:childTnLst>
+                                </p:cTn>
+                              </p:par>
+                            </p:childTnLst>
+                          </p:cTn>
+                        </p:par>
+                      </p:childTnLst>
+                    </p:cTn>
+                  </p:par>
+                  <p:par>
+                    <p:cTn id="18" fill="hold">
+                      <p:stCondLst>
+                        <p:cond delay="indefinite"/>
+                      </p:stCondLst>
+                      <p:childTnLst>
+                        <p:par>
+                          <p:cTn id="19" fill="hold">
+                            <p:stCondLst>
+                              <p:cond delay="0"/>
+                            </p:stCondLst>
+                            <p:childTnLst>
+                              <p:par>
+                                <p:cTn id="20" presetID="10" presetClass="entr" presetSubtype="0" fill="hold" grpId="0" nodeType="clickEffect">
+                                  <p:stCondLst>
+                                    <p:cond delay="0"/>
+                                  </p:stCondLst>
+                                  <p:childTnLst>
+                                    <p:set>
+                                      <p:cBhvr>
+                                        <p:cTn id="21" dur="1" fill="hold">
+                                          <p:stCondLst>
+                                            <p:cond delay="0"/>
+                                          </p:stCondLst>
+                                        </p:cTn>
+                                        <p:tgtEl>
+                                          <p:spTgt spid="10"/>
+                                        </p:tgtEl>
+                                        <p:attrNameLst>
+                                          <p:attrName>style.visibility</p:attrName>
+                                        </p:attrNameLst>
+                                      </p:cBhvr>
+                                      <p:to>
+                                        <p:strVal val="visible"/>
+                                      </p:to>
+                                    </p:set>
+                                    <p:animEffect transition="in" filter="fade">
+                                      <p:cBhvr>
+                                        <p:cTn id="22" dur="500"/>
+                                        <p:tgtEl>
+                                          <p:spTgt spid="10"/>
+                                        </p:tgtEl>
+                                      </p:cBhvr>
+                                    </p:animEffect>
+                                  </p:childTnLst>
+                                </p:cTn>
+                              </p:par>
+                            </p:childTnLst>
+                          </p:cTn>
+                        </p:par>
+                      </p:childTnLst>
+                    </p:cTn>
+                  </p:par>
+                  <p:par>
+                    <p:cTn id="23" fill="hold">
+                      <p:stCondLst>
+                        <p:cond delay="indefinite"/>
+                      </p:stCondLst>
+                      <p:childTnLst>
+                        <p:par>
+                          <p:cTn id="24" fill="hold">
+                            <p:stCondLst>
+                              <p:cond delay="0"/>
+                            </p:stCondLst>
+                            <p:childTnLst>
+                              <p:par>
+                                <p:cTn id="25" presetID="10" presetClass="entr" presetSubtype="0" fill="hold" grpId="0" nodeType="clickEffect">
+                                  <p:stCondLst>
+                                    <p:cond delay="0"/>
+                                  </p:stCondLst>
+                                  <p:childTnLst>
+                                    <p:set>
+                                      <p:cBhvr>
+                                        <p:cTn id="26" dur="1" fill="hold">
+                                          <p:stCondLst>
+                                            <p:cond delay="0"/>
+                                          </p:stCondLst>
+                                        </p:cTn>
+                                        <p:tgtEl>
+                                          <p:spTgt spid="8"/>
+                                        </p:tgtEl>
+                                        <p:attrNameLst>
+                                          <p:attrName>style.visibility</p:attrName>
+                                        </p:attrNameLst>
+                                      </p:cBhvr>
+                                      <p:to>
+                                        <p:strVal val="visible"/>
+                                      </p:to>
+                                    </p:set>
+                                    <p:animEffect transition="in" filter="fade">
+                                      <p:cBhvr>
+                                        <p:cTn id="27" dur="500"/>
+                                        <p:tgtEl>
+                                          <p:spTgt spid="8"/>
+                                        </p:tgtEl>
+                                      </p:cBhvr>
+                                    </p:animEffect>
+                                  </p:childTnLst>
+                                </p:cTn>
+                              </p:par>
+                            </p:childTnLst>
+                          </p:cTn>
+                        </p:par>
+                      </p:childTnLst>
+                    </p:cTn>
+                  </p:par>
+                  <p:par>
+                    <p:cTn id="28" fill="hold">
+                      <p:stCondLst>
+                        <p:cond delay="indefinite"/>
+                      </p:stCondLst>
+                      <p:childTnLst>
+                        <p:par>
+                          <p:cTn id="29" fill="hold">
+                            <p:stCondLst>
+                              <p:cond delay="0"/>
+                            </p:stCondLst>
+                            <p:childTnLst>
+                              <p:par>
+                                <p:cTn id="30" presetID="10" presetClass="entr" presetSubtype="0" fill="hold" grpId="0" nodeType="clickEffect">
+                                  <p:stCondLst>
+                                    <p:cond delay="0"/>
+                                  </p:stCondLst>
+                                  <p:childTnLst>
+                                    <p:set>
+                                      <p:cBhvr>
+                                        <p:cTn id="31" dur="1" fill="hold">
+                                          <p:stCondLst>
+                                            <p:cond delay="0"/>
+                                          </p:stCondLst>
+                                        </p:cTn>
+                                        <p:tgtEl>
+                                          <p:spTgt spid="15"/>
+                                        </p:tgtEl>
+                                        <p:attrNameLst>
+                                          <p:attrName>style.visibility</p:attrName>
+                                        </p:attrNameLst>
+                                      </p:cBhvr>
+                                      <p:to>
+                                        <p:strVal val="visible"/>
+                                      </p:to>
+                                    </p:set>
+                                    <p:animEffect transition="in" filter="fade">
+                                      <p:cBhvr>
+                                        <p:cTn id="32" dur="500"/>
+                                        <p:tgtEl>
+                                          <p:spTgt spid="15"/>
+                                        </p:tgtEl>
+                                      </p:cBhvr>
+                                    </p:animEffect>
+                                  </p:childTnLst>
+                                </p:cTn>
+                              </p:par>
+                            </p:childTnLst>
+                          </p:cTn>
+                        </p:par>
+                      </p:childTnLst>
+                    </p:cTn>
+                  </p:par>
+                </p:childTnLst>
+              </p:cTn>
+              <p:prevCondLst>
+                <p:cond evt="onPrev" delay="0">
+                  <p:tgtEl>
+                    <p:sldTgt/>
+                  </p:tgtEl>
+                </p:cond>
+              </p:prevCondLst>
+              <p:nextCondLst>
+                <p:cond evt="onNext" delay="0">
+                  <p:tgtEl>
+                    <p:sldTgt/>
+                  </p:tgtEl>
+                </p:cond>
+              </p:nextCondLst>
+            </p:seq>
+          </p:childTnLst>
+        </p:cTn>
+      </p:par>
+    </p:tnLst>
+    <p:bldLst>
+      <p:bldP spid="4" grpId="0"/>
+      <p:bldP spid="8" grpId="0"/>
+      <p:bldP spid="10" grpId="0"/>
+      <p:bldP spid="13" grpId="0"/>
+      <p:bldP spid="15" grpId="0"/>
+    </p:bldLst>
+  </p:timing>
 </p:sld>
 </file>
 
@@ -12509,7 +12915,7 @@
         <p:spPr>
           <a:xfrm>
             <a:off x="254248" y="918860"/>
-            <a:ext cx="10192214" cy="656783"/>
+            <a:ext cx="10192214" cy="373885"/>
           </a:xfrm>
           <a:prstGeom prst="rect">
             <a:avLst/>
@@ -12546,32 +12952,6 @@
               <a:t> 역할</a:t>
             </a:r>
             <a:endParaRPr lang="en-US" altLang="ko-KR" sz="1400" dirty="0">
-              <a:latin typeface="+mn-ea"/>
-            </a:endParaRPr>
-          </a:p>
-          <a:p>
-            <a:pPr marL="268288" indent="-268288">
-              <a:lnSpc>
-                <a:spcPct val="150000"/>
-              </a:lnSpc>
-            </a:pPr>
-            <a:r>
-              <a:rPr lang="en-US" altLang="ko-KR" sz="1200" dirty="0">
-                <a:latin typeface="+mn-ea"/>
-              </a:rPr>
-              <a:t>  - </a:t>
-            </a:r>
-            <a:r>
-              <a:rPr lang="ko-KR" altLang="en-US" sz="1200" b="0" i="0" dirty="0">
-                <a:solidFill>
-                  <a:srgbClr val="000000"/>
-                </a:solidFill>
-                <a:effectLst/>
-                <a:latin typeface="Noto Sans KR"/>
-              </a:rPr>
-              <a:t>서버에서 제공해주는 데이터를 가져와서 화면에 나타나게 해주는 것이 기본</a:t>
-            </a:r>
-            <a:endParaRPr lang="ko-KR" altLang="en-US" sz="1200" dirty="0">
               <a:latin typeface="+mn-ea"/>
             </a:endParaRPr>
           </a:p>
@@ -12613,6 +12993,49 @@
           </a:prstGeom>
         </p:spPr>
       </p:pic>
+      <p:sp>
+        <p:nvSpPr>
+          <p:cNvPr id="8" name="TextBox 7">
+            <a:extLst>
+              <a:ext uri="{FF2B5EF4-FFF2-40B4-BE49-F238E27FC236}">
+                <a16:creationId xmlns:a16="http://schemas.microsoft.com/office/drawing/2014/main" id="{002A2459-39A7-40E5-B74E-988F62BE00DF}"/>
+              </a:ext>
+            </a:extLst>
+          </p:cNvPr>
+          <p:cNvSpPr txBox="1"/>
+          <p:nvPr/>
+        </p:nvSpPr>
+        <p:spPr>
+          <a:xfrm>
+            <a:off x="340302" y="1292745"/>
+            <a:ext cx="5588859" cy="276999"/>
+          </a:xfrm>
+          <a:prstGeom prst="rect">
+            <a:avLst/>
+          </a:prstGeom>
+          <a:noFill/>
+        </p:spPr>
+        <p:txBody>
+          <a:bodyPr wrap="square">
+            <a:spAutoFit/>
+          </a:bodyPr>
+          <a:lstStyle/>
+          <a:p>
+            <a:r>
+              <a:rPr lang="en-US" altLang="ko-KR" sz="1200" dirty="0">
+                <a:latin typeface="+mn-ea"/>
+              </a:rPr>
+              <a:t>- </a:t>
+            </a:r>
+            <a:r>
+              <a:rPr lang="ko-KR" altLang="en-US" sz="1200" dirty="0">
+                <a:latin typeface="+mn-ea"/>
+              </a:rPr>
+              <a:t>서버에서 제공해주는 데이터를 가져와서 화면에 나타나게 해주는 것이 기본</a:t>
+            </a:r>
+          </a:p>
+        </p:txBody>
+      </p:sp>
     </p:spTree>
     <p:extLst>
       <p:ext uri="{BB962C8B-B14F-4D97-AF65-F5344CB8AC3E}">
@@ -12623,6 +13046,199 @@
   <p:clrMapOvr>
     <a:masterClrMapping/>
   </p:clrMapOvr>
+  <p:timing>
+    <p:tnLst>
+      <p:par>
+        <p:cTn id="1" dur="indefinite" restart="never" nodeType="tmRoot">
+          <p:childTnLst>
+            <p:seq concurrent="1" nextAc="seek">
+              <p:cTn id="2" dur="indefinite" nodeType="mainSeq">
+                <p:childTnLst>
+                  <p:par>
+                    <p:cTn id="3" fill="hold">
+                      <p:stCondLst>
+                        <p:cond delay="indefinite"/>
+                      </p:stCondLst>
+                      <p:childTnLst>
+                        <p:par>
+                          <p:cTn id="4" fill="hold">
+                            <p:stCondLst>
+                              <p:cond delay="0"/>
+                            </p:stCondLst>
+                            <p:childTnLst>
+                              <p:par>
+                                <p:cTn id="5" presetID="10" presetClass="entr" presetSubtype="0" fill="hold" grpId="0" nodeType="clickEffect">
+                                  <p:stCondLst>
+                                    <p:cond delay="0"/>
+                                  </p:stCondLst>
+                                  <p:childTnLst>
+                                    <p:set>
+                                      <p:cBhvr>
+                                        <p:cTn id="6" dur="1" fill="hold">
+                                          <p:stCondLst>
+                                            <p:cond delay="0"/>
+                                          </p:stCondLst>
+                                        </p:cTn>
+                                        <p:tgtEl>
+                                          <p:spTgt spid="4"/>
+                                        </p:tgtEl>
+                                        <p:attrNameLst>
+                                          <p:attrName>style.visibility</p:attrName>
+                                        </p:attrNameLst>
+                                      </p:cBhvr>
+                                      <p:to>
+                                        <p:strVal val="visible"/>
+                                      </p:to>
+                                    </p:set>
+                                    <p:animEffect transition="in" filter="fade">
+                                      <p:cBhvr>
+                                        <p:cTn id="7" dur="500"/>
+                                        <p:tgtEl>
+                                          <p:spTgt spid="4"/>
+                                        </p:tgtEl>
+                                      </p:cBhvr>
+                                    </p:animEffect>
+                                  </p:childTnLst>
+                                </p:cTn>
+                              </p:par>
+                            </p:childTnLst>
+                          </p:cTn>
+                        </p:par>
+                      </p:childTnLst>
+                    </p:cTn>
+                  </p:par>
+                  <p:par>
+                    <p:cTn id="8" fill="hold">
+                      <p:stCondLst>
+                        <p:cond delay="indefinite"/>
+                      </p:stCondLst>
+                      <p:childTnLst>
+                        <p:par>
+                          <p:cTn id="9" fill="hold">
+                            <p:stCondLst>
+                              <p:cond delay="0"/>
+                            </p:stCondLst>
+                            <p:childTnLst>
+                              <p:par>
+                                <p:cTn id="10" presetID="10" presetClass="entr" presetSubtype="0" fill="hold" grpId="0" nodeType="clickEffect">
+                                  <p:stCondLst>
+                                    <p:cond delay="0"/>
+                                  </p:stCondLst>
+                                  <p:childTnLst>
+                                    <p:set>
+                                      <p:cBhvr>
+                                        <p:cTn id="11" dur="1" fill="hold">
+                                          <p:stCondLst>
+                                            <p:cond delay="0"/>
+                                          </p:stCondLst>
+                                        </p:cTn>
+                                        <p:tgtEl>
+                                          <p:spTgt spid="8"/>
+                                        </p:tgtEl>
+                                        <p:attrNameLst>
+                                          <p:attrName>style.visibility</p:attrName>
+                                        </p:attrNameLst>
+                                      </p:cBhvr>
+                                      <p:to>
+                                        <p:strVal val="visible"/>
+                                      </p:to>
+                                    </p:set>
+                                    <p:animEffect transition="in" filter="fade">
+                                      <p:cBhvr>
+                                        <p:cTn id="12" dur="500"/>
+                                        <p:tgtEl>
+                                          <p:spTgt spid="8"/>
+                                        </p:tgtEl>
+                                      </p:cBhvr>
+                                    </p:animEffect>
+                                  </p:childTnLst>
+                                </p:cTn>
+                              </p:par>
+                            </p:childTnLst>
+                          </p:cTn>
+                        </p:par>
+                      </p:childTnLst>
+                    </p:cTn>
+                  </p:par>
+                  <p:par>
+                    <p:cTn id="13" fill="hold">
+                      <p:stCondLst>
+                        <p:cond delay="indefinite"/>
+                      </p:stCondLst>
+                      <p:childTnLst>
+                        <p:par>
+                          <p:cTn id="14" fill="hold">
+                            <p:stCondLst>
+                              <p:cond delay="0"/>
+                            </p:stCondLst>
+                            <p:childTnLst>
+                              <p:par>
+                                <p:cTn id="15" presetID="10" presetClass="entr" presetSubtype="0" fill="hold" nodeType="clickEffect">
+                                  <p:stCondLst>
+                                    <p:cond delay="0"/>
+                                  </p:stCondLst>
+                                  <p:childTnLst>
+                                    <p:set>
+                                      <p:cBhvr>
+                                        <p:cTn id="16" dur="1" fill="hold">
+                                          <p:stCondLst>
+                                            <p:cond delay="0"/>
+                                          </p:stCondLst>
+                                        </p:cTn>
+                                        <p:tgtEl>
+                                          <p:spTgt spid="6"/>
+                                        </p:tgtEl>
+                                        <p:attrNameLst>
+                                          <p:attrName>style.visibility</p:attrName>
+                                        </p:attrNameLst>
+                                      </p:cBhvr>
+                                      <p:to>
+                                        <p:strVal val="visible"/>
+                                      </p:to>
+                                    </p:set>
+                                    <p:animEffect transition="in" filter="fade">
+                                      <p:cBhvr>
+                                        <p:cTn id="17" dur="500"/>
+                                        <p:tgtEl>
+                                          <p:spTgt spid="6"/>
+                                        </p:tgtEl>
+                                      </p:cBhvr>
+                                    </p:animEffect>
+                                  </p:childTnLst>
+                                </p:cTn>
+                              </p:par>
+                            </p:childTnLst>
+                          </p:cTn>
+                        </p:par>
+                      </p:childTnLst>
+                    </p:cTn>
+                  </p:par>
+                </p:childTnLst>
+              </p:cTn>
+              <p:prevCondLst>
+                <p:cond evt="onPrev" delay="0">
+                  <p:tgtEl>
+                    <p:sldTgt/>
+                  </p:tgtEl>
+                </p:cond>
+              </p:prevCondLst>
+              <p:nextCondLst>
+                <p:cond evt="onNext" delay="0">
+                  <p:tgtEl>
+                    <p:sldTgt/>
+                  </p:tgtEl>
+                </p:cond>
+              </p:nextCondLst>
+            </p:seq>
+          </p:childTnLst>
+        </p:cTn>
+      </p:par>
+    </p:tnLst>
+    <p:bldLst>
+      <p:bldP spid="4" grpId="0"/>
+      <p:bldP spid="8" grpId="0"/>
+    </p:bldLst>
+  </p:timing>
 </p:sld>
 </file>
 
@@ -12727,7 +13343,7 @@
         <p:spPr>
           <a:xfrm>
             <a:off x="254248" y="918860"/>
-            <a:ext cx="10192214" cy="656783"/>
+            <a:ext cx="10192214" cy="373885"/>
           </a:xfrm>
           <a:prstGeom prst="rect">
             <a:avLst/>
@@ -12764,32 +13380,6 @@
               <a:t> 역할</a:t>
             </a:r>
             <a:endParaRPr lang="en-US" altLang="ko-KR" sz="1400" dirty="0">
-              <a:latin typeface="+mn-ea"/>
-            </a:endParaRPr>
-          </a:p>
-          <a:p>
-            <a:pPr marL="268288" indent="-268288">
-              <a:lnSpc>
-                <a:spcPct val="150000"/>
-              </a:lnSpc>
-            </a:pPr>
-            <a:r>
-              <a:rPr lang="en-US" altLang="ko-KR" sz="1200" dirty="0">
-                <a:latin typeface="+mn-ea"/>
-              </a:rPr>
-              <a:t>  - </a:t>
-            </a:r>
-            <a:r>
-              <a:rPr lang="ko-KR" altLang="en-US" sz="1200" b="0" i="0" dirty="0">
-                <a:solidFill>
-                  <a:srgbClr val="000000"/>
-                </a:solidFill>
-                <a:effectLst/>
-                <a:latin typeface="Noto Sans KR"/>
-              </a:rPr>
-              <a:t>요청 받은 데이터를 서버에서 처리 후 돌려주는 것이 기본</a:t>
-            </a:r>
-            <a:endParaRPr lang="ko-KR" altLang="en-US" sz="1200" dirty="0">
               <a:latin typeface="+mn-ea"/>
             </a:endParaRPr>
           </a:p>
@@ -13010,78 +13600,99 @@
           </a:p>
         </p:txBody>
       </p:sp>
-      <p:pic>
-        <p:nvPicPr>
-          <p:cNvPr id="10" name="그림 9">
+      <p:grpSp>
+        <p:nvGrpSpPr>
+          <p:cNvPr id="6" name="그룹 5">
             <a:extLst>
               <a:ext uri="{FF2B5EF4-FFF2-40B4-BE49-F238E27FC236}">
-                <a16:creationId xmlns:a16="http://schemas.microsoft.com/office/drawing/2014/main" id="{8FAC0097-34D0-426A-8669-2E3C6B7949B5}"/>
+                <a16:creationId xmlns:a16="http://schemas.microsoft.com/office/drawing/2014/main" id="{D52D90D2-90E0-4FDB-8415-7CB72CA04361}"/>
               </a:ext>
             </a:extLst>
           </p:cNvPr>
-          <p:cNvPicPr>
-            <a:picLocks noChangeAspect="1"/>
-          </p:cNvPicPr>
+          <p:cNvGrpSpPr/>
           <p:nvPr/>
-        </p:nvPicPr>
-        <p:blipFill>
-          <a:blip r:embed="rId2">
-            <a:extLst>
-              <a:ext uri="{28A0092B-C50C-407E-A947-70E740481C1C}">
-                <a14:useLocalDpi xmlns:a14="http://schemas.microsoft.com/office/drawing/2010/main" val="0"/>
-              </a:ext>
-            </a:extLst>
-          </a:blip>
-          <a:stretch>
-            <a:fillRect/>
-          </a:stretch>
-        </p:blipFill>
-        <p:spPr>
+        </p:nvGrpSpPr>
+        <p:grpSpPr>
           <a:xfrm>
             <a:off x="1114283" y="2186497"/>
             <a:ext cx="8463245" cy="2679807"/>
+            <a:chOff x="1114283" y="2186497"/>
+            <a:chExt cx="8463245" cy="2679807"/>
           </a:xfrm>
-          <a:prstGeom prst="rect">
-            <a:avLst/>
-          </a:prstGeom>
-        </p:spPr>
-      </p:pic>
-      <p:pic>
-        <p:nvPicPr>
-          <p:cNvPr id="12" name="그림 11">
-            <a:extLst>
-              <a:ext uri="{FF2B5EF4-FFF2-40B4-BE49-F238E27FC236}">
-                <a16:creationId xmlns:a16="http://schemas.microsoft.com/office/drawing/2014/main" id="{F8B627D7-9877-4983-AA2A-DF720C0F7936}"/>
-              </a:ext>
-            </a:extLst>
-          </p:cNvPr>
-          <p:cNvPicPr>
-            <a:picLocks noChangeAspect="1"/>
-          </p:cNvPicPr>
-          <p:nvPr/>
-        </p:nvPicPr>
-        <p:blipFill>
-          <a:blip r:embed="rId3" cstate="print">
-            <a:extLst>
-              <a:ext uri="{28A0092B-C50C-407E-A947-70E740481C1C}">
-                <a14:useLocalDpi xmlns:a14="http://schemas.microsoft.com/office/drawing/2010/main" val="0"/>
-              </a:ext>
-            </a:extLst>
-          </a:blip>
-          <a:stretch>
-            <a:fillRect/>
-          </a:stretch>
-        </p:blipFill>
-        <p:spPr>
-          <a:xfrm>
-            <a:off x="5873810" y="3359402"/>
-            <a:ext cx="746048" cy="373024"/>
-          </a:xfrm>
-          <a:prstGeom prst="rect">
-            <a:avLst/>
-          </a:prstGeom>
-        </p:spPr>
-      </p:pic>
+        </p:grpSpPr>
+        <p:pic>
+          <p:nvPicPr>
+            <p:cNvPr id="10" name="그림 9">
+              <a:extLst>
+                <a:ext uri="{FF2B5EF4-FFF2-40B4-BE49-F238E27FC236}">
+                  <a16:creationId xmlns:a16="http://schemas.microsoft.com/office/drawing/2014/main" id="{8FAC0097-34D0-426A-8669-2E3C6B7949B5}"/>
+                </a:ext>
+              </a:extLst>
+            </p:cNvPr>
+            <p:cNvPicPr>
+              <a:picLocks noChangeAspect="1"/>
+            </p:cNvPicPr>
+            <p:nvPr/>
+          </p:nvPicPr>
+          <p:blipFill>
+            <a:blip r:embed="rId2">
+              <a:extLst>
+                <a:ext uri="{28A0092B-C50C-407E-A947-70E740481C1C}">
+                  <a14:useLocalDpi xmlns:a14="http://schemas.microsoft.com/office/drawing/2010/main" val="0"/>
+                </a:ext>
+              </a:extLst>
+            </a:blip>
+            <a:stretch>
+              <a:fillRect/>
+            </a:stretch>
+          </p:blipFill>
+          <p:spPr>
+            <a:xfrm>
+              <a:off x="1114283" y="2186497"/>
+              <a:ext cx="8463245" cy="2679807"/>
+            </a:xfrm>
+            <a:prstGeom prst="rect">
+              <a:avLst/>
+            </a:prstGeom>
+          </p:spPr>
+        </p:pic>
+        <p:pic>
+          <p:nvPicPr>
+            <p:cNvPr id="12" name="그림 11">
+              <a:extLst>
+                <a:ext uri="{FF2B5EF4-FFF2-40B4-BE49-F238E27FC236}">
+                  <a16:creationId xmlns:a16="http://schemas.microsoft.com/office/drawing/2014/main" id="{F8B627D7-9877-4983-AA2A-DF720C0F7936}"/>
+                </a:ext>
+              </a:extLst>
+            </p:cNvPr>
+            <p:cNvPicPr>
+              <a:picLocks noChangeAspect="1"/>
+            </p:cNvPicPr>
+            <p:nvPr/>
+          </p:nvPicPr>
+          <p:blipFill>
+            <a:blip r:embed="rId3" cstate="print">
+              <a:extLst>
+                <a:ext uri="{28A0092B-C50C-407E-A947-70E740481C1C}">
+                  <a14:useLocalDpi xmlns:a14="http://schemas.microsoft.com/office/drawing/2010/main" val="0"/>
+                </a:ext>
+              </a:extLst>
+            </a:blip>
+            <a:stretch>
+              <a:fillRect/>
+            </a:stretch>
+          </p:blipFill>
+          <p:spPr>
+            <a:xfrm>
+              <a:off x="5873810" y="3359402"/>
+              <a:ext cx="746048" cy="373024"/>
+            </a:xfrm>
+            <a:prstGeom prst="rect">
+              <a:avLst/>
+            </a:prstGeom>
+          </p:spPr>
+        </p:pic>
+      </p:grpSp>
       <p:sp>
         <p:nvSpPr>
           <p:cNvPr id="13" name="TextBox 12">
@@ -13117,6 +13728,49 @@
           </a:p>
         </p:txBody>
       </p:sp>
+      <p:sp>
+        <p:nvSpPr>
+          <p:cNvPr id="14" name="TextBox 13">
+            <a:extLst>
+              <a:ext uri="{FF2B5EF4-FFF2-40B4-BE49-F238E27FC236}">
+                <a16:creationId xmlns:a16="http://schemas.microsoft.com/office/drawing/2014/main" id="{6EF4929B-03D2-4931-84CE-8673BC51C494}"/>
+              </a:ext>
+            </a:extLst>
+          </p:cNvPr>
+          <p:cNvSpPr txBox="1"/>
+          <p:nvPr/>
+        </p:nvSpPr>
+        <p:spPr>
+          <a:xfrm>
+            <a:off x="340302" y="1292745"/>
+            <a:ext cx="5588859" cy="276999"/>
+          </a:xfrm>
+          <a:prstGeom prst="rect">
+            <a:avLst/>
+          </a:prstGeom>
+          <a:noFill/>
+        </p:spPr>
+        <p:txBody>
+          <a:bodyPr wrap="square">
+            <a:spAutoFit/>
+          </a:bodyPr>
+          <a:lstStyle/>
+          <a:p>
+            <a:r>
+              <a:rPr lang="en-US" altLang="ko-KR" sz="1200" dirty="0">
+                <a:latin typeface="+mn-ea"/>
+              </a:rPr>
+              <a:t>- </a:t>
+            </a:r>
+            <a:r>
+              <a:rPr lang="ko-KR" altLang="en-US" sz="1200" dirty="0">
+                <a:latin typeface="+mn-ea"/>
+              </a:rPr>
+              <a:t>요청 받은 데이터를 서버에서 처리 후 돌려주는 것이 기본</a:t>
+            </a:r>
+          </a:p>
+        </p:txBody>
+      </p:sp>
     </p:spTree>
     <p:extLst>
       <p:ext uri="{BB962C8B-B14F-4D97-AF65-F5344CB8AC3E}">
@@ -13127,6 +13781,307 @@
   <p:clrMapOvr>
     <a:masterClrMapping/>
   </p:clrMapOvr>
+  <p:timing>
+    <p:tnLst>
+      <p:par>
+        <p:cTn id="1" dur="indefinite" restart="never" nodeType="tmRoot">
+          <p:childTnLst>
+            <p:seq concurrent="1" nextAc="seek">
+              <p:cTn id="2" dur="indefinite" nodeType="mainSeq">
+                <p:childTnLst>
+                  <p:par>
+                    <p:cTn id="3" fill="hold">
+                      <p:stCondLst>
+                        <p:cond delay="indefinite"/>
+                      </p:stCondLst>
+                      <p:childTnLst>
+                        <p:par>
+                          <p:cTn id="4" fill="hold">
+                            <p:stCondLst>
+                              <p:cond delay="0"/>
+                            </p:stCondLst>
+                            <p:childTnLst>
+                              <p:par>
+                                <p:cTn id="5" presetID="10" presetClass="entr" presetSubtype="0" fill="hold" grpId="0" nodeType="clickEffect">
+                                  <p:stCondLst>
+                                    <p:cond delay="0"/>
+                                  </p:stCondLst>
+                                  <p:childTnLst>
+                                    <p:set>
+                                      <p:cBhvr>
+                                        <p:cTn id="6" dur="1" fill="hold">
+                                          <p:stCondLst>
+                                            <p:cond delay="0"/>
+                                          </p:stCondLst>
+                                        </p:cTn>
+                                        <p:tgtEl>
+                                          <p:spTgt spid="4"/>
+                                        </p:tgtEl>
+                                        <p:attrNameLst>
+                                          <p:attrName>style.visibility</p:attrName>
+                                        </p:attrNameLst>
+                                      </p:cBhvr>
+                                      <p:to>
+                                        <p:strVal val="visible"/>
+                                      </p:to>
+                                    </p:set>
+                                    <p:animEffect transition="in" filter="fade">
+                                      <p:cBhvr>
+                                        <p:cTn id="7" dur="500"/>
+                                        <p:tgtEl>
+                                          <p:spTgt spid="4"/>
+                                        </p:tgtEl>
+                                      </p:cBhvr>
+                                    </p:animEffect>
+                                  </p:childTnLst>
+                                </p:cTn>
+                              </p:par>
+                            </p:childTnLst>
+                          </p:cTn>
+                        </p:par>
+                      </p:childTnLst>
+                    </p:cTn>
+                  </p:par>
+                  <p:par>
+                    <p:cTn id="8" fill="hold">
+                      <p:stCondLst>
+                        <p:cond delay="indefinite"/>
+                      </p:stCondLst>
+                      <p:childTnLst>
+                        <p:par>
+                          <p:cTn id="9" fill="hold">
+                            <p:stCondLst>
+                              <p:cond delay="0"/>
+                            </p:stCondLst>
+                            <p:childTnLst>
+                              <p:par>
+                                <p:cTn id="10" presetID="10" presetClass="entr" presetSubtype="0" fill="hold" grpId="0" nodeType="clickEffect">
+                                  <p:stCondLst>
+                                    <p:cond delay="0"/>
+                                  </p:stCondLst>
+                                  <p:childTnLst>
+                                    <p:set>
+                                      <p:cBhvr>
+                                        <p:cTn id="11" dur="1" fill="hold">
+                                          <p:stCondLst>
+                                            <p:cond delay="0"/>
+                                          </p:stCondLst>
+                                        </p:cTn>
+                                        <p:tgtEl>
+                                          <p:spTgt spid="14"/>
+                                        </p:tgtEl>
+                                        <p:attrNameLst>
+                                          <p:attrName>style.visibility</p:attrName>
+                                        </p:attrNameLst>
+                                      </p:cBhvr>
+                                      <p:to>
+                                        <p:strVal val="visible"/>
+                                      </p:to>
+                                    </p:set>
+                                    <p:animEffect transition="in" filter="fade">
+                                      <p:cBhvr>
+                                        <p:cTn id="12" dur="500"/>
+                                        <p:tgtEl>
+                                          <p:spTgt spid="14"/>
+                                        </p:tgtEl>
+                                      </p:cBhvr>
+                                    </p:animEffect>
+                                  </p:childTnLst>
+                                </p:cTn>
+                              </p:par>
+                            </p:childTnLst>
+                          </p:cTn>
+                        </p:par>
+                      </p:childTnLst>
+                    </p:cTn>
+                  </p:par>
+                  <p:par>
+                    <p:cTn id="13" fill="hold">
+                      <p:stCondLst>
+                        <p:cond delay="indefinite"/>
+                      </p:stCondLst>
+                      <p:childTnLst>
+                        <p:par>
+                          <p:cTn id="14" fill="hold">
+                            <p:stCondLst>
+                              <p:cond delay="0"/>
+                            </p:stCondLst>
+                            <p:childTnLst>
+                              <p:par>
+                                <p:cTn id="15" presetID="10" presetClass="entr" presetSubtype="0" fill="hold" nodeType="clickEffect">
+                                  <p:stCondLst>
+                                    <p:cond delay="0"/>
+                                  </p:stCondLst>
+                                  <p:childTnLst>
+                                    <p:set>
+                                      <p:cBhvr>
+                                        <p:cTn id="16" dur="1" fill="hold">
+                                          <p:stCondLst>
+                                            <p:cond delay="0"/>
+                                          </p:stCondLst>
+                                        </p:cTn>
+                                        <p:tgtEl>
+                                          <p:spTgt spid="6"/>
+                                        </p:tgtEl>
+                                        <p:attrNameLst>
+                                          <p:attrName>style.visibility</p:attrName>
+                                        </p:attrNameLst>
+                                      </p:cBhvr>
+                                      <p:to>
+                                        <p:strVal val="visible"/>
+                                      </p:to>
+                                    </p:set>
+                                    <p:animEffect transition="in" filter="fade">
+                                      <p:cBhvr>
+                                        <p:cTn id="17" dur="500"/>
+                                        <p:tgtEl>
+                                          <p:spTgt spid="6"/>
+                                        </p:tgtEl>
+                                      </p:cBhvr>
+                                    </p:animEffect>
+                                  </p:childTnLst>
+                                </p:cTn>
+                              </p:par>
+                            </p:childTnLst>
+                          </p:cTn>
+                        </p:par>
+                      </p:childTnLst>
+                    </p:cTn>
+                  </p:par>
+                  <p:par>
+                    <p:cTn id="18" fill="hold">
+                      <p:stCondLst>
+                        <p:cond delay="indefinite"/>
+                      </p:stCondLst>
+                      <p:childTnLst>
+                        <p:par>
+                          <p:cTn id="19" fill="hold">
+                            <p:stCondLst>
+                              <p:cond delay="0"/>
+                            </p:stCondLst>
+                            <p:childTnLst>
+                              <p:par>
+                                <p:cTn id="20" presetID="10" presetClass="entr" presetSubtype="0" fill="hold" grpId="0" nodeType="clickEffect">
+                                  <p:stCondLst>
+                                    <p:cond delay="0"/>
+                                  </p:stCondLst>
+                                  <p:childTnLst>
+                                    <p:set>
+                                      <p:cBhvr>
+                                        <p:cTn id="21" dur="1" fill="hold">
+                                          <p:stCondLst>
+                                            <p:cond delay="0"/>
+                                          </p:stCondLst>
+                                        </p:cTn>
+                                        <p:tgtEl>
+                                          <p:spTgt spid="8"/>
+                                        </p:tgtEl>
+                                        <p:attrNameLst>
+                                          <p:attrName>style.visibility</p:attrName>
+                                        </p:attrNameLst>
+                                      </p:cBhvr>
+                                      <p:to>
+                                        <p:strVal val="visible"/>
+                                      </p:to>
+                                    </p:set>
+                                    <p:animEffect transition="in" filter="fade">
+                                      <p:cBhvr>
+                                        <p:cTn id="22" dur="500"/>
+                                        <p:tgtEl>
+                                          <p:spTgt spid="8"/>
+                                        </p:tgtEl>
+                                      </p:cBhvr>
+                                    </p:animEffect>
+                                  </p:childTnLst>
+                                </p:cTn>
+                              </p:par>
+                            </p:childTnLst>
+                          </p:cTn>
+                        </p:par>
+                      </p:childTnLst>
+                    </p:cTn>
+                  </p:par>
+                  <p:par>
+                    <p:cTn id="23" fill="hold">
+                      <p:stCondLst>
+                        <p:cond delay="indefinite"/>
+                      </p:stCondLst>
+                      <p:childTnLst>
+                        <p:par>
+                          <p:cTn id="24" fill="hold">
+                            <p:stCondLst>
+                              <p:cond delay="0"/>
+                            </p:stCondLst>
+                            <p:childTnLst>
+                              <p:par>
+                                <p:cTn id="25" presetID="10" presetClass="entr" presetSubtype="0" fill="hold" grpId="0" nodeType="clickEffect">
+                                  <p:stCondLst>
+                                    <p:cond delay="0"/>
+                                  </p:stCondLst>
+                                  <p:childTnLst>
+                                    <p:set>
+                                      <p:cBhvr>
+                                        <p:cTn id="26" dur="1" fill="hold">
+                                          <p:stCondLst>
+                                            <p:cond delay="0"/>
+                                          </p:stCondLst>
+                                        </p:cTn>
+                                        <p:tgtEl>
+                                          <p:spTgt spid="13"/>
+                                        </p:tgtEl>
+                                        <p:attrNameLst>
+                                          <p:attrName>style.visibility</p:attrName>
+                                        </p:attrNameLst>
+                                      </p:cBhvr>
+                                      <p:to>
+                                        <p:strVal val="visible"/>
+                                      </p:to>
+                                    </p:set>
+                                    <p:animEffect transition="in" filter="fade">
+                                      <p:cBhvr>
+                                        <p:cTn id="27" dur="500"/>
+                                        <p:tgtEl>
+                                          <p:spTgt spid="13"/>
+                                        </p:tgtEl>
+                                      </p:cBhvr>
+                                    </p:animEffect>
+                                  </p:childTnLst>
+                                </p:cTn>
+                              </p:par>
+                            </p:childTnLst>
+                          </p:cTn>
+                        </p:par>
+                      </p:childTnLst>
+                    </p:cTn>
+                  </p:par>
+                </p:childTnLst>
+              </p:cTn>
+              <p:prevCondLst>
+                <p:cond evt="onPrev" delay="0">
+                  <p:tgtEl>
+                    <p:sldTgt/>
+                  </p:tgtEl>
+                </p:cond>
+              </p:prevCondLst>
+              <p:nextCondLst>
+                <p:cond evt="onNext" delay="0">
+                  <p:tgtEl>
+                    <p:sldTgt/>
+                  </p:tgtEl>
+                </p:cond>
+              </p:nextCondLst>
+            </p:seq>
+          </p:childTnLst>
+        </p:cTn>
+      </p:par>
+    </p:tnLst>
+    <p:bldLst>
+      <p:bldP spid="4" grpId="0"/>
+      <p:bldP spid="8" grpId="0" animBg="1"/>
+      <p:bldP spid="13" grpId="0"/>
+      <p:bldP spid="14" grpId="0"/>
+    </p:bldLst>
+  </p:timing>
 </p:sld>
 </file>
 
